--- a/40_docs/project_update.pptx
+++ b/40_docs/project_update.pptx
@@ -5,14 +5,20 @@
     <p:sldMasterId id="2147483660" r:id="rId1"/>
   </p:sldMasterIdLst>
   <p:notesMasterIdLst>
-    <p:notesMasterId r:id="rId7"/>
+    <p:notesMasterId r:id="rId13"/>
   </p:notesMasterIdLst>
   <p:sldIdLst>
     <p:sldId id="256" r:id="rId2"/>
-    <p:sldId id="258" r:id="rId3"/>
-    <p:sldId id="263" r:id="rId4"/>
-    <p:sldId id="262" r:id="rId5"/>
-    <p:sldId id="257" r:id="rId6"/>
+    <p:sldId id="257" r:id="rId3"/>
+    <p:sldId id="265" r:id="rId4"/>
+    <p:sldId id="268" r:id="rId5"/>
+    <p:sldId id="264" r:id="rId6"/>
+    <p:sldId id="272" r:id="rId7"/>
+    <p:sldId id="270" r:id="rId8"/>
+    <p:sldId id="273" r:id="rId9"/>
+    <p:sldId id="267" r:id="rId10"/>
+    <p:sldId id="274" r:id="rId11"/>
+    <p:sldId id="275" r:id="rId12"/>
   </p:sldIdLst>
   <p:sldSz cx="12192000" cy="6858000"/>
   <p:notesSz cx="6858000" cy="9144000"/>
@@ -201,7 +207,7 @@
           <a:p>
             <a:fld id="{FA700322-E375-B64C-A849-7C1FAA582108}" type="datetimeFigureOut">
               <a:rPr lang="en-CH" smtClean="0"/>
-              <a:t>07.10.24</a:t>
+              <a:t>18.10.24</a:t>
             </a:fld>
             <a:endParaRPr lang="en-CH"/>
           </a:p>
@@ -515,7 +521,51 @@
           <a:p>
             <a:r>
               <a:rPr lang="en-CH" dirty="0"/>
-              <a:t> </a:t>
+              <a:t>There has already been a good amount of work done in this area, particularly in evaluating potential revenues from BESS in certain markets and in different type cases (e.g. C&amp;I, utility-scale). </a:t>
+            </a:r>
+          </a:p>
+          <a:p>
+            <a:r>
+              <a:rPr lang="en-CH" dirty="0"/>
+              <a:t>However, the main research gaps are three folds:</a:t>
+            </a:r>
+          </a:p>
+          <a:p>
+            <a:pPr marL="171450" indent="-171450">
+              <a:buFontTx/>
+              <a:buChar char="-"/>
+            </a:pPr>
+            <a:r>
+              <a:rPr lang="en-CH" dirty="0"/>
+              <a:t>Extensiveness: comparison of technology and revenue mixes.</a:t>
+            </a:r>
+          </a:p>
+          <a:p>
+            <a:pPr marL="171450" indent="-171450">
+              <a:buFontTx/>
+              <a:buChar char="-"/>
+            </a:pPr>
+            <a:r>
+              <a:rPr lang="en-CH" dirty="0"/>
+              <a:t>CO</a:t>
+            </a:r>
+            <a:r>
+              <a:rPr lang="en-CH" baseline="-25000" dirty="0"/>
+              <a:t>2</a:t>
+            </a:r>
+            <a:r>
+              <a:rPr lang="en-CH" dirty="0"/>
+              <a:t> awareness</a:t>
+            </a:r>
+          </a:p>
+          <a:p>
+            <a:pPr marL="171450" indent="-171450">
+              <a:buFontTx/>
+              <a:buChar char="-"/>
+            </a:pPr>
+            <a:r>
+              <a:rPr lang="en-CH" dirty="0"/>
+              <a:t>Market conditions elements: trends in market conditions.</a:t>
             </a:r>
           </a:p>
         </p:txBody>
@@ -537,7 +587,7 @@
           <a:p>
             <a:fld id="{B7F654D8-3171-7F4B-9F61-1BEA4575071F}" type="slidenum">
               <a:rPr lang="en-CH" smtClean="0"/>
-              <a:t>2</a:t>
+              <a:t>3</a:t>
             </a:fld>
             <a:endParaRPr lang="en-CH"/>
           </a:p>
@@ -546,7 +596,7 @@
     </p:spTree>
     <p:extLst>
       <p:ext uri="{BB962C8B-B14F-4D97-AF65-F5344CB8AC3E}">
-        <p14:creationId xmlns:p14="http://schemas.microsoft.com/office/powerpoint/2010/main" val="2930388084"/>
+        <p14:creationId xmlns:p14="http://schemas.microsoft.com/office/powerpoint/2010/main" val="3704253085"/>
       </p:ext>
     </p:extLst>
   </p:cSld>
@@ -564,7 +614,7 @@
         <p:cNvPr id="1" name="">
           <a:extLst>
             <a:ext uri="{FF2B5EF4-FFF2-40B4-BE49-F238E27FC236}">
-              <a16:creationId xmlns:a16="http://schemas.microsoft.com/office/drawing/2014/main" id="{75D96479-DB6A-82BC-78A8-F6A4F458237C}"/>
+              <a16:creationId xmlns:a16="http://schemas.microsoft.com/office/drawing/2014/main" id="{AC560BCC-3416-4750-016A-EA4762527E65}"/>
             </a:ext>
           </a:extLst>
         </p:cNvPr>
@@ -584,7 +634,7 @@
           <p:cNvPr id="2" name="Slide Image Placeholder 1">
             <a:extLst>
               <a:ext uri="{FF2B5EF4-FFF2-40B4-BE49-F238E27FC236}">
-                <a16:creationId xmlns:a16="http://schemas.microsoft.com/office/drawing/2014/main" id="{345B7604-8B53-A1C8-F700-EE5EE51260F5}"/>
+                <a16:creationId xmlns:a16="http://schemas.microsoft.com/office/drawing/2014/main" id="{851E8277-2A86-D05B-7829-BCEF7B87F020}"/>
               </a:ext>
             </a:extLst>
           </p:cNvPr>
@@ -602,7 +652,7 @@
           <p:cNvPr id="3" name="Notes Placeholder 2">
             <a:extLst>
               <a:ext uri="{FF2B5EF4-FFF2-40B4-BE49-F238E27FC236}">
-                <a16:creationId xmlns:a16="http://schemas.microsoft.com/office/drawing/2014/main" id="{CA5598A2-CD54-C188-9ED2-4AD8ADB68D3A}"/>
+                <a16:creationId xmlns:a16="http://schemas.microsoft.com/office/drawing/2014/main" id="{365E8C62-B738-6C9B-3115-80AB61E14C62}"/>
               </a:ext>
             </a:extLst>
           </p:cNvPr>
@@ -630,7 +680,7 @@
           <p:cNvPr id="4" name="Slide Number Placeholder 3">
             <a:extLst>
               <a:ext uri="{FF2B5EF4-FFF2-40B4-BE49-F238E27FC236}">
-                <a16:creationId xmlns:a16="http://schemas.microsoft.com/office/drawing/2014/main" id="{AF842655-C02F-0FA2-4F53-C2F42267AB6A}"/>
+                <a16:creationId xmlns:a16="http://schemas.microsoft.com/office/drawing/2014/main" id="{CD9EF943-952D-D111-66EC-3F6790F73638}"/>
               </a:ext>
             </a:extLst>
           </p:cNvPr>
@@ -648,7 +698,7 @@
           <a:p>
             <a:fld id="{B7F654D8-3171-7F4B-9F61-1BEA4575071F}" type="slidenum">
               <a:rPr lang="en-CH" smtClean="0"/>
-              <a:t>3</a:t>
+              <a:t>5</a:t>
             </a:fld>
             <a:endParaRPr lang="en-CH"/>
           </a:p>
@@ -657,7 +707,400 @@
     </p:spTree>
     <p:extLst>
       <p:ext uri="{BB962C8B-B14F-4D97-AF65-F5344CB8AC3E}">
-        <p14:creationId xmlns:p14="http://schemas.microsoft.com/office/powerpoint/2010/main" val="3918234924"/>
+        <p14:creationId xmlns:p14="http://schemas.microsoft.com/office/powerpoint/2010/main" val="1333809191"/>
+      </p:ext>
+    </p:extLst>
+  </p:cSld>
+  <p:clrMapOvr>
+    <a:masterClrMapping/>
+  </p:clrMapOvr>
+</p:notes>
+</file>
+
+<file path=ppt/notesSlides/notesSlide3.xml><?xml version="1.0" encoding="utf-8"?>
+<p:notes xmlns:a="http://schemas.openxmlformats.org/drawingml/2006/main" xmlns:r="http://schemas.openxmlformats.org/officeDocument/2006/relationships" xmlns:p="http://schemas.openxmlformats.org/presentationml/2006/main">
+  <p:cSld>
+    <p:spTree>
+      <p:nvGrpSpPr>
+        <p:cNvPr id="1" name=""/>
+        <p:cNvGrpSpPr/>
+        <p:nvPr/>
+      </p:nvGrpSpPr>
+      <p:grpSpPr>
+        <a:xfrm>
+          <a:off x="0" y="0"/>
+          <a:ext cx="0" cy="0"/>
+          <a:chOff x="0" y="0"/>
+          <a:chExt cx="0" cy="0"/>
+        </a:xfrm>
+      </p:grpSpPr>
+      <p:sp>
+        <p:nvSpPr>
+          <p:cNvPr id="2" name="Slide Image Placeholder 1"/>
+          <p:cNvSpPr>
+            <a:spLocks noGrp="1" noRot="1" noChangeAspect="1"/>
+          </p:cNvSpPr>
+          <p:nvPr>
+            <p:ph type="sldImg"/>
+          </p:nvPr>
+        </p:nvSpPr>
+        <p:spPr/>
+      </p:sp>
+      <p:sp>
+        <p:nvSpPr>
+          <p:cNvPr id="3" name="Notes Placeholder 2"/>
+          <p:cNvSpPr>
+            <a:spLocks noGrp="1"/>
+          </p:cNvSpPr>
+          <p:nvPr>
+            <p:ph type="body" idx="1"/>
+          </p:nvPr>
+        </p:nvSpPr>
+        <p:spPr/>
+        <p:txBody>
+          <a:bodyPr/>
+          <a:lstStyle/>
+          <a:p>
+            <a:endParaRPr lang="en-CH" dirty="0"/>
+          </a:p>
+        </p:txBody>
+      </p:sp>
+      <p:sp>
+        <p:nvSpPr>
+          <p:cNvPr id="4" name="Slide Number Placeholder 3"/>
+          <p:cNvSpPr>
+            <a:spLocks noGrp="1"/>
+          </p:cNvSpPr>
+          <p:nvPr>
+            <p:ph type="sldNum" sz="quarter" idx="5"/>
+          </p:nvPr>
+        </p:nvSpPr>
+        <p:spPr/>
+        <p:txBody>
+          <a:bodyPr/>
+          <a:lstStyle/>
+          <a:p>
+            <a:fld id="{B7F654D8-3171-7F4B-9F61-1BEA4575071F}" type="slidenum">
+              <a:rPr lang="en-CH" smtClean="0"/>
+              <a:t>6</a:t>
+            </a:fld>
+            <a:endParaRPr lang="en-CH"/>
+          </a:p>
+        </p:txBody>
+      </p:sp>
+    </p:spTree>
+    <p:extLst>
+      <p:ext uri="{BB962C8B-B14F-4D97-AF65-F5344CB8AC3E}">
+        <p14:creationId xmlns:p14="http://schemas.microsoft.com/office/powerpoint/2010/main" val="1118295972"/>
+      </p:ext>
+    </p:extLst>
+  </p:cSld>
+  <p:clrMapOvr>
+    <a:masterClrMapping/>
+  </p:clrMapOvr>
+</p:notes>
+</file>
+
+<file path=ppt/notesSlides/notesSlide4.xml><?xml version="1.0" encoding="utf-8"?>
+<p:notes xmlns:a="http://schemas.openxmlformats.org/drawingml/2006/main" xmlns:r="http://schemas.openxmlformats.org/officeDocument/2006/relationships" xmlns:p="http://schemas.openxmlformats.org/presentationml/2006/main">
+  <p:cSld>
+    <p:spTree>
+      <p:nvGrpSpPr>
+        <p:cNvPr id="1" name=""/>
+        <p:cNvGrpSpPr/>
+        <p:nvPr/>
+      </p:nvGrpSpPr>
+      <p:grpSpPr>
+        <a:xfrm>
+          <a:off x="0" y="0"/>
+          <a:ext cx="0" cy="0"/>
+          <a:chOff x="0" y="0"/>
+          <a:chExt cx="0" cy="0"/>
+        </a:xfrm>
+      </p:grpSpPr>
+      <p:sp>
+        <p:nvSpPr>
+          <p:cNvPr id="2" name="Slide Image Placeholder 1"/>
+          <p:cNvSpPr>
+            <a:spLocks noGrp="1" noRot="1" noChangeAspect="1"/>
+          </p:cNvSpPr>
+          <p:nvPr>
+            <p:ph type="sldImg"/>
+          </p:nvPr>
+        </p:nvSpPr>
+        <p:spPr/>
+      </p:sp>
+      <p:sp>
+        <p:nvSpPr>
+          <p:cNvPr id="3" name="Notes Placeholder 2"/>
+          <p:cNvSpPr>
+            <a:spLocks noGrp="1"/>
+          </p:cNvSpPr>
+          <p:nvPr>
+            <p:ph type="body" idx="1"/>
+          </p:nvPr>
+        </p:nvSpPr>
+        <p:spPr/>
+        <p:txBody>
+          <a:bodyPr/>
+          <a:lstStyle/>
+          <a:p>
+            <a:r>
+              <a:rPr lang="en-CH" dirty="0"/>
+              <a:t>AND 15min day ahead starting next year</a:t>
+            </a:r>
+          </a:p>
+        </p:txBody>
+      </p:sp>
+      <p:sp>
+        <p:nvSpPr>
+          <p:cNvPr id="4" name="Slide Number Placeholder 3"/>
+          <p:cNvSpPr>
+            <a:spLocks noGrp="1"/>
+          </p:cNvSpPr>
+          <p:nvPr>
+            <p:ph type="sldNum" sz="quarter" idx="5"/>
+          </p:nvPr>
+        </p:nvSpPr>
+        <p:spPr/>
+        <p:txBody>
+          <a:bodyPr/>
+          <a:lstStyle/>
+          <a:p>
+            <a:fld id="{B7F654D8-3171-7F4B-9F61-1BEA4575071F}" type="slidenum">
+              <a:rPr lang="en-CH" smtClean="0"/>
+              <a:t>7</a:t>
+            </a:fld>
+            <a:endParaRPr lang="en-CH"/>
+          </a:p>
+        </p:txBody>
+      </p:sp>
+    </p:spTree>
+    <p:extLst>
+      <p:ext uri="{BB962C8B-B14F-4D97-AF65-F5344CB8AC3E}">
+        <p14:creationId xmlns:p14="http://schemas.microsoft.com/office/powerpoint/2010/main" val="3735567474"/>
+      </p:ext>
+    </p:extLst>
+  </p:cSld>
+  <p:clrMapOvr>
+    <a:masterClrMapping/>
+  </p:clrMapOvr>
+</p:notes>
+</file>
+
+<file path=ppt/notesSlides/notesSlide5.xml><?xml version="1.0" encoding="utf-8"?>
+<p:notes xmlns:a="http://schemas.openxmlformats.org/drawingml/2006/main" xmlns:r="http://schemas.openxmlformats.org/officeDocument/2006/relationships" xmlns:p="http://schemas.openxmlformats.org/presentationml/2006/main">
+  <p:cSld>
+    <p:spTree>
+      <p:nvGrpSpPr>
+        <p:cNvPr id="1" name="">
+          <a:extLst>
+            <a:ext uri="{FF2B5EF4-FFF2-40B4-BE49-F238E27FC236}">
+              <a16:creationId xmlns:a16="http://schemas.microsoft.com/office/drawing/2014/main" id="{8057832C-29D7-7ACC-11C4-FB6C3639D43D}"/>
+            </a:ext>
+          </a:extLst>
+        </p:cNvPr>
+        <p:cNvGrpSpPr/>
+        <p:nvPr/>
+      </p:nvGrpSpPr>
+      <p:grpSpPr>
+        <a:xfrm>
+          <a:off x="0" y="0"/>
+          <a:ext cx="0" cy="0"/>
+          <a:chOff x="0" y="0"/>
+          <a:chExt cx="0" cy="0"/>
+        </a:xfrm>
+      </p:grpSpPr>
+      <p:sp>
+        <p:nvSpPr>
+          <p:cNvPr id="2" name="Slide Image Placeholder 1">
+            <a:extLst>
+              <a:ext uri="{FF2B5EF4-FFF2-40B4-BE49-F238E27FC236}">
+                <a16:creationId xmlns:a16="http://schemas.microsoft.com/office/drawing/2014/main" id="{413BF310-C58C-A9E0-9864-71E0CED2D478}"/>
+              </a:ext>
+            </a:extLst>
+          </p:cNvPr>
+          <p:cNvSpPr>
+            <a:spLocks noGrp="1" noRot="1" noChangeAspect="1"/>
+          </p:cNvSpPr>
+          <p:nvPr>
+            <p:ph type="sldImg"/>
+          </p:nvPr>
+        </p:nvSpPr>
+        <p:spPr/>
+      </p:sp>
+      <p:sp>
+        <p:nvSpPr>
+          <p:cNvPr id="3" name="Notes Placeholder 2">
+            <a:extLst>
+              <a:ext uri="{FF2B5EF4-FFF2-40B4-BE49-F238E27FC236}">
+                <a16:creationId xmlns:a16="http://schemas.microsoft.com/office/drawing/2014/main" id="{6CFFFAE4-633D-F89B-3B73-B081F7A4B4C6}"/>
+              </a:ext>
+            </a:extLst>
+          </p:cNvPr>
+          <p:cNvSpPr>
+            <a:spLocks noGrp="1"/>
+          </p:cNvSpPr>
+          <p:nvPr>
+            <p:ph type="body" idx="1"/>
+          </p:nvPr>
+        </p:nvSpPr>
+        <p:spPr/>
+        <p:txBody>
+          <a:bodyPr/>
+          <a:lstStyle/>
+          <a:p>
+            <a:r>
+              <a:rPr lang="en-CH" dirty="0"/>
+              <a:t> </a:t>
+            </a:r>
+          </a:p>
+        </p:txBody>
+      </p:sp>
+      <p:sp>
+        <p:nvSpPr>
+          <p:cNvPr id="4" name="Slide Number Placeholder 3">
+            <a:extLst>
+              <a:ext uri="{FF2B5EF4-FFF2-40B4-BE49-F238E27FC236}">
+                <a16:creationId xmlns:a16="http://schemas.microsoft.com/office/drawing/2014/main" id="{976B2A82-4326-C347-6527-27C824D94F0D}"/>
+              </a:ext>
+            </a:extLst>
+          </p:cNvPr>
+          <p:cNvSpPr>
+            <a:spLocks noGrp="1"/>
+          </p:cNvSpPr>
+          <p:nvPr>
+            <p:ph type="sldNum" sz="quarter" idx="5"/>
+          </p:nvPr>
+        </p:nvSpPr>
+        <p:spPr/>
+        <p:txBody>
+          <a:bodyPr/>
+          <a:lstStyle/>
+          <a:p>
+            <a:fld id="{B7F654D8-3171-7F4B-9F61-1BEA4575071F}" type="slidenum">
+              <a:rPr lang="en-CH" smtClean="0"/>
+              <a:t>8</a:t>
+            </a:fld>
+            <a:endParaRPr lang="en-CH"/>
+          </a:p>
+        </p:txBody>
+      </p:sp>
+    </p:spTree>
+    <p:extLst>
+      <p:ext uri="{BB962C8B-B14F-4D97-AF65-F5344CB8AC3E}">
+        <p14:creationId xmlns:p14="http://schemas.microsoft.com/office/powerpoint/2010/main" val="2181320107"/>
+      </p:ext>
+    </p:extLst>
+  </p:cSld>
+  <p:clrMapOvr>
+    <a:masterClrMapping/>
+  </p:clrMapOvr>
+</p:notes>
+</file>
+
+<file path=ppt/notesSlides/notesSlide6.xml><?xml version="1.0" encoding="utf-8"?>
+<p:notes xmlns:a="http://schemas.openxmlformats.org/drawingml/2006/main" xmlns:r="http://schemas.openxmlformats.org/officeDocument/2006/relationships" xmlns:p="http://schemas.openxmlformats.org/presentationml/2006/main">
+  <p:cSld>
+    <p:spTree>
+      <p:nvGrpSpPr>
+        <p:cNvPr id="1" name="">
+          <a:extLst>
+            <a:ext uri="{FF2B5EF4-FFF2-40B4-BE49-F238E27FC236}">
+              <a16:creationId xmlns:a16="http://schemas.microsoft.com/office/drawing/2014/main" id="{28A5AF7D-C05B-72DD-5D43-D6606245CD6E}"/>
+            </a:ext>
+          </a:extLst>
+        </p:cNvPr>
+        <p:cNvGrpSpPr/>
+        <p:nvPr/>
+      </p:nvGrpSpPr>
+      <p:grpSpPr>
+        <a:xfrm>
+          <a:off x="0" y="0"/>
+          <a:ext cx="0" cy="0"/>
+          <a:chOff x="0" y="0"/>
+          <a:chExt cx="0" cy="0"/>
+        </a:xfrm>
+      </p:grpSpPr>
+      <p:sp>
+        <p:nvSpPr>
+          <p:cNvPr id="2" name="Slide Image Placeholder 1">
+            <a:extLst>
+              <a:ext uri="{FF2B5EF4-FFF2-40B4-BE49-F238E27FC236}">
+                <a16:creationId xmlns:a16="http://schemas.microsoft.com/office/drawing/2014/main" id="{34C5B534-9464-2354-017A-C142412A2648}"/>
+              </a:ext>
+            </a:extLst>
+          </p:cNvPr>
+          <p:cNvSpPr>
+            <a:spLocks noGrp="1" noRot="1" noChangeAspect="1"/>
+          </p:cNvSpPr>
+          <p:nvPr>
+            <p:ph type="sldImg"/>
+          </p:nvPr>
+        </p:nvSpPr>
+        <p:spPr/>
+      </p:sp>
+      <p:sp>
+        <p:nvSpPr>
+          <p:cNvPr id="3" name="Notes Placeholder 2">
+            <a:extLst>
+              <a:ext uri="{FF2B5EF4-FFF2-40B4-BE49-F238E27FC236}">
+                <a16:creationId xmlns:a16="http://schemas.microsoft.com/office/drawing/2014/main" id="{D0582EFA-E470-D58C-70C9-70D0F3CD892F}"/>
+              </a:ext>
+            </a:extLst>
+          </p:cNvPr>
+          <p:cNvSpPr>
+            <a:spLocks noGrp="1"/>
+          </p:cNvSpPr>
+          <p:nvPr>
+            <p:ph type="body" idx="1"/>
+          </p:nvPr>
+        </p:nvSpPr>
+        <p:spPr/>
+        <p:txBody>
+          <a:bodyPr/>
+          <a:lstStyle/>
+          <a:p>
+            <a:r>
+              <a:rPr lang="en-CH" dirty="0"/>
+              <a:t> </a:t>
+            </a:r>
+          </a:p>
+        </p:txBody>
+      </p:sp>
+      <p:sp>
+        <p:nvSpPr>
+          <p:cNvPr id="4" name="Slide Number Placeholder 3">
+            <a:extLst>
+              <a:ext uri="{FF2B5EF4-FFF2-40B4-BE49-F238E27FC236}">
+                <a16:creationId xmlns:a16="http://schemas.microsoft.com/office/drawing/2014/main" id="{EDDC443E-318B-EED8-4023-EC99232D0145}"/>
+              </a:ext>
+            </a:extLst>
+          </p:cNvPr>
+          <p:cNvSpPr>
+            <a:spLocks noGrp="1"/>
+          </p:cNvSpPr>
+          <p:nvPr>
+            <p:ph type="sldNum" sz="quarter" idx="5"/>
+          </p:nvPr>
+        </p:nvSpPr>
+        <p:spPr/>
+        <p:txBody>
+          <a:bodyPr/>
+          <a:lstStyle/>
+          <a:p>
+            <a:fld id="{B7F654D8-3171-7F4B-9F61-1BEA4575071F}" type="slidenum">
+              <a:rPr lang="en-CH" smtClean="0"/>
+              <a:t>9</a:t>
+            </a:fld>
+            <a:endParaRPr lang="en-CH"/>
+          </a:p>
+        </p:txBody>
+      </p:sp>
+    </p:spTree>
+    <p:extLst>
+      <p:ext uri="{BB962C8B-B14F-4D97-AF65-F5344CB8AC3E}">
+        <p14:creationId xmlns:p14="http://schemas.microsoft.com/office/powerpoint/2010/main" val="3532971445"/>
       </p:ext>
     </p:extLst>
   </p:cSld>
@@ -1156,7 +1599,7 @@
           <a:p>
             <a:fld id="{6C3525F4-B991-3E44-A245-188EAA1ECC2A}" type="datetimeFigureOut">
               <a:rPr lang="en-CH" smtClean="0"/>
-              <a:t>07.10.24</a:t>
+              <a:t>18.10.24</a:t>
             </a:fld>
             <a:endParaRPr lang="en-CH"/>
           </a:p>
@@ -1347,7 +1790,7 @@
           <a:p>
             <a:fld id="{6C3525F4-B991-3E44-A245-188EAA1ECC2A}" type="datetimeFigureOut">
               <a:rPr lang="en-CH" smtClean="0"/>
-              <a:t>07.10.24</a:t>
+              <a:t>18.10.24</a:t>
             </a:fld>
             <a:endParaRPr lang="en-CH"/>
           </a:p>
@@ -1630,7 +2073,7 @@
           <a:p>
             <a:fld id="{6C3525F4-B991-3E44-A245-188EAA1ECC2A}" type="datetimeFigureOut">
               <a:rPr lang="en-CH" smtClean="0"/>
-              <a:t>07.10.24</a:t>
+              <a:t>18.10.24</a:t>
             </a:fld>
             <a:endParaRPr lang="en-CH"/>
           </a:p>
@@ -1924,7 +2367,7 @@
           <a:p>
             <a:fld id="{6C3525F4-B991-3E44-A245-188EAA1ECC2A}" type="datetimeFigureOut">
               <a:rPr lang="en-CH" smtClean="0"/>
-              <a:t>07.10.24</a:t>
+              <a:t>18.10.24</a:t>
             </a:fld>
             <a:endParaRPr lang="en-CH"/>
           </a:p>
@@ -2320,7 +2763,7 @@
           <a:p>
             <a:fld id="{6C3525F4-B991-3E44-A245-188EAA1ECC2A}" type="datetimeFigureOut">
               <a:rPr lang="en-CH" smtClean="0"/>
-              <a:t>07.10.24</a:t>
+              <a:t>18.10.24</a:t>
             </a:fld>
             <a:endParaRPr lang="en-CH"/>
           </a:p>
@@ -2684,7 +3127,7 @@
           <a:p>
             <a:fld id="{6C3525F4-B991-3E44-A245-188EAA1ECC2A}" type="datetimeFigureOut">
               <a:rPr lang="en-CH" smtClean="0"/>
-              <a:t>07.10.24</a:t>
+              <a:t>18.10.24</a:t>
             </a:fld>
             <a:endParaRPr lang="en-CH"/>
           </a:p>
@@ -4709,7 +5152,7 @@
           <a:p>
             <a:fld id="{6C3525F4-B991-3E44-A245-188EAA1ECC2A}" type="datetimeFigureOut">
               <a:rPr lang="en-CH" smtClean="0"/>
-              <a:t>07.10.24</a:t>
+              <a:t>18.10.24</a:t>
             </a:fld>
             <a:endParaRPr lang="en-CH"/>
           </a:p>
@@ -4953,7 +5396,7 @@
           <a:p>
             <a:fld id="{6C3525F4-B991-3E44-A245-188EAA1ECC2A}" type="datetimeFigureOut">
               <a:rPr lang="en-CH" smtClean="0"/>
-              <a:t>07.10.24</a:t>
+              <a:t>18.10.24</a:t>
             </a:fld>
             <a:endParaRPr lang="en-CH"/>
           </a:p>
@@ -5197,7 +5640,7 @@
           <a:p>
             <a:fld id="{6C3525F4-B991-3E44-A245-188EAA1ECC2A}" type="datetimeFigureOut">
               <a:rPr lang="en-CH" smtClean="0"/>
-              <a:t>07.10.24</a:t>
+              <a:t>18.10.24</a:t>
             </a:fld>
             <a:endParaRPr lang="en-CH"/>
           </a:p>
@@ -5469,7 +5912,7 @@
           <a:p>
             <a:fld id="{6C3525F4-B991-3E44-A245-188EAA1ECC2A}" type="datetimeFigureOut">
               <a:rPr lang="en-CH" smtClean="0"/>
-              <a:t>07.10.24</a:t>
+              <a:t>18.10.24</a:t>
             </a:fld>
             <a:endParaRPr lang="en-CH"/>
           </a:p>
@@ -7395,7 +7838,7 @@
           <a:p>
             <a:fld id="{6C3525F4-B991-3E44-A245-188EAA1ECC2A}" type="datetimeFigureOut">
               <a:rPr lang="en-CH" smtClean="0"/>
-              <a:t>07.10.24</a:t>
+              <a:t>18.10.24</a:t>
             </a:fld>
             <a:endParaRPr lang="en-CH"/>
           </a:p>
@@ -7849,31 +8292,31 @@
           <a:chExt cx="0" cy="0"/>
         </a:xfrm>
       </p:grpSpPr>
-      <p:sp>
-        <p:nvSpPr>
-          <p:cNvPr id="2" name="Picture Placeholder 1">
-            <a:extLst>
-              <a:ext uri="{FF2B5EF4-FFF2-40B4-BE49-F238E27FC236}">
-                <a16:creationId xmlns:a16="http://schemas.microsoft.com/office/drawing/2014/main" id="{35C9955C-3170-3616-06EF-BF49FF27D29D}"/>
-              </a:ext>
-            </a:extLst>
-          </p:cNvPr>
-          <p:cNvSpPr>
-            <a:spLocks noGrp="1"/>
-          </p:cNvSpPr>
+      <p:pic>
+        <p:nvPicPr>
+          <p:cNvPr id="8" name="Picture Placeholder 7" descr="A solar panels in a field&#10;&#10;Description automatically generated">
+            <a:extLst>
+              <a:ext uri="{FF2B5EF4-FFF2-40B4-BE49-F238E27FC236}">
+                <a16:creationId xmlns:a16="http://schemas.microsoft.com/office/drawing/2014/main" id="{35940EB1-7B47-856E-8833-0DCB120D1384}"/>
+              </a:ext>
+            </a:extLst>
+          </p:cNvPr>
+          <p:cNvPicPr>
+            <a:picLocks noGrp="1" noChangeAspect="1"/>
+          </p:cNvPicPr>
           <p:nvPr>
             <p:ph type="pic" sz="quarter" idx="11"/>
           </p:nvPr>
-        </p:nvSpPr>
+        </p:nvPicPr>
+        <p:blipFill>
+          <a:blip r:embed="rId2"/>
+          <a:srcRect l="674" r="674"/>
+          <a:stretch>
+            <a:fillRect/>
+          </a:stretch>
+        </p:blipFill>
         <p:spPr/>
-        <p:txBody>
-          <a:bodyPr/>
-          <a:lstStyle/>
-          <a:p>
-            <a:endParaRPr lang="en-CH"/>
-          </a:p>
-        </p:txBody>
-      </p:sp>
+      </p:pic>
       <p:sp>
         <p:nvSpPr>
           <p:cNvPr id="3" name="Title 2">
@@ -7890,15 +8333,21 @@
             <p:ph type="ctrTitle"/>
           </p:nvPr>
         </p:nvSpPr>
-        <p:spPr/>
+        <p:spPr>
+          <a:xfrm>
+            <a:off x="-1" y="2233538"/>
+            <a:ext cx="6096001" cy="3312000"/>
+          </a:xfrm>
+        </p:spPr>
         <p:txBody>
           <a:bodyPr/>
           <a:lstStyle/>
           <a:p>
             <a:r>
-              <a:rPr lang="en-CH" dirty="0"/>
-              <a:t>Project update</a:t>
-            </a:r>
+              <a:rPr lang="en-GB" sz="2000" dirty="0"/>
+              <a:t>Economic and environmental evaluation of parallel revenue streams for hybrid energy storage systems</a:t>
+            </a:r>
+            <a:endParaRPr lang="en-CH" sz="2000" dirty="0"/>
           </a:p>
         </p:txBody>
       </p:sp>
@@ -7923,7 +8372,12 @@
           <a:bodyPr/>
           <a:lstStyle/>
           <a:p>
-            <a:endParaRPr lang="en-CH"/>
+            <a:pPr algn="r"/>
+            <a:r>
+              <a:rPr lang="de-CH" dirty="0"/>
+              <a:t>16.10.2024</a:t>
+            </a:r>
+            <a:endParaRPr lang="en-CH" dirty="0"/>
           </a:p>
         </p:txBody>
       </p:sp>
@@ -7943,14 +8397,28 @@
             <p:ph type="body" sz="quarter" idx="13"/>
           </p:nvPr>
         </p:nvSpPr>
-        <p:spPr/>
+        <p:spPr>
+          <a:xfrm>
+            <a:off x="1070050" y="3644000"/>
+            <a:ext cx="4680000" cy="1440000"/>
+          </a:xfrm>
+        </p:spPr>
         <p:txBody>
           <a:bodyPr/>
           <a:lstStyle/>
           <a:p>
             <a:r>
-              <a:rPr lang="en-CH" dirty="0"/>
-              <a:t>04/10/2024</a:t>
+              <a:rPr lang="en-CH" sz="1600" dirty="0"/>
+              <a:t>Project proposal</a:t>
+            </a:r>
+          </a:p>
+          <a:p>
+            <a:endParaRPr lang="en-CH" sz="1600" dirty="0"/>
+          </a:p>
+          <a:p>
+            <a:r>
+              <a:rPr lang="en-CH" sz="1600" dirty="0"/>
+              <a:t>Nicolas Seemann-Ricard</a:t>
             </a:r>
           </a:p>
         </p:txBody>
@@ -7990,6 +8458,448 @@
   <p:clrMapOvr>
     <a:masterClrMapping/>
   </p:clrMapOvr>
+</p:sld>
+</file>
+
+<file path=ppt/slides/slide10.xml><?xml version="1.0" encoding="utf-8"?>
+<p:sld xmlns:a="http://schemas.openxmlformats.org/drawingml/2006/main" xmlns:r="http://schemas.openxmlformats.org/officeDocument/2006/relationships" xmlns:p="http://schemas.openxmlformats.org/presentationml/2006/main">
+  <p:cSld>
+    <p:spTree>
+      <p:nvGrpSpPr>
+        <p:cNvPr id="1" name=""/>
+        <p:cNvGrpSpPr/>
+        <p:nvPr/>
+      </p:nvGrpSpPr>
+      <p:grpSpPr>
+        <a:xfrm>
+          <a:off x="0" y="0"/>
+          <a:ext cx="0" cy="0"/>
+          <a:chOff x="0" y="0"/>
+          <a:chExt cx="0" cy="0"/>
+        </a:xfrm>
+      </p:grpSpPr>
+      <p:sp>
+        <p:nvSpPr>
+          <p:cNvPr id="2" name="Title 1">
+            <a:extLst>
+              <a:ext uri="{FF2B5EF4-FFF2-40B4-BE49-F238E27FC236}">
+                <a16:creationId xmlns:a16="http://schemas.microsoft.com/office/drawing/2014/main" id="{C8E2E944-7DCC-0BE7-E498-E4F0A55B212F}"/>
+              </a:ext>
+            </a:extLst>
+          </p:cNvPr>
+          <p:cNvSpPr>
+            <a:spLocks noGrp="1"/>
+          </p:cNvSpPr>
+          <p:nvPr>
+            <p:ph type="title"/>
+          </p:nvPr>
+        </p:nvSpPr>
+        <p:spPr/>
+        <p:txBody>
+          <a:bodyPr/>
+          <a:lstStyle/>
+          <a:p>
+            <a:r>
+              <a:rPr lang="en-CH" dirty="0"/>
+              <a:t>Evaluation of results</a:t>
+            </a:r>
+          </a:p>
+        </p:txBody>
+      </p:sp>
+      <p:sp>
+        <p:nvSpPr>
+          <p:cNvPr id="3" name="Content Placeholder 2">
+            <a:extLst>
+              <a:ext uri="{FF2B5EF4-FFF2-40B4-BE49-F238E27FC236}">
+                <a16:creationId xmlns:a16="http://schemas.microsoft.com/office/drawing/2014/main" id="{EDD98382-3A31-0AEA-6F30-BECF54777DD1}"/>
+              </a:ext>
+            </a:extLst>
+          </p:cNvPr>
+          <p:cNvSpPr>
+            <a:spLocks noGrp="1"/>
+          </p:cNvSpPr>
+          <p:nvPr>
+            <p:ph idx="1"/>
+          </p:nvPr>
+        </p:nvSpPr>
+        <p:spPr>
+          <a:xfrm>
+            <a:off x="731837" y="1412875"/>
+            <a:ext cx="10728325" cy="2995839"/>
+          </a:xfrm>
+        </p:spPr>
+        <p:txBody>
+          <a:bodyPr/>
+          <a:lstStyle/>
+          <a:p>
+            <a:r>
+              <a:rPr lang="en-CH" dirty="0"/>
+              <a:t>System costs with different market participation (peak shaving, arbitrage, balancing services)</a:t>
+            </a:r>
+          </a:p>
+          <a:p>
+            <a:r>
+              <a:rPr lang="en-CH" dirty="0"/>
+              <a:t>System costs with different systems (PV, BESS, HESS)</a:t>
+            </a:r>
+          </a:p>
+          <a:p>
+            <a:r>
+              <a:rPr lang="en-CH" dirty="0"/>
+              <a:t>System costs vs market conditions and characteristics</a:t>
+            </a:r>
+          </a:p>
+          <a:p>
+            <a:r>
+              <a:rPr lang="en-CH" dirty="0"/>
+              <a:t>System costs vs emissions costs</a:t>
+            </a:r>
+          </a:p>
+          <a:p>
+            <a:r>
+              <a:rPr lang="en-CH" dirty="0"/>
+              <a:t>Expected lifetime (degradation) vs market conditions</a:t>
+            </a:r>
+          </a:p>
+          <a:p>
+            <a:r>
+              <a:rPr lang="en-CH" dirty="0"/>
+              <a:t>NPV of the system</a:t>
+            </a:r>
+          </a:p>
+          <a:p>
+            <a:endParaRPr lang="en-CH" dirty="0"/>
+          </a:p>
+        </p:txBody>
+      </p:sp>
+    </p:spTree>
+    <p:extLst>
+      <p:ext uri="{BB962C8B-B14F-4D97-AF65-F5344CB8AC3E}">
+        <p14:creationId xmlns:p14="http://schemas.microsoft.com/office/powerpoint/2010/main" val="405721483"/>
+      </p:ext>
+    </p:extLst>
+  </p:cSld>
+  <p:clrMapOvr>
+    <a:masterClrMapping/>
+  </p:clrMapOvr>
+</p:sld>
+</file>
+
+<file path=ppt/slides/slide11.xml><?xml version="1.0" encoding="utf-8"?>
+<p:sld xmlns:a="http://schemas.openxmlformats.org/drawingml/2006/main" xmlns:r="http://schemas.openxmlformats.org/officeDocument/2006/relationships" xmlns:p="http://schemas.openxmlformats.org/presentationml/2006/main">
+  <p:cSld>
+    <p:spTree>
+      <p:nvGrpSpPr>
+        <p:cNvPr id="1" name=""/>
+        <p:cNvGrpSpPr/>
+        <p:nvPr/>
+      </p:nvGrpSpPr>
+      <p:grpSpPr>
+        <a:xfrm>
+          <a:off x="0" y="0"/>
+          <a:ext cx="0" cy="0"/>
+          <a:chOff x="0" y="0"/>
+          <a:chExt cx="0" cy="0"/>
+        </a:xfrm>
+      </p:grpSpPr>
+      <p:pic>
+        <p:nvPicPr>
+          <p:cNvPr id="4" name="Picture 3">
+            <a:extLst>
+              <a:ext uri="{FF2B5EF4-FFF2-40B4-BE49-F238E27FC236}">
+                <a16:creationId xmlns:a16="http://schemas.microsoft.com/office/drawing/2014/main" id="{EA528174-E868-DF07-3873-BB315DBE23A4}"/>
+              </a:ext>
+            </a:extLst>
+          </p:cNvPr>
+          <p:cNvPicPr>
+            <a:picLocks noChangeAspect="1"/>
+          </p:cNvPicPr>
+          <p:nvPr/>
+        </p:nvPicPr>
+        <p:blipFill>
+          <a:blip r:embed="rId2"/>
+          <a:stretch>
+            <a:fillRect/>
+          </a:stretch>
+        </p:blipFill>
+        <p:spPr>
+          <a:xfrm>
+            <a:off x="295733" y="710351"/>
+            <a:ext cx="11600531" cy="4277907"/>
+          </a:xfrm>
+          <a:prstGeom prst="rect">
+            <a:avLst/>
+          </a:prstGeom>
+        </p:spPr>
+      </p:pic>
+      <p:sp>
+        <p:nvSpPr>
+          <p:cNvPr id="8" name="TextBox 7">
+            <a:extLst>
+              <a:ext uri="{FF2B5EF4-FFF2-40B4-BE49-F238E27FC236}">
+                <a16:creationId xmlns:a16="http://schemas.microsoft.com/office/drawing/2014/main" id="{E4F5C058-854D-012F-04FE-130EA0EA8BE8}"/>
+              </a:ext>
+            </a:extLst>
+          </p:cNvPr>
+          <p:cNvSpPr txBox="1"/>
+          <p:nvPr/>
+        </p:nvSpPr>
+        <p:spPr>
+          <a:xfrm>
+            <a:off x="2960702" y="4723825"/>
+            <a:ext cx="577402" cy="261610"/>
+          </a:xfrm>
+          <a:prstGeom prst="rect">
+            <a:avLst/>
+          </a:prstGeom>
+          <a:ln w="28575">
+            <a:solidFill>
+              <a:srgbClr val="FF0000"/>
+            </a:solidFill>
+          </a:ln>
+        </p:spPr>
+        <p:style>
+          <a:lnRef idx="2">
+            <a:schemeClr val="accent5"/>
+          </a:lnRef>
+          <a:fillRef idx="1">
+            <a:schemeClr val="lt1"/>
+          </a:fillRef>
+          <a:effectRef idx="0">
+            <a:schemeClr val="accent5"/>
+          </a:effectRef>
+          <a:fontRef idx="minor">
+            <a:schemeClr val="dk1"/>
+          </a:fontRef>
+        </p:style>
+        <p:txBody>
+          <a:bodyPr wrap="none" rtlCol="0">
+            <a:spAutoFit/>
+          </a:bodyPr>
+          <a:lstStyle/>
+          <a:p>
+            <a:r>
+              <a:rPr lang="en-CH" sz="1100" dirty="0">
+                <a:solidFill>
+                  <a:srgbClr val="FF0000"/>
+                </a:solidFill>
+              </a:rPr>
+              <a:t>Today</a:t>
+            </a:r>
+            <a:endParaRPr lang="en-CH" sz="1400" dirty="0">
+              <a:solidFill>
+                <a:srgbClr val="FF0000"/>
+              </a:solidFill>
+            </a:endParaRPr>
+          </a:p>
+        </p:txBody>
+      </p:sp>
+      <p:sp>
+        <p:nvSpPr>
+          <p:cNvPr id="2" name="Title 1">
+            <a:extLst>
+              <a:ext uri="{FF2B5EF4-FFF2-40B4-BE49-F238E27FC236}">
+                <a16:creationId xmlns:a16="http://schemas.microsoft.com/office/drawing/2014/main" id="{49C7A280-8583-107B-E297-BB5B35C1900C}"/>
+              </a:ext>
+            </a:extLst>
+          </p:cNvPr>
+          <p:cNvSpPr>
+            <a:spLocks noGrp="1"/>
+          </p:cNvSpPr>
+          <p:nvPr>
+            <p:ph type="title"/>
+          </p:nvPr>
+        </p:nvSpPr>
+        <p:spPr/>
+        <p:txBody>
+          <a:bodyPr/>
+          <a:lstStyle/>
+          <a:p>
+            <a:r>
+              <a:rPr lang="en-CH" dirty="0"/>
+              <a:t>Project planning</a:t>
+            </a:r>
+          </a:p>
+        </p:txBody>
+      </p:sp>
+      <p:sp>
+        <p:nvSpPr>
+          <p:cNvPr id="5" name="Rectangle 4">
+            <a:extLst>
+              <a:ext uri="{FF2B5EF4-FFF2-40B4-BE49-F238E27FC236}">
+                <a16:creationId xmlns:a16="http://schemas.microsoft.com/office/drawing/2014/main" id="{E880FCB2-622E-24B7-F464-6B323B70C1E0}"/>
+              </a:ext>
+            </a:extLst>
+          </p:cNvPr>
+          <p:cNvSpPr/>
+          <p:nvPr/>
+        </p:nvSpPr>
+        <p:spPr>
+          <a:xfrm>
+            <a:off x="2870197" y="3348567"/>
+            <a:ext cx="1642533" cy="160866"/>
+          </a:xfrm>
+          <a:prstGeom prst="rect">
+            <a:avLst/>
+          </a:prstGeom>
+        </p:spPr>
+        <p:style>
+          <a:lnRef idx="2">
+            <a:schemeClr val="accent1">
+              <a:shade val="15000"/>
+            </a:schemeClr>
+          </a:lnRef>
+          <a:fillRef idx="1">
+            <a:schemeClr val="accent1"/>
+          </a:fillRef>
+          <a:effectRef idx="0">
+            <a:schemeClr val="accent1"/>
+          </a:effectRef>
+          <a:fontRef idx="minor">
+            <a:schemeClr val="lt1"/>
+          </a:fontRef>
+        </p:style>
+        <p:txBody>
+          <a:bodyPr rtlCol="0" anchor="ctr"/>
+          <a:lstStyle/>
+          <a:p>
+            <a:pPr algn="ctr"/>
+            <a:r>
+              <a:rPr lang="en-CH" sz="1100" dirty="0"/>
+              <a:t>Market data analysis</a:t>
+            </a:r>
+          </a:p>
+        </p:txBody>
+      </p:sp>
+      <p:cxnSp>
+        <p:nvCxnSpPr>
+          <p:cNvPr id="7" name="Straight Connector 6">
+            <a:extLst>
+              <a:ext uri="{FF2B5EF4-FFF2-40B4-BE49-F238E27FC236}">
+                <a16:creationId xmlns:a16="http://schemas.microsoft.com/office/drawing/2014/main" id="{530E6B3D-BB27-CB30-2E19-CCC35801A77C}"/>
+              </a:ext>
+            </a:extLst>
+          </p:cNvPr>
+          <p:cNvCxnSpPr/>
+          <p:nvPr/>
+        </p:nvCxnSpPr>
+        <p:spPr>
+          <a:xfrm>
+            <a:off x="2960702" y="889441"/>
+            <a:ext cx="0" cy="3834384"/>
+          </a:xfrm>
+          <a:prstGeom prst="line">
+            <a:avLst/>
+          </a:prstGeom>
+          <a:ln w="28575">
+            <a:solidFill>
+              <a:srgbClr val="FF0000"/>
+            </a:solidFill>
+          </a:ln>
+        </p:spPr>
+        <p:style>
+          <a:lnRef idx="1">
+            <a:schemeClr val="accent1"/>
+          </a:lnRef>
+          <a:fillRef idx="0">
+            <a:schemeClr val="accent1"/>
+          </a:fillRef>
+          <a:effectRef idx="0">
+            <a:schemeClr val="accent1"/>
+          </a:effectRef>
+          <a:fontRef idx="minor">
+            <a:schemeClr val="tx1"/>
+          </a:fontRef>
+        </p:style>
+      </p:cxnSp>
+    </p:spTree>
+    <p:extLst>
+      <p:ext uri="{BB962C8B-B14F-4D97-AF65-F5344CB8AC3E}">
+        <p14:creationId xmlns:p14="http://schemas.microsoft.com/office/powerpoint/2010/main" val="2114520745"/>
+      </p:ext>
+    </p:extLst>
+  </p:cSld>
+  <p:clrMapOvr>
+    <a:masterClrMapping/>
+  </p:clrMapOvr>
+  <p:timing>
+    <p:tnLst>
+      <p:par>
+        <p:cTn id="1" dur="indefinite" restart="never" nodeType="tmRoot">
+          <p:childTnLst>
+            <p:seq concurrent="1" nextAc="seek">
+              <p:cTn id="2" dur="indefinite" nodeType="mainSeq">
+                <p:childTnLst>
+                  <p:par>
+                    <p:cTn id="3" fill="hold">
+                      <p:stCondLst>
+                        <p:cond delay="indefinite"/>
+                      </p:stCondLst>
+                      <p:childTnLst>
+                        <p:par>
+                          <p:cTn id="4" fill="hold">
+                            <p:stCondLst>
+                              <p:cond delay="0"/>
+                            </p:stCondLst>
+                            <p:childTnLst>
+                              <p:par>
+                                <p:cTn id="5" presetID="1" presetClass="entr" presetSubtype="0" fill="hold" grpId="0" nodeType="clickEffect">
+                                  <p:stCondLst>
+                                    <p:cond delay="0"/>
+                                  </p:stCondLst>
+                                  <p:childTnLst>
+                                    <p:set>
+                                      <p:cBhvr>
+                                        <p:cTn id="6" dur="1" fill="hold">
+                                          <p:stCondLst>
+                                            <p:cond delay="0"/>
+                                          </p:stCondLst>
+                                        </p:cTn>
+                                        <p:tgtEl>
+                                          <p:spTgt spid="5"/>
+                                        </p:tgtEl>
+                                        <p:attrNameLst>
+                                          <p:attrName>style.visibility</p:attrName>
+                                        </p:attrNameLst>
+                                      </p:cBhvr>
+                                      <p:to>
+                                        <p:strVal val="visible"/>
+                                      </p:to>
+                                    </p:set>
+                                  </p:childTnLst>
+                                </p:cTn>
+                              </p:par>
+                            </p:childTnLst>
+                          </p:cTn>
+                        </p:par>
+                      </p:childTnLst>
+                    </p:cTn>
+                  </p:par>
+                </p:childTnLst>
+              </p:cTn>
+              <p:prevCondLst>
+                <p:cond evt="onPrev" delay="0">
+                  <p:tgtEl>
+                    <p:sldTgt/>
+                  </p:tgtEl>
+                </p:cond>
+              </p:prevCondLst>
+              <p:nextCondLst>
+                <p:cond evt="onNext" delay="0">
+                  <p:tgtEl>
+                    <p:sldTgt/>
+                  </p:tgtEl>
+                </p:cond>
+              </p:nextCondLst>
+            </p:seq>
+          </p:childTnLst>
+        </p:cTn>
+      </p:par>
+    </p:tnLst>
+    <p:bldLst>
+      <p:bldP spid="5" grpId="0" animBg="1"/>
+    </p:bldLst>
+  </p:timing>
 </p:sld>
 </file>
 
@@ -8015,7 +8925,7 @@
           <p:cNvPr id="2" name="Title 1">
             <a:extLst>
               <a:ext uri="{FF2B5EF4-FFF2-40B4-BE49-F238E27FC236}">
-                <a16:creationId xmlns:a16="http://schemas.microsoft.com/office/drawing/2014/main" id="{EFE26276-F18F-71AB-1DE2-122E8C602DC1}"/>
+                <a16:creationId xmlns:a16="http://schemas.microsoft.com/office/drawing/2014/main" id="{B6822907-CE19-984D-8607-90C845369BE5}"/>
               </a:ext>
             </a:extLst>
           </p:cNvPr>
@@ -8033,7 +8943,7 @@
           <a:p>
             <a:r>
               <a:rPr lang="en-CH" dirty="0"/>
-              <a:t>Optimization problem</a:t>
+              <a:t>Agenda</a:t>
             </a:r>
           </a:p>
         </p:txBody>
@@ -8043,7 +8953,7 @@
           <p:cNvPr id="3" name="Content Placeholder 2">
             <a:extLst>
               <a:ext uri="{FF2B5EF4-FFF2-40B4-BE49-F238E27FC236}">
-                <a16:creationId xmlns:a16="http://schemas.microsoft.com/office/drawing/2014/main" id="{E201C86C-EBF9-967D-40B4-469B574DAFD1}"/>
+                <a16:creationId xmlns:a16="http://schemas.microsoft.com/office/drawing/2014/main" id="{3F5A64D9-8F2D-3506-6E00-394BBA07CCE9}"/>
               </a:ext>
             </a:extLst>
           </p:cNvPr>
@@ -8061,128 +8971,51 @@
           <a:p>
             <a:r>
               <a:rPr lang="en-CH" dirty="0"/>
-              <a:t>Primary goals: same as project goals</a:t>
+              <a:t>Research gaps addressed</a:t>
             </a:r>
           </a:p>
           <a:p>
             <a:r>
               <a:rPr lang="en-CH" dirty="0"/>
-              <a:t>Secondary goals: Accurately modeling battery degradation’s impact on operational constraints</a:t>
+              <a:t>Research objectives</a:t>
             </a:r>
           </a:p>
           <a:p>
             <a:r>
               <a:rPr lang="en-CH" dirty="0"/>
-              <a:t>Two stage optimization:</a:t>
-            </a:r>
-          </a:p>
-          <a:p>
-            <a:pPr marL="611063" lvl="1" indent="-342900">
-              <a:buFont typeface="+mj-lt"/>
-              <a:buAutoNum type="arabicPeriod"/>
-            </a:pPr>
+              <a:t>Problem formulation</a:t>
+            </a:r>
+          </a:p>
+          <a:p>
             <a:r>
               <a:rPr lang="en-CH" dirty="0"/>
-              <a:t>Yearly optimization to build a function of revenues and loss of SOH of current year</a:t>
-            </a:r>
-          </a:p>
-          <a:p>
-            <a:pPr marL="611063" lvl="1" indent="-342900">
-              <a:buFont typeface="+mj-lt"/>
-              <a:buAutoNum type="arabicPeriod"/>
-            </a:pPr>
-            <a:endParaRPr lang="en-CH" dirty="0"/>
-          </a:p>
-          <a:p>
-            <a:pPr marL="611063" lvl="1" indent="-342900">
-              <a:buFont typeface="+mj-lt"/>
-              <a:buAutoNum type="arabicPeriod"/>
-            </a:pPr>
-            <a:endParaRPr lang="en-CH" dirty="0"/>
-          </a:p>
-          <a:p>
-            <a:pPr marL="611063" lvl="1" indent="-342900">
-              <a:buFont typeface="+mj-lt"/>
-              <a:buAutoNum type="arabicPeriod"/>
-            </a:pPr>
-            <a:endParaRPr lang="en-CH" dirty="0"/>
-          </a:p>
-          <a:p>
-            <a:pPr marL="611063" lvl="1" indent="-342900">
-              <a:buFont typeface="+mj-lt"/>
-              <a:buAutoNum type="arabicPeriod"/>
-            </a:pPr>
+              <a:t>Markets data and analysis</a:t>
+            </a:r>
+          </a:p>
+          <a:p>
             <a:r>
               <a:rPr lang="en-CH" dirty="0"/>
-              <a:t>Multi-year NPV optimization </a:t>
-            </a:r>
-          </a:p>
-        </p:txBody>
-      </p:sp>
-      <p:pic>
-        <p:nvPicPr>
-          <p:cNvPr id="8" name="Picture 7">
-            <a:extLst>
-              <a:ext uri="{FF2B5EF4-FFF2-40B4-BE49-F238E27FC236}">
-                <a16:creationId xmlns:a16="http://schemas.microsoft.com/office/drawing/2014/main" id="{CAF6D236-D041-E857-98C7-D2FF7836E8B3}"/>
-              </a:ext>
-            </a:extLst>
-          </p:cNvPr>
-          <p:cNvPicPr>
-            <a:picLocks noChangeAspect="1"/>
-          </p:cNvPicPr>
-          <p:nvPr/>
-        </p:nvPicPr>
-        <p:blipFill>
-          <a:blip r:embed="rId3"/>
-          <a:stretch>
-            <a:fillRect/>
-          </a:stretch>
-        </p:blipFill>
-        <p:spPr>
-          <a:xfrm>
-            <a:off x="3200824" y="4258387"/>
-            <a:ext cx="5092700" cy="723900"/>
-          </a:xfrm>
-          <a:prstGeom prst="rect">
-            <a:avLst/>
-          </a:prstGeom>
-        </p:spPr>
-      </p:pic>
-      <p:pic>
-        <p:nvPicPr>
-          <p:cNvPr id="9" name="Picture 8">
-            <a:extLst>
-              <a:ext uri="{FF2B5EF4-FFF2-40B4-BE49-F238E27FC236}">
-                <a16:creationId xmlns:a16="http://schemas.microsoft.com/office/drawing/2014/main" id="{D007F37E-EADA-5100-D691-A24764F7ABC4}"/>
-              </a:ext>
-            </a:extLst>
-          </p:cNvPr>
-          <p:cNvPicPr>
-            <a:picLocks noChangeAspect="1"/>
-          </p:cNvPicPr>
-          <p:nvPr/>
-        </p:nvPicPr>
-        <p:blipFill>
-          <a:blip r:embed="rId4"/>
-          <a:stretch>
-            <a:fillRect/>
-          </a:stretch>
-        </p:blipFill>
-        <p:spPr>
-          <a:xfrm>
-            <a:off x="2199639" y="2979118"/>
-            <a:ext cx="7772400" cy="622750"/>
-          </a:xfrm>
-          <a:prstGeom prst="rect">
-            <a:avLst/>
-          </a:prstGeom>
-        </p:spPr>
-      </p:pic>
+              <a:t>Optimization problem</a:t>
+            </a:r>
+          </a:p>
+          <a:p>
+            <a:r>
+              <a:rPr lang="en-CH" dirty="0"/>
+              <a:t>Evaluation of results</a:t>
+            </a:r>
+          </a:p>
+          <a:p>
+            <a:r>
+              <a:rPr lang="en-CH" dirty="0"/>
+              <a:t>Project planning</a:t>
+            </a:r>
+          </a:p>
+        </p:txBody>
+      </p:sp>
     </p:spTree>
     <p:extLst>
       <p:ext uri="{BB962C8B-B14F-4D97-AF65-F5344CB8AC3E}">
-        <p14:creationId xmlns:p14="http://schemas.microsoft.com/office/powerpoint/2010/main" val="2755866742"/>
+        <p14:creationId xmlns:p14="http://schemas.microsoft.com/office/powerpoint/2010/main" val="931925201"/>
       </p:ext>
     </p:extLst>
   </p:cSld>
@@ -8197,13 +9030,7 @@
   <p:cSld>
     <p:spTree>
       <p:nvGrpSpPr>
-        <p:cNvPr id="1" name="">
-          <a:extLst>
-            <a:ext uri="{FF2B5EF4-FFF2-40B4-BE49-F238E27FC236}">
-              <a16:creationId xmlns:a16="http://schemas.microsoft.com/office/drawing/2014/main" id="{D502AC19-770C-C72B-D7DA-704E12B8F254}"/>
-            </a:ext>
-          </a:extLst>
-        </p:cNvPr>
+        <p:cNvPr id="1" name=""/>
         <p:cNvGrpSpPr/>
         <p:nvPr/>
       </p:nvGrpSpPr>
@@ -8220,7 +9047,7 @@
           <p:cNvPr id="2" name="Title 1">
             <a:extLst>
               <a:ext uri="{FF2B5EF4-FFF2-40B4-BE49-F238E27FC236}">
-                <a16:creationId xmlns:a16="http://schemas.microsoft.com/office/drawing/2014/main" id="{E02D71CA-1C65-67F1-0020-AE8253825289}"/>
+                <a16:creationId xmlns:a16="http://schemas.microsoft.com/office/drawing/2014/main" id="{B4D41F92-C63A-A39D-9494-0650F0A2AD21}"/>
               </a:ext>
             </a:extLst>
           </p:cNvPr>
@@ -8238,184 +9065,264 @@
           <a:p>
             <a:r>
               <a:rPr lang="en-CH" dirty="0"/>
-              <a:t>First stage</a:t>
-            </a:r>
-            <a:br>
-              <a:rPr lang="en-CH" dirty="0"/>
-            </a:br>
-            <a:r>
-              <a:rPr lang="en-CH" sz="2000" dirty="0"/>
-              <a:t>Operation optimization</a:t>
-            </a:r>
-            <a:endParaRPr lang="en-CH" dirty="0"/>
-          </a:p>
-        </p:txBody>
-      </p:sp>
-      <p:pic>
-        <p:nvPicPr>
-          <p:cNvPr id="5" name="Picture 4">
-            <a:extLst>
-              <a:ext uri="{FF2B5EF4-FFF2-40B4-BE49-F238E27FC236}">
-                <a16:creationId xmlns:a16="http://schemas.microsoft.com/office/drawing/2014/main" id="{DD958EA2-C3A7-9396-64FA-FCA7633CA3B2}"/>
-              </a:ext>
-            </a:extLst>
-          </p:cNvPr>
-          <p:cNvPicPr>
-            <a:picLocks noChangeAspect="1"/>
-          </p:cNvPicPr>
-          <p:nvPr/>
-        </p:nvPicPr>
-        <p:blipFill>
-          <a:blip r:embed="rId3"/>
-          <a:srcRect l="10814" t="12409" r="13574"/>
-          <a:stretch/>
-        </p:blipFill>
-        <p:spPr>
-          <a:xfrm>
-            <a:off x="487701" y="1608667"/>
-            <a:ext cx="5706533" cy="4906692"/>
-          </a:xfrm>
-          <a:prstGeom prst="rect">
-            <a:avLst/>
-          </a:prstGeom>
-        </p:spPr>
-      </p:pic>
-      <p:pic>
-        <p:nvPicPr>
-          <p:cNvPr id="6" name="Picture 5">
-            <a:extLst>
-              <a:ext uri="{FF2B5EF4-FFF2-40B4-BE49-F238E27FC236}">
-                <a16:creationId xmlns:a16="http://schemas.microsoft.com/office/drawing/2014/main" id="{24E728F7-473F-9424-DA3E-09FF4C8EDC66}"/>
-              </a:ext>
-            </a:extLst>
-          </p:cNvPr>
-          <p:cNvPicPr>
-            <a:picLocks noChangeAspect="1"/>
-          </p:cNvPicPr>
-          <p:nvPr/>
-        </p:nvPicPr>
-        <p:blipFill>
-          <a:blip r:embed="rId4"/>
-          <a:stretch>
-            <a:fillRect/>
-          </a:stretch>
-        </p:blipFill>
-        <p:spPr>
-          <a:xfrm>
-            <a:off x="7145613" y="1701791"/>
-            <a:ext cx="5046387" cy="2508380"/>
-          </a:xfrm>
-          <a:prstGeom prst="rect">
-            <a:avLst/>
-          </a:prstGeom>
-        </p:spPr>
-      </p:pic>
-      <p:sp>
-        <p:nvSpPr>
-          <p:cNvPr id="7" name="TextBox 6">
-            <a:extLst>
-              <a:ext uri="{FF2B5EF4-FFF2-40B4-BE49-F238E27FC236}">
-                <a16:creationId xmlns:a16="http://schemas.microsoft.com/office/drawing/2014/main" id="{3B24FFC7-9BE1-24D0-A611-5335F08F27A6}"/>
-              </a:ext>
-            </a:extLst>
-          </p:cNvPr>
-          <p:cNvSpPr txBox="1"/>
-          <p:nvPr/>
-        </p:nvSpPr>
-        <p:spPr>
-          <a:xfrm>
-            <a:off x="7399867" y="4866640"/>
-            <a:ext cx="4639733" cy="1754326"/>
-          </a:xfrm>
-          <a:prstGeom prst="rect">
-            <a:avLst/>
-          </a:prstGeom>
-          <a:noFill/>
-        </p:spPr>
-        <p:txBody>
-          <a:bodyPr wrap="square" rtlCol="0">
-            <a:spAutoFit/>
-          </a:bodyPr>
+              <a:t>Research gaps addressed</a:t>
+            </a:r>
+          </a:p>
+        </p:txBody>
+      </p:sp>
+      <p:sp>
+        <p:nvSpPr>
+          <p:cNvPr id="3" name="Content Placeholder 2">
+            <a:extLst>
+              <a:ext uri="{FF2B5EF4-FFF2-40B4-BE49-F238E27FC236}">
+                <a16:creationId xmlns:a16="http://schemas.microsoft.com/office/drawing/2014/main" id="{C51EB63F-91A3-32BE-7EA4-503F1D58EF00}"/>
+              </a:ext>
+            </a:extLst>
+          </p:cNvPr>
+          <p:cNvSpPr>
+            <a:spLocks noGrp="1"/>
+          </p:cNvSpPr>
+          <p:nvPr>
+            <p:ph idx="1"/>
+          </p:nvPr>
+        </p:nvSpPr>
+        <p:spPr/>
+        <p:txBody>
+          <a:bodyPr/>
           <a:lstStyle/>
           <a:p>
-            <a:pPr marL="285750" indent="-285750">
-              <a:buFont typeface="Wingdings" pitchFamily="2" charset="2"/>
-              <a:buChar char="à"/>
+            <a:pPr marL="342900" marR="25400" indent="-342900" algn="just">
+              <a:lnSpc>
+                <a:spcPct val="102000"/>
+              </a:lnSpc>
+              <a:spcAft>
+                <a:spcPts val="600"/>
+              </a:spcAft>
+              <a:buFont typeface="+mj-lt"/>
+              <a:buAutoNum type="arabicPeriod"/>
             </a:pPr>
             <a:r>
-              <a:rPr lang="en-CH" dirty="0">
-                <a:sym typeface="Wingdings" pitchFamily="2" charset="2"/>
+              <a:rPr lang="en-US" sz="1800" kern="100" dirty="0">
+                <a:solidFill>
+                  <a:srgbClr val="000000"/>
+                </a:solidFill>
+                <a:effectLst/>
+                <a:latin typeface="Arial" panose="020B0604020202020204" pitchFamily="34" charset="0"/>
+                <a:ea typeface="Arial" panose="020B0604020202020204" pitchFamily="34" charset="0"/>
+                <a:cs typeface="Times New Roman" panose="02020603050405020304" pitchFamily="18" charset="0"/>
               </a:rPr>
-              <a:t>SOH</a:t>
-            </a:r>
-            <a:r>
-              <a:rPr lang="en-CH" baseline="-25000" dirty="0">
-                <a:sym typeface="Wingdings" pitchFamily="2" charset="2"/>
+              <a:t>Revenue stacking with hybrid energy storage systems (HESS)</a:t>
+            </a:r>
+          </a:p>
+          <a:p>
+            <a:pPr marR="25400" lvl="1" algn="just">
+              <a:lnSpc>
+                <a:spcPct val="102000"/>
+              </a:lnSpc>
+              <a:spcAft>
+                <a:spcPts val="600"/>
+              </a:spcAft>
+            </a:pPr>
+            <a:r>
+              <a:rPr lang="en-US" kern="100" dirty="0">
+                <a:solidFill>
+                  <a:srgbClr val="000000"/>
+                </a:solidFill>
+                <a:latin typeface="Arial" panose="020B0604020202020204" pitchFamily="34" charset="0"/>
+                <a:ea typeface="Arial" panose="020B0604020202020204" pitchFamily="34" charset="0"/>
+                <a:cs typeface="Times New Roman" panose="02020603050405020304" pitchFamily="18" charset="0"/>
               </a:rPr>
-              <a:t>end</a:t>
-            </a:r>
-            <a:r>
-              <a:rPr lang="en-CH" dirty="0">
-                <a:sym typeface="Wingdings" pitchFamily="2" charset="2"/>
+              <a:t>Revenues: peak shaving, wholesale markets, ancillary services</a:t>
+            </a:r>
+          </a:p>
+          <a:p>
+            <a:pPr marR="25400" lvl="1" algn="just">
+              <a:lnSpc>
+                <a:spcPct val="102000"/>
+              </a:lnSpc>
+              <a:spcAft>
+                <a:spcPts val="600"/>
+              </a:spcAft>
+            </a:pPr>
+            <a:r>
+              <a:rPr lang="en-US" kern="100" dirty="0">
+                <a:solidFill>
+                  <a:srgbClr val="000000"/>
+                </a:solidFill>
+                <a:latin typeface="Arial" panose="020B0604020202020204" pitchFamily="34" charset="0"/>
+                <a:ea typeface="Arial" panose="020B0604020202020204" pitchFamily="34" charset="0"/>
+                <a:cs typeface="Times New Roman" panose="02020603050405020304" pitchFamily="18" charset="0"/>
               </a:rPr>
-              <a:t> may be modulated by either a fixed constraint or by a constraint on maximum wholesale trading activities.</a:t>
-            </a:r>
-          </a:p>
-          <a:p>
-            <a:pPr marL="285750" indent="-285750">
-              <a:buFont typeface="Wingdings" pitchFamily="2" charset="2"/>
-              <a:buChar char="à"/>
+              <a:t>HESS: battery, supercapacitor, (heat storage)</a:t>
+            </a:r>
+          </a:p>
+          <a:p>
+            <a:pPr marL="342900" marR="25400" indent="-342900" algn="just">
+              <a:lnSpc>
+                <a:spcPct val="102000"/>
+              </a:lnSpc>
+              <a:spcAft>
+                <a:spcPts val="600"/>
+              </a:spcAft>
+              <a:buFont typeface="+mj-lt"/>
+              <a:buAutoNum type="arabicPeriod"/>
             </a:pPr>
             <a:r>
-              <a:rPr lang="en-CH" dirty="0">
-                <a:sym typeface="Wingdings" pitchFamily="2" charset="2"/>
+              <a:rPr lang="en-US" kern="100" dirty="0">
+                <a:solidFill>
+                  <a:srgbClr val="000000"/>
+                </a:solidFill>
+                <a:latin typeface="Arial" panose="020B0604020202020204" pitchFamily="34" charset="0"/>
+                <a:ea typeface="Arial" panose="020B0604020202020204" pitchFamily="34" charset="0"/>
+                <a:cs typeface="Times New Roman" panose="02020603050405020304" pitchFamily="18" charset="0"/>
               </a:rPr>
-              <a:t>Outputs a regression for SOH at the start and end of the year</a:t>
-            </a:r>
-          </a:p>
-          <a:p>
-            <a:pPr marL="285750" indent="-285750">
-              <a:buFont typeface="Wingdings" pitchFamily="2" charset="2"/>
-              <a:buChar char="à"/>
+              <a:t>CO</a:t>
+            </a:r>
+            <a:r>
+              <a:rPr lang="en-US" kern="100" baseline="-25000" dirty="0">
+                <a:solidFill>
+                  <a:srgbClr val="000000"/>
+                </a:solidFill>
+                <a:latin typeface="Arial" panose="020B0604020202020204" pitchFamily="34" charset="0"/>
+                <a:ea typeface="Arial" panose="020B0604020202020204" pitchFamily="34" charset="0"/>
+                <a:cs typeface="Times New Roman" panose="02020603050405020304" pitchFamily="18" charset="0"/>
+              </a:rPr>
+              <a:t>2</a:t>
+            </a:r>
+            <a:r>
+              <a:rPr lang="en-US" kern="100" dirty="0">
+                <a:solidFill>
+                  <a:srgbClr val="000000"/>
+                </a:solidFill>
+                <a:latin typeface="Arial" panose="020B0604020202020204" pitchFamily="34" charset="0"/>
+                <a:ea typeface="Arial" panose="020B0604020202020204" pitchFamily="34" charset="0"/>
+                <a:cs typeface="Times New Roman" panose="02020603050405020304" pitchFamily="18" charset="0"/>
+              </a:rPr>
+              <a:t>-aware modelling of revenue stacking </a:t>
+            </a:r>
+            <a:endParaRPr lang="en-US" kern="100" baseline="-25000" dirty="0">
+              <a:solidFill>
+                <a:srgbClr val="000000"/>
+              </a:solidFill>
+              <a:latin typeface="Arial" panose="020B0604020202020204" pitchFamily="34" charset="0"/>
+              <a:ea typeface="Arial" panose="020B0604020202020204" pitchFamily="34" charset="0"/>
+              <a:cs typeface="Times New Roman" panose="02020603050405020304" pitchFamily="18" charset="0"/>
+            </a:endParaRPr>
+          </a:p>
+          <a:p>
+            <a:pPr marL="342900" marR="25400" indent="-342900" algn="just">
+              <a:lnSpc>
+                <a:spcPct val="102000"/>
+              </a:lnSpc>
+              <a:spcAft>
+                <a:spcPts val="600"/>
+              </a:spcAft>
+              <a:buFont typeface="+mj-lt"/>
+              <a:buAutoNum type="arabicPeriod"/>
             </a:pPr>
-            <a:endParaRPr lang="en-CH" dirty="0"/>
-          </a:p>
-        </p:txBody>
-      </p:sp>
-      <p:pic>
-        <p:nvPicPr>
-          <p:cNvPr id="8" name="Picture 7">
-            <a:extLst>
-              <a:ext uri="{FF2B5EF4-FFF2-40B4-BE49-F238E27FC236}">
-                <a16:creationId xmlns:a16="http://schemas.microsoft.com/office/drawing/2014/main" id="{B2E6EB26-6669-063F-570C-794355F7525F}"/>
-              </a:ext>
-            </a:extLst>
-          </p:cNvPr>
-          <p:cNvPicPr>
-            <a:picLocks noChangeAspect="1"/>
-          </p:cNvPicPr>
-          <p:nvPr/>
-        </p:nvPicPr>
-        <p:blipFill>
-          <a:blip r:embed="rId5"/>
-          <a:stretch>
-            <a:fillRect/>
-          </a:stretch>
-        </p:blipFill>
-        <p:spPr>
-          <a:xfrm>
-            <a:off x="487701" y="965801"/>
-            <a:ext cx="7772400" cy="622750"/>
-          </a:xfrm>
-          <a:prstGeom prst="rect">
-            <a:avLst/>
-          </a:prstGeom>
-        </p:spPr>
-      </p:pic>
+            <a:r>
+              <a:rPr lang="en-US" kern="100" dirty="0">
+                <a:solidFill>
+                  <a:srgbClr val="000000"/>
+                </a:solidFill>
+                <a:latin typeface="Arial" panose="020B0604020202020204" pitchFamily="34" charset="0"/>
+                <a:ea typeface="Arial" panose="020B0604020202020204" pitchFamily="34" charset="0"/>
+                <a:cs typeface="Times New Roman" panose="02020603050405020304" pitchFamily="18" charset="0"/>
+              </a:rPr>
+              <a:t>Changes and trends in</a:t>
+            </a:r>
+            <a:r>
+              <a:rPr lang="en-US" kern="100" dirty="0">
+                <a:solidFill>
+                  <a:srgbClr val="000000"/>
+                </a:solidFill>
+                <a:effectLst/>
+                <a:latin typeface="Arial" panose="020B0604020202020204" pitchFamily="34" charset="0"/>
+                <a:ea typeface="Arial" panose="020B0604020202020204" pitchFamily="34" charset="0"/>
+                <a:cs typeface="Times New Roman" panose="02020603050405020304" pitchFamily="18" charset="0"/>
+              </a:rPr>
+              <a:t> market conditions:</a:t>
+            </a:r>
+          </a:p>
+          <a:p>
+            <a:pPr marL="611063" marR="25400" lvl="1" indent="-342900" algn="just">
+              <a:lnSpc>
+                <a:spcPct val="102000"/>
+              </a:lnSpc>
+              <a:spcAft>
+                <a:spcPts val="600"/>
+              </a:spcAft>
+            </a:pPr>
+            <a:r>
+              <a:rPr lang="en-US" kern="100" dirty="0">
+                <a:solidFill>
+                  <a:srgbClr val="000000"/>
+                </a:solidFill>
+                <a:latin typeface="Arial" panose="020B0604020202020204" pitchFamily="34" charset="0"/>
+                <a:ea typeface="Arial" panose="020B0604020202020204" pitchFamily="34" charset="0"/>
+                <a:cs typeface="Times New Roman" panose="02020603050405020304" pitchFamily="18" charset="0"/>
+              </a:rPr>
+              <a:t>Shorter term products (4hr PCR, 15min </a:t>
+            </a:r>
+            <a:r>
+              <a:rPr lang="en-US" kern="100" dirty="0" err="1">
+                <a:solidFill>
+                  <a:srgbClr val="000000"/>
+                </a:solidFill>
+                <a:latin typeface="Arial" panose="020B0604020202020204" pitchFamily="34" charset="0"/>
+                <a:ea typeface="Arial" panose="020B0604020202020204" pitchFamily="34" charset="0"/>
+                <a:cs typeface="Times New Roman" panose="02020603050405020304" pitchFamily="18" charset="0"/>
+              </a:rPr>
+              <a:t>aFRR</a:t>
+            </a:r>
+            <a:r>
+              <a:rPr lang="en-US" kern="100" dirty="0">
+                <a:solidFill>
+                  <a:srgbClr val="000000"/>
+                </a:solidFill>
+                <a:latin typeface="Arial" panose="020B0604020202020204" pitchFamily="34" charset="0"/>
+                <a:ea typeface="Arial" panose="020B0604020202020204" pitchFamily="34" charset="0"/>
+                <a:cs typeface="Times New Roman" panose="02020603050405020304" pitchFamily="18" charset="0"/>
+              </a:rPr>
+              <a:t> activation)</a:t>
+            </a:r>
+          </a:p>
+          <a:p>
+            <a:pPr marL="611063" marR="25400" lvl="1" indent="-342900" algn="just">
+              <a:lnSpc>
+                <a:spcPct val="102000"/>
+              </a:lnSpc>
+              <a:spcAft>
+                <a:spcPts val="600"/>
+              </a:spcAft>
+            </a:pPr>
+            <a:r>
+              <a:rPr lang="en-US" kern="100" dirty="0">
+                <a:solidFill>
+                  <a:srgbClr val="000000"/>
+                </a:solidFill>
+                <a:latin typeface="Arial" panose="020B0604020202020204" pitchFamily="34" charset="0"/>
+                <a:ea typeface="Arial" panose="020B0604020202020204" pitchFamily="34" charset="0"/>
+                <a:cs typeface="Times New Roman" panose="02020603050405020304" pitchFamily="18" charset="0"/>
+              </a:rPr>
+              <a:t>Changes in market volatility, average prices</a:t>
+            </a:r>
+            <a:endParaRPr lang="en-US" kern="100" dirty="0">
+              <a:solidFill>
+                <a:srgbClr val="000000"/>
+              </a:solidFill>
+              <a:effectLst/>
+              <a:latin typeface="Arial" panose="020B0604020202020204" pitchFamily="34" charset="0"/>
+              <a:ea typeface="Arial" panose="020B0604020202020204" pitchFamily="34" charset="0"/>
+              <a:cs typeface="Times New Roman" panose="02020603050405020304" pitchFamily="18" charset="0"/>
+            </a:endParaRPr>
+          </a:p>
+        </p:txBody>
+      </p:sp>
     </p:spTree>
     <p:extLst>
       <p:ext uri="{BB962C8B-B14F-4D97-AF65-F5344CB8AC3E}">
-        <p14:creationId xmlns:p14="http://schemas.microsoft.com/office/powerpoint/2010/main" val="460872216"/>
+        <p14:creationId xmlns:p14="http://schemas.microsoft.com/office/powerpoint/2010/main" val="2850005746"/>
       </p:ext>
     </p:extLst>
   </p:cSld>
@@ -8433,7 +9340,7 @@
         <p:cNvPr id="1" name="">
           <a:extLst>
             <a:ext uri="{FF2B5EF4-FFF2-40B4-BE49-F238E27FC236}">
-              <a16:creationId xmlns:a16="http://schemas.microsoft.com/office/drawing/2014/main" id="{C7B745B9-C6FB-C51F-D8D0-F746CF23C5EF}"/>
+              <a16:creationId xmlns:a16="http://schemas.microsoft.com/office/drawing/2014/main" id="{1F8825BA-E653-E279-48C3-AB4E201D578D}"/>
             </a:ext>
           </a:extLst>
         </p:cNvPr>
@@ -8453,7 +9360,7 @@
           <p:cNvPr id="2" name="Title 1">
             <a:extLst>
               <a:ext uri="{FF2B5EF4-FFF2-40B4-BE49-F238E27FC236}">
-                <a16:creationId xmlns:a16="http://schemas.microsoft.com/office/drawing/2014/main" id="{2FE4C8F3-D509-E178-ADCD-205BAAEDC433}"/>
+                <a16:creationId xmlns:a16="http://schemas.microsoft.com/office/drawing/2014/main" id="{AE90352B-1C8E-F58F-BAE5-6FB5B2C48B17}"/>
               </a:ext>
             </a:extLst>
           </p:cNvPr>
@@ -8469,60 +9376,305 @@
           <a:bodyPr/>
           <a:lstStyle/>
           <a:p>
-            <a:pPr>
+            <a:r>
+              <a:rPr lang="en-CH" dirty="0"/>
+              <a:t>Research objectives</a:t>
+            </a:r>
+          </a:p>
+        </p:txBody>
+      </p:sp>
+      <p:sp>
+        <p:nvSpPr>
+          <p:cNvPr id="3" name="Content Placeholder 2">
+            <a:extLst>
+              <a:ext uri="{FF2B5EF4-FFF2-40B4-BE49-F238E27FC236}">
+                <a16:creationId xmlns:a16="http://schemas.microsoft.com/office/drawing/2014/main" id="{536EA874-7F34-9F17-89A5-A3DA513C3F59}"/>
+              </a:ext>
+            </a:extLst>
+          </p:cNvPr>
+          <p:cNvSpPr>
+            <a:spLocks noGrp="1"/>
+          </p:cNvSpPr>
+          <p:nvPr>
+            <p:ph idx="1"/>
+          </p:nvPr>
+        </p:nvSpPr>
+        <p:spPr/>
+        <p:txBody>
+          <a:bodyPr/>
+          <a:lstStyle/>
+          <a:p>
+            <a:pPr marL="342900" indent="-342900">
               <a:lnSpc>
-                <a:spcPct val="100000"/>
+                <a:spcPct val="107000"/>
               </a:lnSpc>
+              <a:spcAft>
+                <a:spcPts val="550"/>
+              </a:spcAft>
+              <a:buFont typeface="+mj-lt"/>
+              <a:buAutoNum type="arabicPeriod"/>
             </a:pPr>
             <a:r>
-              <a:rPr lang="en-CH" dirty="0"/>
-              <a:t>Second stage</a:t>
-            </a:r>
-            <a:br>
-              <a:rPr lang="en-CH" dirty="0"/>
-            </a:br>
-            <a:r>
-              <a:rPr lang="en-CH" sz="2000" dirty="0"/>
-              <a:t>NPV calculation</a:t>
-            </a:r>
-            <a:endParaRPr lang="en-CH" dirty="0"/>
-          </a:p>
-        </p:txBody>
-      </p:sp>
-      <p:pic>
-        <p:nvPicPr>
-          <p:cNvPr id="5" name="Picture 4">
-            <a:extLst>
-              <a:ext uri="{FF2B5EF4-FFF2-40B4-BE49-F238E27FC236}">
-                <a16:creationId xmlns:a16="http://schemas.microsoft.com/office/drawing/2014/main" id="{52A43853-C9F1-FEDF-78CF-2C7109290D50}"/>
-              </a:ext>
-            </a:extLst>
-          </p:cNvPr>
-          <p:cNvPicPr>
-            <a:picLocks noChangeAspect="1"/>
-          </p:cNvPicPr>
-          <p:nvPr/>
-        </p:nvPicPr>
-        <p:blipFill>
-          <a:blip r:embed="rId2"/>
-          <a:stretch>
-            <a:fillRect/>
-          </a:stretch>
-        </p:blipFill>
-        <p:spPr>
-          <a:xfrm>
-            <a:off x="731837" y="994831"/>
-            <a:ext cx="5486400" cy="1879600"/>
-          </a:xfrm>
-          <a:prstGeom prst="rect">
-            <a:avLst/>
-          </a:prstGeom>
-        </p:spPr>
-      </p:pic>
+              <a:rPr lang="en-US" sz="1800" kern="100" dirty="0">
+                <a:solidFill>
+                  <a:srgbClr val="000000"/>
+                </a:solidFill>
+                <a:effectLst/>
+                <a:latin typeface="Arial" panose="020B0604020202020204" pitchFamily="34" charset="0"/>
+                <a:ea typeface="Arial" panose="020B0604020202020204" pitchFamily="34" charset="0"/>
+              </a:rPr>
+              <a:t>Investigate the impact of participating in different electricity markets with HESS (revenue stacking), including uncertainty of activation and regulatory constraints, under varying market conditions</a:t>
+            </a:r>
+          </a:p>
+          <a:p>
+            <a:pPr lvl="1">
+              <a:lnSpc>
+                <a:spcPct val="107000"/>
+              </a:lnSpc>
+              <a:spcAft>
+                <a:spcPts val="550"/>
+              </a:spcAft>
+            </a:pPr>
+            <a:r>
+              <a:rPr lang="en-US" kern="100" dirty="0">
+                <a:solidFill>
+                  <a:srgbClr val="000000"/>
+                </a:solidFill>
+                <a:effectLst/>
+                <a:latin typeface="Arial" panose="020B0604020202020204" pitchFamily="34" charset="0"/>
+                <a:ea typeface="Arial" panose="020B0604020202020204" pitchFamily="34" charset="0"/>
+              </a:rPr>
+              <a:t>Day-ahead and intraday wholesale (DA, ID)</a:t>
+            </a:r>
+          </a:p>
+          <a:p>
+            <a:pPr lvl="1">
+              <a:lnSpc>
+                <a:spcPct val="107000"/>
+              </a:lnSpc>
+              <a:spcAft>
+                <a:spcPts val="550"/>
+              </a:spcAft>
+            </a:pPr>
+            <a:r>
+              <a:rPr lang="en-US" kern="100" dirty="0">
+                <a:solidFill>
+                  <a:srgbClr val="000000"/>
+                </a:solidFill>
+                <a:latin typeface="Arial" panose="020B0604020202020204" pitchFamily="34" charset="0"/>
+                <a:ea typeface="Arial" panose="020B0604020202020204" pitchFamily="34" charset="0"/>
+              </a:rPr>
+              <a:t>Primary control reserve (PCR)</a:t>
+            </a:r>
+          </a:p>
+          <a:p>
+            <a:pPr lvl="1">
+              <a:lnSpc>
+                <a:spcPct val="107000"/>
+              </a:lnSpc>
+              <a:spcAft>
+                <a:spcPts val="550"/>
+              </a:spcAft>
+            </a:pPr>
+            <a:r>
+              <a:rPr lang="en-US" kern="100" dirty="0">
+                <a:solidFill>
+                  <a:srgbClr val="000000"/>
+                </a:solidFill>
+                <a:effectLst/>
+                <a:latin typeface="Arial" panose="020B0604020202020204" pitchFamily="34" charset="0"/>
+                <a:ea typeface="Arial" panose="020B0604020202020204" pitchFamily="34" charset="0"/>
+              </a:rPr>
+              <a:t>Secondary control (</a:t>
+            </a:r>
+            <a:r>
+              <a:rPr lang="en-US" kern="100" dirty="0" err="1">
+                <a:solidFill>
+                  <a:srgbClr val="000000"/>
+                </a:solidFill>
+                <a:effectLst/>
+                <a:latin typeface="Arial" panose="020B0604020202020204" pitchFamily="34" charset="0"/>
+                <a:ea typeface="Arial" panose="020B0604020202020204" pitchFamily="34" charset="0"/>
+              </a:rPr>
+              <a:t>aFRR</a:t>
+            </a:r>
+            <a:r>
+              <a:rPr lang="en-US" kern="100" dirty="0">
+                <a:solidFill>
+                  <a:srgbClr val="000000"/>
+                </a:solidFill>
+                <a:effectLst/>
+                <a:latin typeface="Arial" panose="020B0604020202020204" pitchFamily="34" charset="0"/>
+                <a:ea typeface="Arial" panose="020B0604020202020204" pitchFamily="34" charset="0"/>
+              </a:rPr>
+              <a:t>)</a:t>
+            </a:r>
+          </a:p>
+          <a:p>
+            <a:pPr lvl="1">
+              <a:lnSpc>
+                <a:spcPct val="107000"/>
+              </a:lnSpc>
+              <a:spcAft>
+                <a:spcPts val="550"/>
+              </a:spcAft>
+            </a:pPr>
+            <a:r>
+              <a:rPr lang="en-US" kern="100" dirty="0">
+                <a:solidFill>
+                  <a:srgbClr val="000000"/>
+                </a:solidFill>
+                <a:latin typeface="Arial" panose="020B0604020202020204" pitchFamily="34" charset="0"/>
+                <a:ea typeface="Arial" panose="020B0604020202020204" pitchFamily="34" charset="0"/>
+              </a:rPr>
+              <a:t>Peak shaving</a:t>
+            </a:r>
+          </a:p>
+          <a:p>
+            <a:pPr marL="342900" indent="-342900">
+              <a:lnSpc>
+                <a:spcPct val="107000"/>
+              </a:lnSpc>
+              <a:spcAft>
+                <a:spcPts val="550"/>
+              </a:spcAft>
+              <a:buFont typeface="+mj-lt"/>
+              <a:buAutoNum type="arabicPeriod"/>
+            </a:pPr>
+            <a:r>
+              <a:rPr lang="en-US" kern="100" dirty="0">
+                <a:solidFill>
+                  <a:srgbClr val="000000"/>
+                </a:solidFill>
+                <a:effectLst/>
+                <a:latin typeface="Arial" panose="020B0604020202020204" pitchFamily="34" charset="0"/>
+                <a:ea typeface="Arial" panose="020B0604020202020204" pitchFamily="34" charset="0"/>
+              </a:rPr>
+              <a:t>Investigate different system configurations: PV vs. PV + </a:t>
+            </a:r>
+            <a:r>
+              <a:rPr lang="en-US" kern="100" dirty="0">
+                <a:solidFill>
+                  <a:srgbClr val="000000"/>
+                </a:solidFill>
+                <a:latin typeface="Arial" panose="020B0604020202020204" pitchFamily="34" charset="0"/>
+                <a:ea typeface="Arial" panose="020B0604020202020204" pitchFamily="34" charset="0"/>
+              </a:rPr>
+              <a:t>BESS vs. PV + HESS</a:t>
+            </a:r>
+          </a:p>
+          <a:p>
+            <a:pPr marL="342900" indent="-342900">
+              <a:lnSpc>
+                <a:spcPct val="107000"/>
+              </a:lnSpc>
+              <a:spcAft>
+                <a:spcPts val="550"/>
+              </a:spcAft>
+              <a:buFont typeface="+mj-lt"/>
+              <a:buAutoNum type="arabicPeriod"/>
+            </a:pPr>
+            <a:r>
+              <a:rPr lang="en-CH" sz="1800" kern="100" dirty="0">
+                <a:solidFill>
+                  <a:srgbClr val="000000"/>
+                </a:solidFill>
+                <a:effectLst/>
+                <a:latin typeface="Arial" panose="020B0604020202020204" pitchFamily="34" charset="0"/>
+                <a:ea typeface="Arial" panose="020B0604020202020204" pitchFamily="34" charset="0"/>
+              </a:rPr>
+              <a:t>Evaluation based on profit-maximization and profit-CO</a:t>
+            </a:r>
+            <a:r>
+              <a:rPr lang="en-CH" sz="1800" kern="100" baseline="-25000" dirty="0">
+                <a:solidFill>
+                  <a:srgbClr val="000000"/>
+                </a:solidFill>
+                <a:effectLst/>
+                <a:latin typeface="Arial" panose="020B0604020202020204" pitchFamily="34" charset="0"/>
+                <a:ea typeface="Arial" panose="020B0604020202020204" pitchFamily="34" charset="0"/>
+              </a:rPr>
+              <a:t>2</a:t>
+            </a:r>
+            <a:r>
+              <a:rPr lang="en-CH" sz="1800" kern="100" dirty="0">
+                <a:solidFill>
+                  <a:srgbClr val="000000"/>
+                </a:solidFill>
+                <a:effectLst/>
+                <a:latin typeface="Arial" panose="020B0604020202020204" pitchFamily="34" charset="0"/>
+                <a:ea typeface="Arial" panose="020B0604020202020204" pitchFamily="34" charset="0"/>
+              </a:rPr>
+              <a:t> multiobjective optimization</a:t>
+            </a:r>
+            <a:endParaRPr lang="en-US" kern="100" dirty="0">
+              <a:solidFill>
+                <a:srgbClr val="000000"/>
+              </a:solidFill>
+              <a:effectLst/>
+              <a:latin typeface="Arial" panose="020B0604020202020204" pitchFamily="34" charset="0"/>
+              <a:ea typeface="Arial" panose="020B0604020202020204" pitchFamily="34" charset="0"/>
+            </a:endParaRPr>
+          </a:p>
+          <a:p>
+            <a:pPr marL="342900" indent="-342900">
+              <a:lnSpc>
+                <a:spcPct val="107000"/>
+              </a:lnSpc>
+              <a:spcAft>
+                <a:spcPts val="550"/>
+              </a:spcAft>
+              <a:buFont typeface="+mj-lt"/>
+              <a:buAutoNum type="arabicPeriod"/>
+            </a:pPr>
+            <a:r>
+              <a:rPr lang="en-US" kern="100" dirty="0">
+                <a:solidFill>
+                  <a:srgbClr val="000000"/>
+                </a:solidFill>
+                <a:latin typeface="Arial" panose="020B0604020202020204" pitchFamily="34" charset="0"/>
+                <a:ea typeface="Arial" panose="020B0604020202020204" pitchFamily="34" charset="0"/>
+              </a:rPr>
+              <a:t>Case study for German industrial plants with PV production.</a:t>
+            </a:r>
+            <a:endParaRPr lang="en-US" sz="1800" kern="100" dirty="0">
+              <a:solidFill>
+                <a:srgbClr val="000000"/>
+              </a:solidFill>
+              <a:effectLst/>
+              <a:latin typeface="Arial" panose="020B0604020202020204" pitchFamily="34" charset="0"/>
+              <a:ea typeface="Arial" panose="020B0604020202020204" pitchFamily="34" charset="0"/>
+            </a:endParaRPr>
+          </a:p>
+          <a:p>
+            <a:pPr marL="342900" indent="-342900">
+              <a:lnSpc>
+                <a:spcPct val="107000"/>
+              </a:lnSpc>
+              <a:spcAft>
+                <a:spcPts val="550"/>
+              </a:spcAft>
+              <a:buFont typeface="+mj-lt"/>
+              <a:buAutoNum type="arabicPeriod"/>
+            </a:pPr>
+            <a:r>
+              <a:rPr lang="en-CH" sz="1800" kern="100" dirty="0">
+                <a:solidFill>
+                  <a:srgbClr val="000000"/>
+                </a:solidFill>
+                <a:effectLst/>
+                <a:latin typeface="Arial" panose="020B0604020202020204" pitchFamily="34" charset="0"/>
+                <a:ea typeface="Arial" panose="020B0604020202020204" pitchFamily="34" charset="0"/>
+              </a:rPr>
+              <a:t>Detailed degradation modelling ex-post</a:t>
+            </a:r>
+          </a:p>
+        </p:txBody>
+      </p:sp>
     </p:spTree>
     <p:extLst>
       <p:ext uri="{BB962C8B-B14F-4D97-AF65-F5344CB8AC3E}">
-        <p14:creationId xmlns:p14="http://schemas.microsoft.com/office/powerpoint/2010/main" val="3089486079"/>
+        <p14:creationId xmlns:p14="http://schemas.microsoft.com/office/powerpoint/2010/main" val="2789538359"/>
       </p:ext>
     </p:extLst>
   </p:cSld>
@@ -8533,7 +9685,919 @@
 </file>
 
 <file path=ppt/slides/slide5.xml><?xml version="1.0" encoding="utf-8"?>
-<p:sld xmlns:a="http://schemas.openxmlformats.org/drawingml/2006/main" xmlns:r="http://schemas.openxmlformats.org/officeDocument/2006/relationships" xmlns:p="http://schemas.openxmlformats.org/presentationml/2006/main" show="0">
+<p:sld xmlns:a="http://schemas.openxmlformats.org/drawingml/2006/main" xmlns:r="http://schemas.openxmlformats.org/officeDocument/2006/relationships" xmlns:p="http://schemas.openxmlformats.org/presentationml/2006/main">
+  <p:cSld>
+    <p:spTree>
+      <p:nvGrpSpPr>
+        <p:cNvPr id="1" name="">
+          <a:extLst>
+            <a:ext uri="{FF2B5EF4-FFF2-40B4-BE49-F238E27FC236}">
+              <a16:creationId xmlns:a16="http://schemas.microsoft.com/office/drawing/2014/main" id="{8FA6C7C9-2887-D2EE-3D08-B12EE67C459A}"/>
+            </a:ext>
+          </a:extLst>
+        </p:cNvPr>
+        <p:cNvGrpSpPr/>
+        <p:nvPr/>
+      </p:nvGrpSpPr>
+      <p:grpSpPr>
+        <a:xfrm>
+          <a:off x="0" y="0"/>
+          <a:ext cx="0" cy="0"/>
+          <a:chOff x="0" y="0"/>
+          <a:chExt cx="0" cy="0"/>
+        </a:xfrm>
+      </p:grpSpPr>
+      <p:sp>
+        <p:nvSpPr>
+          <p:cNvPr id="2" name="Title 1">
+            <a:extLst>
+              <a:ext uri="{FF2B5EF4-FFF2-40B4-BE49-F238E27FC236}">
+                <a16:creationId xmlns:a16="http://schemas.microsoft.com/office/drawing/2014/main" id="{AC1ACE94-0DCE-24EF-827F-DF21A263475A}"/>
+              </a:ext>
+            </a:extLst>
+          </p:cNvPr>
+          <p:cNvSpPr>
+            <a:spLocks noGrp="1"/>
+          </p:cNvSpPr>
+          <p:nvPr>
+            <p:ph type="title"/>
+          </p:nvPr>
+        </p:nvSpPr>
+        <p:spPr/>
+        <p:txBody>
+          <a:bodyPr/>
+          <a:lstStyle/>
+          <a:p>
+            <a:r>
+              <a:rPr lang="en-CH" dirty="0"/>
+              <a:t>Problem formulation: market and technology mixes</a:t>
+            </a:r>
+          </a:p>
+        </p:txBody>
+      </p:sp>
+      <p:sp>
+        <p:nvSpPr>
+          <p:cNvPr id="23" name="Content Placeholder 22">
+            <a:extLst>
+              <a:ext uri="{FF2B5EF4-FFF2-40B4-BE49-F238E27FC236}">
+                <a16:creationId xmlns:a16="http://schemas.microsoft.com/office/drawing/2014/main" id="{F907ABE7-FAAB-5238-41FD-FBCBEC8C1811}"/>
+              </a:ext>
+            </a:extLst>
+          </p:cNvPr>
+          <p:cNvSpPr>
+            <a:spLocks noGrp="1"/>
+          </p:cNvSpPr>
+          <p:nvPr>
+            <p:ph idx="1"/>
+          </p:nvPr>
+        </p:nvSpPr>
+        <p:spPr>
+          <a:xfrm>
+            <a:off x="5850409" y="1541747"/>
+            <a:ext cx="5738370" cy="2840092"/>
+          </a:xfrm>
+        </p:spPr>
+        <p:txBody>
+          <a:bodyPr/>
+          <a:lstStyle/>
+          <a:p>
+            <a:r>
+              <a:rPr lang="en-CH" dirty="0"/>
+              <a:t>Technology mixes: </a:t>
+            </a:r>
+          </a:p>
+          <a:p>
+            <a:pPr lvl="1"/>
+            <a:r>
+              <a:rPr lang="en-CH" dirty="0"/>
+              <a:t>PV only, </a:t>
+            </a:r>
+          </a:p>
+          <a:p>
+            <a:pPr lvl="1"/>
+            <a:r>
+              <a:rPr lang="en-CH" dirty="0"/>
+              <a:t>PV + BESS, </a:t>
+            </a:r>
+          </a:p>
+          <a:p>
+            <a:pPr lvl="1"/>
+            <a:r>
+              <a:rPr lang="en-CH" dirty="0"/>
+              <a:t>PV + BESS + supercap + (thermal storage)</a:t>
+            </a:r>
+          </a:p>
+          <a:p>
+            <a:r>
+              <a:rPr lang="en-CH" dirty="0"/>
+              <a:t>Markets: </a:t>
+            </a:r>
+          </a:p>
+          <a:p>
+            <a:pPr lvl="1"/>
+            <a:r>
+              <a:rPr lang="en-CH" dirty="0"/>
+              <a:t>Peak shaving (PS)</a:t>
+            </a:r>
+          </a:p>
+          <a:p>
+            <a:pPr lvl="1"/>
+            <a:r>
+              <a:rPr lang="en-CH" dirty="0"/>
+              <a:t>PS + DA &amp; ID</a:t>
+            </a:r>
+          </a:p>
+          <a:p>
+            <a:pPr lvl="1"/>
+            <a:r>
+              <a:rPr lang="en-CH" dirty="0"/>
+              <a:t>PS + DA &amp; ID + PCR &amp; aFRR</a:t>
+            </a:r>
+          </a:p>
+        </p:txBody>
+      </p:sp>
+      <p:pic>
+        <p:nvPicPr>
+          <p:cNvPr id="11" name="Graphic 10" descr="Electric Tower outline">
+            <a:extLst>
+              <a:ext uri="{FF2B5EF4-FFF2-40B4-BE49-F238E27FC236}">
+                <a16:creationId xmlns:a16="http://schemas.microsoft.com/office/drawing/2014/main" id="{CA527D6F-B7FB-1969-8957-49D3A6657396}"/>
+              </a:ext>
+            </a:extLst>
+          </p:cNvPr>
+          <p:cNvPicPr>
+            <a:picLocks noChangeAspect="1"/>
+          </p:cNvPicPr>
+          <p:nvPr/>
+        </p:nvPicPr>
+        <p:blipFill>
+          <a:blip r:embed="rId3">
+            <a:extLst>
+              <a:ext uri="{96DAC541-7B7A-43D3-8B79-37D633B846F1}">
+                <asvg:svgBlip xmlns:asvg="http://schemas.microsoft.com/office/drawing/2016/SVG/main" r:embed="rId4"/>
+              </a:ext>
+            </a:extLst>
+          </a:blip>
+          <a:stretch>
+            <a:fillRect/>
+          </a:stretch>
+        </p:blipFill>
+        <p:spPr>
+          <a:xfrm>
+            <a:off x="3939006" y="3202506"/>
+            <a:ext cx="914400" cy="914400"/>
+          </a:xfrm>
+          <a:prstGeom prst="rect">
+            <a:avLst/>
+          </a:prstGeom>
+        </p:spPr>
+      </p:pic>
+      <p:pic>
+        <p:nvPicPr>
+          <p:cNvPr id="15" name="Graphic 14" descr="Solar Panels outline">
+            <a:extLst>
+              <a:ext uri="{FF2B5EF4-FFF2-40B4-BE49-F238E27FC236}">
+                <a16:creationId xmlns:a16="http://schemas.microsoft.com/office/drawing/2014/main" id="{7362E47B-3C6F-4764-F5AA-464CFF9AE032}"/>
+              </a:ext>
+            </a:extLst>
+          </p:cNvPr>
+          <p:cNvPicPr>
+            <a:picLocks noChangeAspect="1"/>
+          </p:cNvPicPr>
+          <p:nvPr/>
+        </p:nvPicPr>
+        <p:blipFill>
+          <a:blip r:embed="rId5">
+            <a:extLst>
+              <a:ext uri="{96DAC541-7B7A-43D3-8B79-37D633B846F1}">
+                <asvg:svgBlip xmlns:asvg="http://schemas.microsoft.com/office/drawing/2016/SVG/main" r:embed="rId6"/>
+              </a:ext>
+            </a:extLst>
+          </a:blip>
+          <a:stretch>
+            <a:fillRect/>
+          </a:stretch>
+        </p:blipFill>
+        <p:spPr>
+          <a:xfrm>
+            <a:off x="3671709" y="1737423"/>
+            <a:ext cx="914400" cy="914400"/>
+          </a:xfrm>
+          <a:prstGeom prst="rect">
+            <a:avLst/>
+          </a:prstGeom>
+        </p:spPr>
+      </p:pic>
+      <p:pic>
+        <p:nvPicPr>
+          <p:cNvPr id="19" name="Graphic 18" descr="Factory outline">
+            <a:extLst>
+              <a:ext uri="{FF2B5EF4-FFF2-40B4-BE49-F238E27FC236}">
+                <a16:creationId xmlns:a16="http://schemas.microsoft.com/office/drawing/2014/main" id="{C7E8CE90-2095-7426-1D68-670F4F3620C0}"/>
+              </a:ext>
+            </a:extLst>
+          </p:cNvPr>
+          <p:cNvPicPr>
+            <a:picLocks noChangeAspect="1"/>
+          </p:cNvPicPr>
+          <p:nvPr/>
+        </p:nvPicPr>
+        <p:blipFill>
+          <a:blip r:embed="rId7">
+            <a:extLst>
+              <a:ext uri="{96DAC541-7B7A-43D3-8B79-37D633B846F1}">
+                <asvg:svgBlip xmlns:asvg="http://schemas.microsoft.com/office/drawing/2016/SVG/main" r:embed="rId8"/>
+              </a:ext>
+            </a:extLst>
+          </a:blip>
+          <a:stretch>
+            <a:fillRect/>
+          </a:stretch>
+        </p:blipFill>
+        <p:spPr>
+          <a:xfrm>
+            <a:off x="2428945" y="1109442"/>
+            <a:ext cx="914400" cy="914400"/>
+          </a:xfrm>
+          <a:prstGeom prst="rect">
+            <a:avLst/>
+          </a:prstGeom>
+        </p:spPr>
+      </p:pic>
+      <p:pic>
+        <p:nvPicPr>
+          <p:cNvPr id="21" name="Graphic 20" descr="Battery outline">
+            <a:extLst>
+              <a:ext uri="{FF2B5EF4-FFF2-40B4-BE49-F238E27FC236}">
+                <a16:creationId xmlns:a16="http://schemas.microsoft.com/office/drawing/2014/main" id="{E4E132C8-D1AC-0248-303D-440C8727DAF2}"/>
+              </a:ext>
+            </a:extLst>
+          </p:cNvPr>
+          <p:cNvPicPr>
+            <a:picLocks noChangeAspect="1"/>
+          </p:cNvPicPr>
+          <p:nvPr/>
+        </p:nvPicPr>
+        <p:blipFill>
+          <a:blip r:embed="rId9">
+            <a:extLst>
+              <a:ext uri="{96DAC541-7B7A-43D3-8B79-37D633B846F1}">
+                <asvg:svgBlip xmlns:asvg="http://schemas.microsoft.com/office/drawing/2016/SVG/main" r:embed="rId10"/>
+              </a:ext>
+            </a:extLst>
+          </a:blip>
+          <a:stretch>
+            <a:fillRect/>
+          </a:stretch>
+        </p:blipFill>
+        <p:spPr>
+          <a:xfrm>
+            <a:off x="2755963" y="4055531"/>
+            <a:ext cx="914400" cy="914400"/>
+          </a:xfrm>
+          <a:prstGeom prst="rect">
+            <a:avLst/>
+          </a:prstGeom>
+        </p:spPr>
+      </p:pic>
+      <p:pic>
+        <p:nvPicPr>
+          <p:cNvPr id="1026" name="Picture 2">
+            <a:extLst>
+              <a:ext uri="{FF2B5EF4-FFF2-40B4-BE49-F238E27FC236}">
+                <a16:creationId xmlns:a16="http://schemas.microsoft.com/office/drawing/2014/main" id="{9B210545-A1A5-2E35-FC88-7D8261FEA06E}"/>
+              </a:ext>
+            </a:extLst>
+          </p:cNvPr>
+          <p:cNvPicPr>
+            <a:picLocks noChangeAspect="1" noChangeArrowheads="1"/>
+          </p:cNvPicPr>
+          <p:nvPr/>
+        </p:nvPicPr>
+        <p:blipFill>
+          <a:blip r:embed="rId11">
+            <a:extLst>
+              <a:ext uri="{28A0092B-C50C-407E-A947-70E740481C1C}">
+                <a14:useLocalDpi xmlns:a14="http://schemas.microsoft.com/office/drawing/2010/main" val="0"/>
+              </a:ext>
+            </a:extLst>
+          </a:blip>
+          <a:srcRect/>
+          <a:stretch>
+            <a:fillRect/>
+          </a:stretch>
+        </p:blipFill>
+        <p:spPr bwMode="auto">
+          <a:xfrm>
+            <a:off x="1404870" y="2399265"/>
+            <a:ext cx="939883" cy="859322"/>
+          </a:xfrm>
+          <a:prstGeom prst="rect">
+            <a:avLst/>
+          </a:prstGeom>
+          <a:noFill/>
+          <a:extLst>
+            <a:ext uri="{909E8E84-426E-40DD-AFC4-6F175D3DCCD1}">
+              <a14:hiddenFill xmlns:a14="http://schemas.microsoft.com/office/drawing/2010/main">
+                <a:solidFill>
+                  <a:srgbClr val="FFFFFF"/>
+                </a:solidFill>
+              </a14:hiddenFill>
+            </a:ext>
+          </a:extLst>
+        </p:spPr>
+      </p:pic>
+      <p:cxnSp>
+        <p:nvCxnSpPr>
+          <p:cNvPr id="54" name="Straight Arrow Connector 53">
+            <a:extLst>
+              <a:ext uri="{FF2B5EF4-FFF2-40B4-BE49-F238E27FC236}">
+                <a16:creationId xmlns:a16="http://schemas.microsoft.com/office/drawing/2014/main" id="{F6300CD5-795D-3D02-2314-F4FE9C3DAA96}"/>
+              </a:ext>
+            </a:extLst>
+          </p:cNvPr>
+          <p:cNvCxnSpPr>
+            <a:cxnSpLocks/>
+            <a:endCxn id="19" idx="2"/>
+          </p:cNvCxnSpPr>
+          <p:nvPr/>
+        </p:nvCxnSpPr>
+        <p:spPr>
+          <a:xfrm flipH="1" flipV="1">
+            <a:off x="2886145" y="2023842"/>
+            <a:ext cx="244172" cy="937951"/>
+          </a:xfrm>
+          <a:prstGeom prst="straightConnector1">
+            <a:avLst/>
+          </a:prstGeom>
+          <a:ln w="34925" cap="flat">
+            <a:solidFill>
+              <a:schemeClr val="accent1"/>
+            </a:solidFill>
+            <a:round/>
+            <a:tailEnd type="triangle"/>
+          </a:ln>
+        </p:spPr>
+        <p:style>
+          <a:lnRef idx="1">
+            <a:schemeClr val="accent1"/>
+          </a:lnRef>
+          <a:fillRef idx="0">
+            <a:schemeClr val="accent1"/>
+          </a:fillRef>
+          <a:effectRef idx="0">
+            <a:schemeClr val="accent1"/>
+          </a:effectRef>
+          <a:fontRef idx="minor">
+            <a:schemeClr val="tx1"/>
+          </a:fontRef>
+        </p:style>
+      </p:cxnSp>
+      <p:cxnSp>
+        <p:nvCxnSpPr>
+          <p:cNvPr id="60" name="Straight Arrow Connector 59">
+            <a:extLst>
+              <a:ext uri="{FF2B5EF4-FFF2-40B4-BE49-F238E27FC236}">
+                <a16:creationId xmlns:a16="http://schemas.microsoft.com/office/drawing/2014/main" id="{BADB5D56-043B-0C59-69ED-5B4E78A9BEDB}"/>
+              </a:ext>
+            </a:extLst>
+          </p:cNvPr>
+          <p:cNvCxnSpPr>
+            <a:cxnSpLocks/>
+          </p:cNvCxnSpPr>
+          <p:nvPr/>
+        </p:nvCxnSpPr>
+        <p:spPr>
+          <a:xfrm flipH="1" flipV="1">
+            <a:off x="3343345" y="3202506"/>
+            <a:ext cx="650835" cy="464756"/>
+          </a:xfrm>
+          <a:prstGeom prst="straightConnector1">
+            <a:avLst/>
+          </a:prstGeom>
+          <a:ln w="34925" cap="flat">
+            <a:solidFill>
+              <a:schemeClr val="accent1"/>
+            </a:solidFill>
+            <a:round/>
+            <a:headEnd type="triangle"/>
+            <a:tailEnd type="triangle"/>
+          </a:ln>
+        </p:spPr>
+        <p:style>
+          <a:lnRef idx="1">
+            <a:schemeClr val="accent1"/>
+          </a:lnRef>
+          <a:fillRef idx="0">
+            <a:schemeClr val="accent1"/>
+          </a:fillRef>
+          <a:effectRef idx="0">
+            <a:schemeClr val="accent1"/>
+          </a:effectRef>
+          <a:fontRef idx="minor">
+            <a:schemeClr val="tx1"/>
+          </a:fontRef>
+        </p:style>
+      </p:cxnSp>
+      <p:cxnSp>
+        <p:nvCxnSpPr>
+          <p:cNvPr id="1029" name="Straight Arrow Connector 1028">
+            <a:extLst>
+              <a:ext uri="{FF2B5EF4-FFF2-40B4-BE49-F238E27FC236}">
+                <a16:creationId xmlns:a16="http://schemas.microsoft.com/office/drawing/2014/main" id="{3D8CE4C6-5BAB-4D88-A3C2-E6A84A99C51F}"/>
+              </a:ext>
+            </a:extLst>
+          </p:cNvPr>
+          <p:cNvCxnSpPr>
+            <a:cxnSpLocks/>
+          </p:cNvCxnSpPr>
+          <p:nvPr/>
+        </p:nvCxnSpPr>
+        <p:spPr>
+          <a:xfrm>
+            <a:off x="3183589" y="3252656"/>
+            <a:ext cx="0" cy="940971"/>
+          </a:xfrm>
+          <a:prstGeom prst="straightConnector1">
+            <a:avLst/>
+          </a:prstGeom>
+          <a:ln w="34925" cap="flat">
+            <a:solidFill>
+              <a:schemeClr val="accent1"/>
+            </a:solidFill>
+            <a:round/>
+            <a:headEnd type="triangle"/>
+            <a:tailEnd type="triangle"/>
+          </a:ln>
+        </p:spPr>
+        <p:style>
+          <a:lnRef idx="1">
+            <a:schemeClr val="accent1"/>
+          </a:lnRef>
+          <a:fillRef idx="0">
+            <a:schemeClr val="accent1"/>
+          </a:fillRef>
+          <a:effectRef idx="0">
+            <a:schemeClr val="accent1"/>
+          </a:effectRef>
+          <a:fontRef idx="minor">
+            <a:schemeClr val="tx1"/>
+          </a:fontRef>
+        </p:style>
+      </p:cxnSp>
+      <p:cxnSp>
+        <p:nvCxnSpPr>
+          <p:cNvPr id="1032" name="Straight Arrow Connector 1031">
+            <a:extLst>
+              <a:ext uri="{FF2B5EF4-FFF2-40B4-BE49-F238E27FC236}">
+                <a16:creationId xmlns:a16="http://schemas.microsoft.com/office/drawing/2014/main" id="{45556949-2246-800C-8EEE-37A664C8186F}"/>
+              </a:ext>
+            </a:extLst>
+          </p:cNvPr>
+          <p:cNvCxnSpPr>
+            <a:cxnSpLocks/>
+          </p:cNvCxnSpPr>
+          <p:nvPr/>
+        </p:nvCxnSpPr>
+        <p:spPr>
+          <a:xfrm flipH="1" flipV="1">
+            <a:off x="2406317" y="2903688"/>
+            <a:ext cx="601914" cy="175170"/>
+          </a:xfrm>
+          <a:prstGeom prst="straightConnector1">
+            <a:avLst/>
+          </a:prstGeom>
+          <a:ln w="34925" cap="flat">
+            <a:solidFill>
+              <a:schemeClr val="accent1"/>
+            </a:solidFill>
+            <a:round/>
+            <a:headEnd type="triangle"/>
+            <a:tailEnd type="triangle"/>
+          </a:ln>
+        </p:spPr>
+        <p:style>
+          <a:lnRef idx="1">
+            <a:schemeClr val="accent1"/>
+          </a:lnRef>
+          <a:fillRef idx="0">
+            <a:schemeClr val="accent1"/>
+          </a:fillRef>
+          <a:effectRef idx="0">
+            <a:schemeClr val="accent1"/>
+          </a:effectRef>
+          <a:fontRef idx="minor">
+            <a:schemeClr val="tx1"/>
+          </a:fontRef>
+        </p:style>
+      </p:cxnSp>
+      <p:cxnSp>
+        <p:nvCxnSpPr>
+          <p:cNvPr id="1037" name="Straight Arrow Connector 1036">
+            <a:extLst>
+              <a:ext uri="{FF2B5EF4-FFF2-40B4-BE49-F238E27FC236}">
+                <a16:creationId xmlns:a16="http://schemas.microsoft.com/office/drawing/2014/main" id="{5C299271-F657-4154-EFDB-DF4ED29B7C5C}"/>
+              </a:ext>
+            </a:extLst>
+          </p:cNvPr>
+          <p:cNvCxnSpPr>
+            <a:cxnSpLocks/>
+          </p:cNvCxnSpPr>
+          <p:nvPr/>
+        </p:nvCxnSpPr>
+        <p:spPr>
+          <a:xfrm flipH="1">
+            <a:off x="3265488" y="2630617"/>
+            <a:ext cx="557685" cy="409475"/>
+          </a:xfrm>
+          <a:prstGeom prst="straightConnector1">
+            <a:avLst/>
+          </a:prstGeom>
+          <a:ln w="34925" cap="flat">
+            <a:solidFill>
+              <a:schemeClr val="accent1"/>
+            </a:solidFill>
+            <a:round/>
+            <a:tailEnd type="triangle"/>
+          </a:ln>
+        </p:spPr>
+        <p:style>
+          <a:lnRef idx="1">
+            <a:schemeClr val="accent1"/>
+          </a:lnRef>
+          <a:fillRef idx="0">
+            <a:schemeClr val="accent1"/>
+          </a:fillRef>
+          <a:effectRef idx="0">
+            <a:schemeClr val="accent1"/>
+          </a:effectRef>
+          <a:fontRef idx="minor">
+            <a:schemeClr val="tx1"/>
+          </a:fontRef>
+        </p:style>
+      </p:cxnSp>
+      <p:sp>
+        <p:nvSpPr>
+          <p:cNvPr id="6" name="Oval 5">
+            <a:extLst>
+              <a:ext uri="{FF2B5EF4-FFF2-40B4-BE49-F238E27FC236}">
+                <a16:creationId xmlns:a16="http://schemas.microsoft.com/office/drawing/2014/main" id="{79221CFA-2635-43C9-F314-891843E39B20}"/>
+              </a:ext>
+            </a:extLst>
+          </p:cNvPr>
+          <p:cNvSpPr/>
+          <p:nvPr/>
+        </p:nvSpPr>
+        <p:spPr>
+          <a:xfrm>
+            <a:off x="3085488" y="3040092"/>
+            <a:ext cx="180000" cy="180000"/>
+          </a:xfrm>
+          <a:prstGeom prst="ellipse">
+            <a:avLst/>
+          </a:prstGeom>
+          <a:solidFill>
+            <a:schemeClr val="tx1"/>
+          </a:solidFill>
+        </p:spPr>
+        <p:style>
+          <a:lnRef idx="2">
+            <a:schemeClr val="accent1">
+              <a:shade val="15000"/>
+            </a:schemeClr>
+          </a:lnRef>
+          <a:fillRef idx="1">
+            <a:schemeClr val="accent1"/>
+          </a:fillRef>
+          <a:effectRef idx="0">
+            <a:schemeClr val="accent1"/>
+          </a:effectRef>
+          <a:fontRef idx="minor">
+            <a:schemeClr val="lt1"/>
+          </a:fontRef>
+        </p:style>
+        <p:txBody>
+          <a:bodyPr rtlCol="0" anchor="ctr"/>
+          <a:lstStyle/>
+          <a:p>
+            <a:pPr algn="ctr"/>
+            <a:endParaRPr lang="en-CH"/>
+          </a:p>
+        </p:txBody>
+      </p:sp>
+      <p:pic>
+        <p:nvPicPr>
+          <p:cNvPr id="17" name="Picture 16" descr="A picture containing screenshot, design, art, illustration&#10;&#10;Description automatically generated">
+            <a:extLst>
+              <a:ext uri="{FF2B5EF4-FFF2-40B4-BE49-F238E27FC236}">
+                <a16:creationId xmlns:a16="http://schemas.microsoft.com/office/drawing/2014/main" id="{269D4086-35AB-F5C2-38E3-C4F8A8B55771}"/>
+              </a:ext>
+            </a:extLst>
+          </p:cNvPr>
+          <p:cNvPicPr>
+            <a:picLocks noChangeAspect="1"/>
+          </p:cNvPicPr>
+          <p:nvPr/>
+        </p:nvPicPr>
+        <p:blipFill>
+          <a:blip r:embed="rId12">
+            <a:biLevel thresh="75000"/>
+            <a:extLst>
+              <a:ext uri="{BEBA8EAE-BF5A-486C-A8C5-ECC9F3942E4B}">
+                <a14:imgProps xmlns:a14="http://schemas.microsoft.com/office/drawing/2010/main">
+                  <a14:imgLayer r:embed="rId13">
+                    <a14:imgEffect>
+                      <a14:saturation sat="400000"/>
+                    </a14:imgEffect>
+                  </a14:imgLayer>
+                </a14:imgProps>
+              </a:ext>
+            </a:extLst>
+          </a:blip>
+          <a:srcRect b="10183"/>
+          <a:stretch/>
+        </p:blipFill>
+        <p:spPr>
+          <a:xfrm>
+            <a:off x="1535528" y="3676285"/>
+            <a:ext cx="576000" cy="517342"/>
+          </a:xfrm>
+          <a:prstGeom prst="rect">
+            <a:avLst/>
+          </a:prstGeom>
+        </p:spPr>
+      </p:pic>
+      <p:cxnSp>
+        <p:nvCxnSpPr>
+          <p:cNvPr id="20" name="Straight Arrow Connector 19">
+            <a:extLst>
+              <a:ext uri="{FF2B5EF4-FFF2-40B4-BE49-F238E27FC236}">
+                <a16:creationId xmlns:a16="http://schemas.microsoft.com/office/drawing/2014/main" id="{0C493379-35CA-465C-99BE-CD20559D27CF}"/>
+              </a:ext>
+            </a:extLst>
+          </p:cNvPr>
+          <p:cNvCxnSpPr>
+            <a:cxnSpLocks/>
+          </p:cNvCxnSpPr>
+          <p:nvPr/>
+        </p:nvCxnSpPr>
+        <p:spPr>
+          <a:xfrm flipH="1">
+            <a:off x="2186685" y="3202506"/>
+            <a:ext cx="821546" cy="605442"/>
+          </a:xfrm>
+          <a:prstGeom prst="straightConnector1">
+            <a:avLst/>
+          </a:prstGeom>
+          <a:ln w="34925" cap="flat">
+            <a:solidFill>
+              <a:schemeClr val="accent1"/>
+            </a:solidFill>
+            <a:round/>
+            <a:headEnd type="triangle"/>
+            <a:tailEnd type="triangle"/>
+          </a:ln>
+        </p:spPr>
+        <p:style>
+          <a:lnRef idx="1">
+            <a:schemeClr val="accent1"/>
+          </a:lnRef>
+          <a:fillRef idx="0">
+            <a:schemeClr val="accent1"/>
+          </a:fillRef>
+          <a:effectRef idx="0">
+            <a:schemeClr val="accent1"/>
+          </a:effectRef>
+          <a:fontRef idx="minor">
+            <a:schemeClr val="tx1"/>
+          </a:fontRef>
+        </p:style>
+      </p:cxnSp>
+      <p:sp>
+        <p:nvSpPr>
+          <p:cNvPr id="30" name="TextBox 29">
+            <a:extLst>
+              <a:ext uri="{FF2B5EF4-FFF2-40B4-BE49-F238E27FC236}">
+                <a16:creationId xmlns:a16="http://schemas.microsoft.com/office/drawing/2014/main" id="{AA32DBB4-8423-BCB8-4E81-5DCDC66068AB}"/>
+              </a:ext>
+            </a:extLst>
+          </p:cNvPr>
+          <p:cNvSpPr txBox="1"/>
+          <p:nvPr/>
+        </p:nvSpPr>
+        <p:spPr>
+          <a:xfrm>
+            <a:off x="2089504" y="857577"/>
+            <a:ext cx="1620957" cy="369332"/>
+          </a:xfrm>
+          <a:prstGeom prst="rect">
+            <a:avLst/>
+          </a:prstGeom>
+          <a:noFill/>
+        </p:spPr>
+        <p:txBody>
+          <a:bodyPr wrap="none" rtlCol="0">
+            <a:spAutoFit/>
+          </a:bodyPr>
+          <a:lstStyle/>
+          <a:p>
+            <a:r>
+              <a:rPr lang="en-CH" dirty="0"/>
+              <a:t>Industrial load</a:t>
+            </a:r>
+          </a:p>
+        </p:txBody>
+      </p:sp>
+      <p:sp>
+        <p:nvSpPr>
+          <p:cNvPr id="31" name="TextBox 30">
+            <a:extLst>
+              <a:ext uri="{FF2B5EF4-FFF2-40B4-BE49-F238E27FC236}">
+                <a16:creationId xmlns:a16="http://schemas.microsoft.com/office/drawing/2014/main" id="{0C4D1982-5021-4A97-61D3-0791F371E3C3}"/>
+              </a:ext>
+            </a:extLst>
+          </p:cNvPr>
+          <p:cNvSpPr txBox="1"/>
+          <p:nvPr/>
+        </p:nvSpPr>
+        <p:spPr>
+          <a:xfrm>
+            <a:off x="3909812" y="1595142"/>
+            <a:ext cx="492443" cy="369332"/>
+          </a:xfrm>
+          <a:prstGeom prst="rect">
+            <a:avLst/>
+          </a:prstGeom>
+          <a:noFill/>
+        </p:spPr>
+        <p:txBody>
+          <a:bodyPr wrap="none" rtlCol="0">
+            <a:spAutoFit/>
+          </a:bodyPr>
+          <a:lstStyle/>
+          <a:p>
+            <a:r>
+              <a:rPr lang="en-CH" dirty="0"/>
+              <a:t>PV</a:t>
+            </a:r>
+          </a:p>
+        </p:txBody>
+      </p:sp>
+      <p:sp>
+        <p:nvSpPr>
+          <p:cNvPr id="32" name="TextBox 31">
+            <a:extLst>
+              <a:ext uri="{FF2B5EF4-FFF2-40B4-BE49-F238E27FC236}">
+                <a16:creationId xmlns:a16="http://schemas.microsoft.com/office/drawing/2014/main" id="{9EC3C9AE-CE64-C2EE-F395-C4B19ED20C37}"/>
+              </a:ext>
+            </a:extLst>
+          </p:cNvPr>
+          <p:cNvSpPr txBox="1"/>
+          <p:nvPr/>
+        </p:nvSpPr>
+        <p:spPr>
+          <a:xfrm>
+            <a:off x="4085864" y="4055531"/>
+            <a:ext cx="620683" cy="369332"/>
+          </a:xfrm>
+          <a:prstGeom prst="rect">
+            <a:avLst/>
+          </a:prstGeom>
+          <a:noFill/>
+        </p:spPr>
+        <p:txBody>
+          <a:bodyPr wrap="none" rtlCol="0">
+            <a:spAutoFit/>
+          </a:bodyPr>
+          <a:lstStyle/>
+          <a:p>
+            <a:r>
+              <a:rPr lang="en-CH" dirty="0"/>
+              <a:t>Grid</a:t>
+            </a:r>
+          </a:p>
+        </p:txBody>
+      </p:sp>
+      <p:sp>
+        <p:nvSpPr>
+          <p:cNvPr id="33" name="TextBox 32">
+            <a:extLst>
+              <a:ext uri="{FF2B5EF4-FFF2-40B4-BE49-F238E27FC236}">
+                <a16:creationId xmlns:a16="http://schemas.microsoft.com/office/drawing/2014/main" id="{A7715770-C91E-3F83-8793-7AFCF65F4022}"/>
+              </a:ext>
+            </a:extLst>
+          </p:cNvPr>
+          <p:cNvSpPr txBox="1"/>
+          <p:nvPr/>
+        </p:nvSpPr>
+        <p:spPr>
+          <a:xfrm>
+            <a:off x="2790120" y="4691194"/>
+            <a:ext cx="800219" cy="369332"/>
+          </a:xfrm>
+          <a:prstGeom prst="rect">
+            <a:avLst/>
+          </a:prstGeom>
+          <a:noFill/>
+        </p:spPr>
+        <p:txBody>
+          <a:bodyPr wrap="none" rtlCol="0">
+            <a:spAutoFit/>
+          </a:bodyPr>
+          <a:lstStyle/>
+          <a:p>
+            <a:r>
+              <a:rPr lang="en-CH" dirty="0"/>
+              <a:t>BESS</a:t>
+            </a:r>
+          </a:p>
+        </p:txBody>
+      </p:sp>
+      <p:sp>
+        <p:nvSpPr>
+          <p:cNvPr id="34" name="TextBox 33">
+            <a:extLst>
+              <a:ext uri="{FF2B5EF4-FFF2-40B4-BE49-F238E27FC236}">
+                <a16:creationId xmlns:a16="http://schemas.microsoft.com/office/drawing/2014/main" id="{C0701857-DF11-D5D2-752B-3E33F61CDA46}"/>
+              </a:ext>
+            </a:extLst>
+          </p:cNvPr>
+          <p:cNvSpPr txBox="1"/>
+          <p:nvPr/>
+        </p:nvSpPr>
+        <p:spPr>
+          <a:xfrm>
+            <a:off x="1164103" y="2114887"/>
+            <a:ext cx="1172116" cy="369332"/>
+          </a:xfrm>
+          <a:prstGeom prst="rect">
+            <a:avLst/>
+          </a:prstGeom>
+          <a:noFill/>
+        </p:spPr>
+        <p:txBody>
+          <a:bodyPr wrap="none" rtlCol="0">
+            <a:spAutoFit/>
+          </a:bodyPr>
+          <a:lstStyle/>
+          <a:p>
+            <a:r>
+              <a:rPr lang="en-CH" dirty="0"/>
+              <a:t>Supercap</a:t>
+            </a:r>
+          </a:p>
+        </p:txBody>
+      </p:sp>
+      <p:sp>
+        <p:nvSpPr>
+          <p:cNvPr id="35" name="TextBox 34">
+            <a:extLst>
+              <a:ext uri="{FF2B5EF4-FFF2-40B4-BE49-F238E27FC236}">
+                <a16:creationId xmlns:a16="http://schemas.microsoft.com/office/drawing/2014/main" id="{1E12C97E-5E07-700F-DECD-75F512278FC9}"/>
+              </a:ext>
+            </a:extLst>
+          </p:cNvPr>
+          <p:cNvSpPr txBox="1"/>
+          <p:nvPr/>
+        </p:nvSpPr>
+        <p:spPr>
+          <a:xfrm>
+            <a:off x="603221" y="4275054"/>
+            <a:ext cx="1864613" cy="369332"/>
+          </a:xfrm>
+          <a:prstGeom prst="rect">
+            <a:avLst/>
+          </a:prstGeom>
+          <a:noFill/>
+        </p:spPr>
+        <p:txBody>
+          <a:bodyPr wrap="none" rtlCol="0">
+            <a:spAutoFit/>
+          </a:bodyPr>
+          <a:lstStyle/>
+          <a:p>
+            <a:r>
+              <a:rPr lang="en-CH" dirty="0"/>
+              <a:t>Thermal storage</a:t>
+            </a:r>
+          </a:p>
+        </p:txBody>
+      </p:sp>
+    </p:spTree>
+    <p:extLst>
+      <p:ext uri="{BB962C8B-B14F-4D97-AF65-F5344CB8AC3E}">
+        <p14:creationId xmlns:p14="http://schemas.microsoft.com/office/powerpoint/2010/main" val="802926749"/>
+      </p:ext>
+    </p:extLst>
+  </p:cSld>
+  <p:clrMapOvr>
+    <a:masterClrMapping/>
+  </p:clrMapOvr>
+</p:sld>
+</file>
+
+<file path=ppt/slides/slide6.xml><?xml version="1.0" encoding="utf-8"?>
+<p:sld xmlns:a="http://schemas.openxmlformats.org/drawingml/2006/main" xmlns:r="http://schemas.openxmlformats.org/officeDocument/2006/relationships" xmlns:p="http://schemas.openxmlformats.org/presentationml/2006/main">
   <p:cSld>
     <p:spTree>
       <p:nvGrpSpPr>
@@ -8554,7 +10618,7 @@
           <p:cNvPr id="2" name="Title 1">
             <a:extLst>
               <a:ext uri="{FF2B5EF4-FFF2-40B4-BE49-F238E27FC236}">
-                <a16:creationId xmlns:a16="http://schemas.microsoft.com/office/drawing/2014/main" id="{B6822907-CE19-984D-8607-90C845369BE5}"/>
+                <a16:creationId xmlns:a16="http://schemas.microsoft.com/office/drawing/2014/main" id="{9CAC2566-A1CB-98CB-B9A8-8A1BA556AD38}"/>
               </a:ext>
             </a:extLst>
           </p:cNvPr>
@@ -8565,14 +10629,1724 @@
             <p:ph type="title"/>
           </p:nvPr>
         </p:nvSpPr>
-        <p:spPr/>
+        <p:spPr>
+          <a:xfrm>
+            <a:off x="731838" y="260351"/>
+            <a:ext cx="5973762" cy="425664"/>
+          </a:xfrm>
+        </p:spPr>
         <p:txBody>
           <a:bodyPr/>
           <a:lstStyle/>
           <a:p>
             <a:r>
               <a:rPr lang="en-CH" dirty="0"/>
-              <a:t>Agenda</a:t>
+              <a:t>Problem formulation: system operation</a:t>
+            </a:r>
+          </a:p>
+        </p:txBody>
+      </p:sp>
+      <p:sp>
+        <p:nvSpPr>
+          <p:cNvPr id="40" name="Can 39">
+            <a:extLst>
+              <a:ext uri="{FF2B5EF4-FFF2-40B4-BE49-F238E27FC236}">
+                <a16:creationId xmlns:a16="http://schemas.microsoft.com/office/drawing/2014/main" id="{4AB563F8-19D1-E68E-3D16-2AC8CFC9FF0A}"/>
+              </a:ext>
+            </a:extLst>
+          </p:cNvPr>
+          <p:cNvSpPr/>
+          <p:nvPr/>
+        </p:nvSpPr>
+        <p:spPr>
+          <a:xfrm>
+            <a:off x="832248" y="2601988"/>
+            <a:ext cx="1030158" cy="1299654"/>
+          </a:xfrm>
+          <a:prstGeom prst="can">
+            <a:avLst/>
+          </a:prstGeom>
+          <a:noFill/>
+          <a:ln w="38100">
+            <a:solidFill>
+              <a:schemeClr val="tx1"/>
+            </a:solidFill>
+          </a:ln>
+        </p:spPr>
+        <p:style>
+          <a:lnRef idx="2">
+            <a:schemeClr val="accent1">
+              <a:shade val="15000"/>
+            </a:schemeClr>
+          </a:lnRef>
+          <a:fillRef idx="1">
+            <a:schemeClr val="accent1"/>
+          </a:fillRef>
+          <a:effectRef idx="0">
+            <a:schemeClr val="accent1"/>
+          </a:effectRef>
+          <a:fontRef idx="minor">
+            <a:schemeClr val="lt1"/>
+          </a:fontRef>
+        </p:style>
+        <p:txBody>
+          <a:bodyPr rtlCol="0" anchor="ctr"/>
+          <a:lstStyle/>
+          <a:p>
+            <a:pPr algn="ctr"/>
+            <a:endParaRPr lang="en-CH"/>
+          </a:p>
+        </p:txBody>
+      </p:sp>
+      <p:grpSp>
+        <p:nvGrpSpPr>
+          <p:cNvPr id="41" name="Group 40">
+            <a:extLst>
+              <a:ext uri="{FF2B5EF4-FFF2-40B4-BE49-F238E27FC236}">
+                <a16:creationId xmlns:a16="http://schemas.microsoft.com/office/drawing/2014/main" id="{CB078336-7E72-D21D-4FC9-14DCD494F570}"/>
+              </a:ext>
+            </a:extLst>
+          </p:cNvPr>
+          <p:cNvGrpSpPr/>
+          <p:nvPr/>
+        </p:nvGrpSpPr>
+        <p:grpSpPr>
+          <a:xfrm>
+            <a:off x="789923" y="4330644"/>
+            <a:ext cx="1114807" cy="1924834"/>
+            <a:chOff x="3374793" y="1461879"/>
+            <a:chExt cx="2184575" cy="4028509"/>
+          </a:xfrm>
+        </p:grpSpPr>
+        <p:sp>
+          <p:nvSpPr>
+            <p:cNvPr id="42" name="Rounded Rectangle 41">
+              <a:extLst>
+                <a:ext uri="{FF2B5EF4-FFF2-40B4-BE49-F238E27FC236}">
+                  <a16:creationId xmlns:a16="http://schemas.microsoft.com/office/drawing/2014/main" id="{FD646635-5E5A-0E10-206A-3E3D272E2DBC}"/>
+                </a:ext>
+              </a:extLst>
+            </p:cNvPr>
+            <p:cNvSpPr/>
+            <p:nvPr/>
+          </p:nvSpPr>
+          <p:spPr>
+            <a:xfrm>
+              <a:off x="4035120" y="1461879"/>
+              <a:ext cx="768837" cy="290236"/>
+            </a:xfrm>
+            <a:prstGeom prst="roundRect">
+              <a:avLst/>
+            </a:prstGeom>
+            <a:noFill/>
+            <a:ln w="28575"/>
+          </p:spPr>
+          <p:style>
+            <a:lnRef idx="2">
+              <a:schemeClr val="dk1"/>
+            </a:lnRef>
+            <a:fillRef idx="1">
+              <a:schemeClr val="lt1"/>
+            </a:fillRef>
+            <a:effectRef idx="0">
+              <a:schemeClr val="dk1"/>
+            </a:effectRef>
+            <a:fontRef idx="minor">
+              <a:schemeClr val="dk1"/>
+            </a:fontRef>
+          </p:style>
+          <p:txBody>
+            <a:bodyPr rtlCol="0" anchor="ctr"/>
+            <a:lstStyle/>
+            <a:p>
+              <a:pPr algn="ctr"/>
+              <a:endParaRPr lang="en-CH"/>
+            </a:p>
+          </p:txBody>
+        </p:sp>
+        <p:sp>
+          <p:nvSpPr>
+            <p:cNvPr id="43" name="Rounded Rectangle 42">
+              <a:extLst>
+                <a:ext uri="{FF2B5EF4-FFF2-40B4-BE49-F238E27FC236}">
+                  <a16:creationId xmlns:a16="http://schemas.microsoft.com/office/drawing/2014/main" id="{B1DA3011-1DDC-92FB-2C35-40540E666937}"/>
+                </a:ext>
+              </a:extLst>
+            </p:cNvPr>
+            <p:cNvSpPr/>
+            <p:nvPr/>
+          </p:nvSpPr>
+          <p:spPr>
+            <a:xfrm>
+              <a:off x="3374793" y="1752115"/>
+              <a:ext cx="2184575" cy="3738273"/>
+            </a:xfrm>
+            <a:prstGeom prst="roundRect">
+              <a:avLst/>
+            </a:prstGeom>
+            <a:noFill/>
+            <a:ln w="57150"/>
+          </p:spPr>
+          <p:style>
+            <a:lnRef idx="2">
+              <a:schemeClr val="dk1"/>
+            </a:lnRef>
+            <a:fillRef idx="1">
+              <a:schemeClr val="lt1"/>
+            </a:fillRef>
+            <a:effectRef idx="0">
+              <a:schemeClr val="dk1"/>
+            </a:effectRef>
+            <a:fontRef idx="minor">
+              <a:schemeClr val="dk1"/>
+            </a:fontRef>
+          </p:style>
+          <p:txBody>
+            <a:bodyPr rtlCol="0" anchor="ctr"/>
+            <a:lstStyle/>
+            <a:p>
+              <a:pPr algn="ctr"/>
+              <a:endParaRPr lang="en-CH"/>
+            </a:p>
+          </p:txBody>
+        </p:sp>
+        <p:sp>
+          <p:nvSpPr>
+            <p:cNvPr id="44" name="Freeform 43">
+              <a:extLst>
+                <a:ext uri="{FF2B5EF4-FFF2-40B4-BE49-F238E27FC236}">
+                  <a16:creationId xmlns:a16="http://schemas.microsoft.com/office/drawing/2014/main" id="{EE43C163-3605-9F4E-A089-8756284BD6FD}"/>
+                </a:ext>
+              </a:extLst>
+            </p:cNvPr>
+            <p:cNvSpPr/>
+            <p:nvPr/>
+          </p:nvSpPr>
+          <p:spPr>
+            <a:xfrm>
+              <a:off x="3374793" y="1752113"/>
+              <a:ext cx="2184575" cy="495180"/>
+            </a:xfrm>
+            <a:custGeom>
+              <a:avLst/>
+              <a:gdLst>
+                <a:gd name="connsiteX0" fmla="*/ 364103 w 2184575"/>
+                <a:gd name="connsiteY0" fmla="*/ 0 h 495180"/>
+                <a:gd name="connsiteX1" fmla="*/ 1820472 w 2184575"/>
+                <a:gd name="connsiteY1" fmla="*/ 0 h 495180"/>
+                <a:gd name="connsiteX2" fmla="*/ 2184575 w 2184575"/>
+                <a:gd name="connsiteY2" fmla="*/ 364103 h 495180"/>
+                <a:gd name="connsiteX3" fmla="*/ 2184575 w 2184575"/>
+                <a:gd name="connsiteY3" fmla="*/ 495180 h 495180"/>
+                <a:gd name="connsiteX4" fmla="*/ 0 w 2184575"/>
+                <a:gd name="connsiteY4" fmla="*/ 495180 h 495180"/>
+                <a:gd name="connsiteX5" fmla="*/ 0 w 2184575"/>
+                <a:gd name="connsiteY5" fmla="*/ 364103 h 495180"/>
+                <a:gd name="connsiteX6" fmla="*/ 364103 w 2184575"/>
+                <a:gd name="connsiteY6" fmla="*/ 0 h 495180"/>
+              </a:gdLst>
+              <a:ahLst/>
+              <a:cxnLst>
+                <a:cxn ang="0">
+                  <a:pos x="connsiteX0" y="connsiteY0"/>
+                </a:cxn>
+                <a:cxn ang="0">
+                  <a:pos x="connsiteX1" y="connsiteY1"/>
+                </a:cxn>
+                <a:cxn ang="0">
+                  <a:pos x="connsiteX2" y="connsiteY2"/>
+                </a:cxn>
+                <a:cxn ang="0">
+                  <a:pos x="connsiteX3" y="connsiteY3"/>
+                </a:cxn>
+                <a:cxn ang="0">
+                  <a:pos x="connsiteX4" y="connsiteY4"/>
+                </a:cxn>
+                <a:cxn ang="0">
+                  <a:pos x="connsiteX5" y="connsiteY5"/>
+                </a:cxn>
+                <a:cxn ang="0">
+                  <a:pos x="connsiteX6" y="connsiteY6"/>
+                </a:cxn>
+              </a:cxnLst>
+              <a:rect l="l" t="t" r="r" b="b"/>
+              <a:pathLst>
+                <a:path w="2184575" h="495180">
+                  <a:moveTo>
+                    <a:pt x="364103" y="0"/>
+                  </a:moveTo>
+                  <a:lnTo>
+                    <a:pt x="1820472" y="0"/>
+                  </a:lnTo>
+                  <a:cubicBezTo>
+                    <a:pt x="2021561" y="0"/>
+                    <a:pt x="2184575" y="163014"/>
+                    <a:pt x="2184575" y="364103"/>
+                  </a:cubicBezTo>
+                  <a:lnTo>
+                    <a:pt x="2184575" y="495180"/>
+                  </a:lnTo>
+                  <a:lnTo>
+                    <a:pt x="0" y="495180"/>
+                  </a:lnTo>
+                  <a:lnTo>
+                    <a:pt x="0" y="364103"/>
+                  </a:lnTo>
+                  <a:cubicBezTo>
+                    <a:pt x="0" y="163014"/>
+                    <a:pt x="163014" y="0"/>
+                    <a:pt x="364103" y="0"/>
+                  </a:cubicBezTo>
+                  <a:close/>
+                </a:path>
+              </a:pathLst>
+            </a:custGeom>
+            <a:solidFill>
+              <a:srgbClr val="FF0000"/>
+            </a:solidFill>
+            <a:ln w="57150"/>
+          </p:spPr>
+          <p:style>
+            <a:lnRef idx="2">
+              <a:schemeClr val="dk1"/>
+            </a:lnRef>
+            <a:fillRef idx="1">
+              <a:schemeClr val="lt1"/>
+            </a:fillRef>
+            <a:effectRef idx="0">
+              <a:schemeClr val="dk1"/>
+            </a:effectRef>
+            <a:fontRef idx="minor">
+              <a:schemeClr val="dk1"/>
+            </a:fontRef>
+          </p:style>
+          <p:txBody>
+            <a:bodyPr wrap="square" rtlCol="0" anchor="ctr">
+              <a:noAutofit/>
+            </a:bodyPr>
+            <a:lstStyle/>
+            <a:p>
+              <a:pPr algn="ctr"/>
+              <a:r>
+                <a:rPr lang="en-CH" sz="900" dirty="0"/>
+                <a:t>Degradation</a:t>
+              </a:r>
+            </a:p>
+          </p:txBody>
+        </p:sp>
+      </p:grpSp>
+      <p:grpSp>
+        <p:nvGrpSpPr>
+          <p:cNvPr id="52" name="Group 51">
+            <a:extLst>
+              <a:ext uri="{FF2B5EF4-FFF2-40B4-BE49-F238E27FC236}">
+                <a16:creationId xmlns:a16="http://schemas.microsoft.com/office/drawing/2014/main" id="{8CC043A8-D220-3E55-FFD5-E27CF1C185CA}"/>
+              </a:ext>
+            </a:extLst>
+          </p:cNvPr>
+          <p:cNvGrpSpPr/>
+          <p:nvPr/>
+        </p:nvGrpSpPr>
+        <p:grpSpPr>
+          <a:xfrm>
+            <a:off x="789923" y="950763"/>
+            <a:ext cx="1114808" cy="1228491"/>
+            <a:chOff x="739720" y="1327959"/>
+            <a:chExt cx="1114808" cy="1228491"/>
+          </a:xfrm>
+        </p:grpSpPr>
+        <p:sp>
+          <p:nvSpPr>
+            <p:cNvPr id="11" name="Rectangle 10">
+              <a:extLst>
+                <a:ext uri="{FF2B5EF4-FFF2-40B4-BE49-F238E27FC236}">
+                  <a16:creationId xmlns:a16="http://schemas.microsoft.com/office/drawing/2014/main" id="{E1B3E9E0-809A-DFF4-C8A2-C80FF2CA0B76}"/>
+                </a:ext>
+              </a:extLst>
+            </p:cNvPr>
+            <p:cNvSpPr/>
+            <p:nvPr/>
+          </p:nvSpPr>
+          <p:spPr>
+            <a:xfrm>
+              <a:off x="739720" y="1327959"/>
+              <a:ext cx="1114808" cy="1228491"/>
+            </a:xfrm>
+            <a:prstGeom prst="rect">
+              <a:avLst/>
+            </a:prstGeom>
+            <a:noFill/>
+            <a:ln w="38100">
+              <a:solidFill>
+                <a:schemeClr val="tx1"/>
+              </a:solidFill>
+            </a:ln>
+          </p:spPr>
+          <p:style>
+            <a:lnRef idx="2">
+              <a:schemeClr val="accent1">
+                <a:shade val="15000"/>
+              </a:schemeClr>
+            </a:lnRef>
+            <a:fillRef idx="1">
+              <a:schemeClr val="accent1"/>
+            </a:fillRef>
+            <a:effectRef idx="0">
+              <a:schemeClr val="accent1"/>
+            </a:effectRef>
+            <a:fontRef idx="minor">
+              <a:schemeClr val="lt1"/>
+            </a:fontRef>
+          </p:style>
+          <p:txBody>
+            <a:bodyPr rtlCol="0" anchor="ctr"/>
+            <a:lstStyle/>
+            <a:p>
+              <a:pPr algn="ctr"/>
+              <a:endParaRPr lang="en-CH"/>
+            </a:p>
+          </p:txBody>
+        </p:sp>
+        <p:pic>
+          <p:nvPicPr>
+            <p:cNvPr id="51" name="Picture 2">
+              <a:extLst>
+                <a:ext uri="{FF2B5EF4-FFF2-40B4-BE49-F238E27FC236}">
+                  <a16:creationId xmlns:a16="http://schemas.microsoft.com/office/drawing/2014/main" id="{94C7995D-9D8B-F666-3E30-4049F4CFD474}"/>
+                </a:ext>
+              </a:extLst>
+            </p:cNvPr>
+            <p:cNvPicPr>
+              <a:picLocks noChangeAspect="1" noChangeArrowheads="1"/>
+            </p:cNvPicPr>
+            <p:nvPr/>
+          </p:nvPicPr>
+          <p:blipFill>
+            <a:blip r:embed="rId3">
+              <a:extLst>
+                <a:ext uri="{28A0092B-C50C-407E-A947-70E740481C1C}">
+                  <a14:useLocalDpi xmlns:a14="http://schemas.microsoft.com/office/drawing/2010/main" val="0"/>
+                </a:ext>
+              </a:extLst>
+            </a:blip>
+            <a:srcRect/>
+            <a:stretch>
+              <a:fillRect/>
+            </a:stretch>
+          </p:blipFill>
+          <p:spPr bwMode="auto">
+            <a:xfrm rot="16200000">
+              <a:off x="836533" y="1518172"/>
+              <a:ext cx="939883" cy="859322"/>
+            </a:xfrm>
+            <a:prstGeom prst="rect">
+              <a:avLst/>
+            </a:prstGeom>
+            <a:noFill/>
+            <a:extLst>
+              <a:ext uri="{909E8E84-426E-40DD-AFC4-6F175D3DCCD1}">
+                <a14:hiddenFill xmlns:a14="http://schemas.microsoft.com/office/drawing/2010/main">
+                  <a:solidFill>
+                    <a:srgbClr val="FFFFFF"/>
+                  </a:solidFill>
+                </a14:hiddenFill>
+              </a:ext>
+            </a:extLst>
+          </p:spPr>
+        </p:pic>
+      </p:grpSp>
+      <p:sp>
+        <p:nvSpPr>
+          <p:cNvPr id="54" name="Right Arrow 53">
+            <a:extLst>
+              <a:ext uri="{FF2B5EF4-FFF2-40B4-BE49-F238E27FC236}">
+                <a16:creationId xmlns:a16="http://schemas.microsoft.com/office/drawing/2014/main" id="{E864D6BA-BB18-928B-1882-FD476D46A689}"/>
+              </a:ext>
+            </a:extLst>
+          </p:cNvPr>
+          <p:cNvSpPr/>
+          <p:nvPr/>
+        </p:nvSpPr>
+        <p:spPr>
+          <a:xfrm>
+            <a:off x="114782" y="1490288"/>
+            <a:ext cx="650486" cy="425664"/>
+          </a:xfrm>
+          <a:prstGeom prst="rightArrow">
+            <a:avLst/>
+          </a:prstGeom>
+        </p:spPr>
+        <p:style>
+          <a:lnRef idx="2">
+            <a:schemeClr val="accent1">
+              <a:shade val="15000"/>
+            </a:schemeClr>
+          </a:lnRef>
+          <a:fillRef idx="1">
+            <a:schemeClr val="accent1"/>
+          </a:fillRef>
+          <a:effectRef idx="0">
+            <a:schemeClr val="accent1"/>
+          </a:effectRef>
+          <a:fontRef idx="minor">
+            <a:schemeClr val="lt1"/>
+          </a:fontRef>
+        </p:style>
+        <p:txBody>
+          <a:bodyPr rtlCol="0" anchor="ctr"/>
+          <a:lstStyle/>
+          <a:p>
+            <a:pPr algn="ctr"/>
+            <a:r>
+              <a:rPr lang="en-CH" sz="1200" dirty="0"/>
+              <a:t>SOC</a:t>
+            </a:r>
+          </a:p>
+        </p:txBody>
+      </p:sp>
+      <p:sp>
+        <p:nvSpPr>
+          <p:cNvPr id="55" name="Right Arrow 54">
+            <a:extLst>
+              <a:ext uri="{FF2B5EF4-FFF2-40B4-BE49-F238E27FC236}">
+                <a16:creationId xmlns:a16="http://schemas.microsoft.com/office/drawing/2014/main" id="{64C54521-AB46-F097-F645-404D9EA8D22B}"/>
+              </a:ext>
+            </a:extLst>
+          </p:cNvPr>
+          <p:cNvSpPr/>
+          <p:nvPr/>
+        </p:nvSpPr>
+        <p:spPr>
+          <a:xfrm>
+            <a:off x="156110" y="3344090"/>
+            <a:ext cx="650486" cy="425664"/>
+          </a:xfrm>
+          <a:prstGeom prst="rightArrow">
+            <a:avLst/>
+          </a:prstGeom>
+        </p:spPr>
+        <p:style>
+          <a:lnRef idx="2">
+            <a:schemeClr val="accent1">
+              <a:shade val="15000"/>
+            </a:schemeClr>
+          </a:lnRef>
+          <a:fillRef idx="1">
+            <a:schemeClr val="accent1"/>
+          </a:fillRef>
+          <a:effectRef idx="0">
+            <a:schemeClr val="accent1"/>
+          </a:effectRef>
+          <a:fontRef idx="minor">
+            <a:schemeClr val="lt1"/>
+          </a:fontRef>
+        </p:style>
+        <p:txBody>
+          <a:bodyPr rtlCol="0" anchor="ctr"/>
+          <a:lstStyle/>
+          <a:p>
+            <a:pPr algn="ctr"/>
+            <a:r>
+              <a:rPr lang="en-CH" sz="1200" dirty="0"/>
+              <a:t>SOC</a:t>
+            </a:r>
+          </a:p>
+        </p:txBody>
+      </p:sp>
+      <p:sp>
+        <p:nvSpPr>
+          <p:cNvPr id="56" name="Right Arrow 55">
+            <a:extLst>
+              <a:ext uri="{FF2B5EF4-FFF2-40B4-BE49-F238E27FC236}">
+                <a16:creationId xmlns:a16="http://schemas.microsoft.com/office/drawing/2014/main" id="{9E1BDBA5-86D3-725B-06B7-4F1716FA002B}"/>
+              </a:ext>
+            </a:extLst>
+          </p:cNvPr>
+          <p:cNvSpPr/>
+          <p:nvPr/>
+        </p:nvSpPr>
+        <p:spPr>
+          <a:xfrm>
+            <a:off x="114782" y="4779772"/>
+            <a:ext cx="650486" cy="425664"/>
+          </a:xfrm>
+          <a:prstGeom prst="rightArrow">
+            <a:avLst/>
+          </a:prstGeom>
+        </p:spPr>
+        <p:style>
+          <a:lnRef idx="2">
+            <a:schemeClr val="accent1">
+              <a:shade val="15000"/>
+            </a:schemeClr>
+          </a:lnRef>
+          <a:fillRef idx="1">
+            <a:schemeClr val="accent1"/>
+          </a:fillRef>
+          <a:effectRef idx="0">
+            <a:schemeClr val="accent1"/>
+          </a:effectRef>
+          <a:fontRef idx="minor">
+            <a:schemeClr val="lt1"/>
+          </a:fontRef>
+        </p:style>
+        <p:txBody>
+          <a:bodyPr rtlCol="0" anchor="ctr"/>
+          <a:lstStyle/>
+          <a:p>
+            <a:pPr algn="ctr"/>
+            <a:r>
+              <a:rPr lang="en-CH" sz="1200" dirty="0"/>
+              <a:t>SOC</a:t>
+            </a:r>
+          </a:p>
+        </p:txBody>
+      </p:sp>
+      <p:sp>
+        <p:nvSpPr>
+          <p:cNvPr id="57" name="TextBox 56">
+            <a:extLst>
+              <a:ext uri="{FF2B5EF4-FFF2-40B4-BE49-F238E27FC236}">
+                <a16:creationId xmlns:a16="http://schemas.microsoft.com/office/drawing/2014/main" id="{08FB59FA-930F-58C4-F106-405EC4F326EE}"/>
+              </a:ext>
+            </a:extLst>
+          </p:cNvPr>
+          <p:cNvSpPr txBox="1"/>
+          <p:nvPr/>
+        </p:nvSpPr>
+        <p:spPr>
+          <a:xfrm>
+            <a:off x="1904730" y="1439626"/>
+            <a:ext cx="1172116" cy="369332"/>
+          </a:xfrm>
+          <a:prstGeom prst="rect">
+            <a:avLst/>
+          </a:prstGeom>
+          <a:noFill/>
+        </p:spPr>
+        <p:txBody>
+          <a:bodyPr wrap="none" rtlCol="0">
+            <a:spAutoFit/>
+          </a:bodyPr>
+          <a:lstStyle/>
+          <a:p>
+            <a:r>
+              <a:rPr lang="en-CH" dirty="0"/>
+              <a:t>Supercap</a:t>
+            </a:r>
+          </a:p>
+        </p:txBody>
+      </p:sp>
+      <p:sp>
+        <p:nvSpPr>
+          <p:cNvPr id="59" name="TextBox 58">
+            <a:extLst>
+              <a:ext uri="{FF2B5EF4-FFF2-40B4-BE49-F238E27FC236}">
+                <a16:creationId xmlns:a16="http://schemas.microsoft.com/office/drawing/2014/main" id="{6C22852B-8B51-7573-8E6F-82464F151D48}"/>
+              </a:ext>
+            </a:extLst>
+          </p:cNvPr>
+          <p:cNvSpPr txBox="1"/>
+          <p:nvPr/>
+        </p:nvSpPr>
+        <p:spPr>
+          <a:xfrm>
+            <a:off x="1888058" y="3131273"/>
+            <a:ext cx="1864613" cy="369332"/>
+          </a:xfrm>
+          <a:prstGeom prst="rect">
+            <a:avLst/>
+          </a:prstGeom>
+          <a:noFill/>
+        </p:spPr>
+        <p:txBody>
+          <a:bodyPr wrap="none" rtlCol="0">
+            <a:spAutoFit/>
+          </a:bodyPr>
+          <a:lstStyle/>
+          <a:p>
+            <a:r>
+              <a:rPr lang="en-CH" dirty="0"/>
+              <a:t>Thermal storage</a:t>
+            </a:r>
+          </a:p>
+        </p:txBody>
+      </p:sp>
+      <p:sp>
+        <p:nvSpPr>
+          <p:cNvPr id="60" name="TextBox 59">
+            <a:extLst>
+              <a:ext uri="{FF2B5EF4-FFF2-40B4-BE49-F238E27FC236}">
+                <a16:creationId xmlns:a16="http://schemas.microsoft.com/office/drawing/2014/main" id="{32194F0A-2F4E-AC0C-54E2-7A9C933F6CC4}"/>
+              </a:ext>
+            </a:extLst>
+          </p:cNvPr>
+          <p:cNvSpPr txBox="1"/>
+          <p:nvPr/>
+        </p:nvSpPr>
+        <p:spPr>
+          <a:xfrm>
+            <a:off x="1904730" y="5233708"/>
+            <a:ext cx="915635" cy="369332"/>
+          </a:xfrm>
+          <a:prstGeom prst="rect">
+            <a:avLst/>
+          </a:prstGeom>
+          <a:noFill/>
+        </p:spPr>
+        <p:txBody>
+          <a:bodyPr wrap="none" rtlCol="0">
+            <a:spAutoFit/>
+          </a:bodyPr>
+          <a:lstStyle/>
+          <a:p>
+            <a:r>
+              <a:rPr lang="en-CH" dirty="0"/>
+              <a:t>Battery</a:t>
+            </a:r>
+          </a:p>
+        </p:txBody>
+      </p:sp>
+      <p:pic>
+        <p:nvPicPr>
+          <p:cNvPr id="1026" name="Picture 2" descr="Bracket icon quote symbol simple Royalty Free Vector Image">
+            <a:extLst>
+              <a:ext uri="{FF2B5EF4-FFF2-40B4-BE49-F238E27FC236}">
+                <a16:creationId xmlns:a16="http://schemas.microsoft.com/office/drawing/2014/main" id="{DB005D7F-6C82-CA41-9DCA-C617410B6006}"/>
+              </a:ext>
+            </a:extLst>
+          </p:cNvPr>
+          <p:cNvPicPr>
+            <a:picLocks noChangeAspect="1" noChangeArrowheads="1"/>
+          </p:cNvPicPr>
+          <p:nvPr/>
+        </p:nvPicPr>
+        <p:blipFill rotWithShape="1">
+          <a:blip r:embed="rId4">
+            <a:extLst>
+              <a:ext uri="{BEBA8EAE-BF5A-486C-A8C5-ECC9F3942E4B}">
+                <a14:imgProps xmlns:a14="http://schemas.microsoft.com/office/drawing/2010/main">
+                  <a14:imgLayer r:embed="rId5">
+                    <a14:imgEffect>
+                      <a14:backgroundRemoval t="23704" b="70093" l="60400" r="70600">
+                        <a14:foregroundMark x1="65500" y1="25741" x2="65500" y2="25741"/>
+                        <a14:foregroundMark x1="64600" y1="23796" x2="64600" y2="23796"/>
+                        <a14:foregroundMark x1="65200" y1="66944" x2="65200" y2="66944"/>
+                        <a14:foregroundMark x1="64600" y1="68889" x2="64600" y2="68889"/>
+                        <a14:foregroundMark x1="62300" y1="70093" x2="62300" y2="70093"/>
+                      </a14:backgroundRemoval>
+                    </a14:imgEffect>
+                  </a14:imgLayer>
+                </a14:imgProps>
+              </a:ext>
+              <a:ext uri="{28A0092B-C50C-407E-A947-70E740481C1C}">
+                <a14:useLocalDpi xmlns:a14="http://schemas.microsoft.com/office/drawing/2010/main" val="0"/>
+              </a:ext>
+            </a:extLst>
+          </a:blip>
+          <a:srcRect l="59133" t="22253" r="28089" b="29321"/>
+          <a:stretch/>
+        </p:blipFill>
+        <p:spPr bwMode="auto">
+          <a:xfrm>
+            <a:off x="3503102" y="843564"/>
+            <a:ext cx="650486" cy="5547809"/>
+          </a:xfrm>
+          <a:prstGeom prst="rect">
+            <a:avLst/>
+          </a:prstGeom>
+          <a:noFill/>
+          <a:extLst>
+            <a:ext uri="{909E8E84-426E-40DD-AFC4-6F175D3DCCD1}">
+              <a14:hiddenFill xmlns:a14="http://schemas.microsoft.com/office/drawing/2010/main">
+                <a:solidFill>
+                  <a:srgbClr val="FFFFFF"/>
+                </a:solidFill>
+              </a14:hiddenFill>
+            </a:ext>
+          </a:extLst>
+        </p:spPr>
+      </p:pic>
+      <p:sp>
+        <p:nvSpPr>
+          <p:cNvPr id="6" name="Rounded Rectangle 5">
+            <a:extLst>
+              <a:ext uri="{FF2B5EF4-FFF2-40B4-BE49-F238E27FC236}">
+                <a16:creationId xmlns:a16="http://schemas.microsoft.com/office/drawing/2014/main" id="{CF9DD05C-59DC-BA5F-280E-C77ED1FBC5A2}"/>
+              </a:ext>
+            </a:extLst>
+          </p:cNvPr>
+          <p:cNvSpPr/>
+          <p:nvPr/>
+        </p:nvSpPr>
+        <p:spPr>
+          <a:xfrm>
+            <a:off x="4793226" y="1587297"/>
+            <a:ext cx="2184575" cy="3738273"/>
+          </a:xfrm>
+          <a:prstGeom prst="roundRect">
+            <a:avLst/>
+          </a:prstGeom>
+          <a:noFill/>
+          <a:ln w="57150"/>
+        </p:spPr>
+        <p:style>
+          <a:lnRef idx="2">
+            <a:schemeClr val="dk1"/>
+          </a:lnRef>
+          <a:fillRef idx="1">
+            <a:schemeClr val="lt1"/>
+          </a:fillRef>
+          <a:effectRef idx="0">
+            <a:schemeClr val="dk1"/>
+          </a:effectRef>
+          <a:fontRef idx="minor">
+            <a:schemeClr val="dk1"/>
+          </a:fontRef>
+        </p:style>
+        <p:txBody>
+          <a:bodyPr rtlCol="0" anchor="ctr"/>
+          <a:lstStyle/>
+          <a:p>
+            <a:pPr algn="ctr"/>
+            <a:endParaRPr lang="en-CH"/>
+          </a:p>
+        </p:txBody>
+      </p:sp>
+      <p:sp>
+        <p:nvSpPr>
+          <p:cNvPr id="27" name="Freeform 26">
+            <a:extLst>
+              <a:ext uri="{FF2B5EF4-FFF2-40B4-BE49-F238E27FC236}">
+                <a16:creationId xmlns:a16="http://schemas.microsoft.com/office/drawing/2014/main" id="{BDF74E46-0AA7-2F8E-72F6-CED37FC73A84}"/>
+              </a:ext>
+            </a:extLst>
+          </p:cNvPr>
+          <p:cNvSpPr/>
+          <p:nvPr/>
+        </p:nvSpPr>
+        <p:spPr>
+          <a:xfrm>
+            <a:off x="4793226" y="1587295"/>
+            <a:ext cx="2184575" cy="495180"/>
+          </a:xfrm>
+          <a:custGeom>
+            <a:avLst/>
+            <a:gdLst>
+              <a:gd name="connsiteX0" fmla="*/ 364103 w 2184575"/>
+              <a:gd name="connsiteY0" fmla="*/ 0 h 495180"/>
+              <a:gd name="connsiteX1" fmla="*/ 1820472 w 2184575"/>
+              <a:gd name="connsiteY1" fmla="*/ 0 h 495180"/>
+              <a:gd name="connsiteX2" fmla="*/ 2184575 w 2184575"/>
+              <a:gd name="connsiteY2" fmla="*/ 364103 h 495180"/>
+              <a:gd name="connsiteX3" fmla="*/ 2184575 w 2184575"/>
+              <a:gd name="connsiteY3" fmla="*/ 495180 h 495180"/>
+              <a:gd name="connsiteX4" fmla="*/ 0 w 2184575"/>
+              <a:gd name="connsiteY4" fmla="*/ 495180 h 495180"/>
+              <a:gd name="connsiteX5" fmla="*/ 0 w 2184575"/>
+              <a:gd name="connsiteY5" fmla="*/ 364103 h 495180"/>
+              <a:gd name="connsiteX6" fmla="*/ 364103 w 2184575"/>
+              <a:gd name="connsiteY6" fmla="*/ 0 h 495180"/>
+            </a:gdLst>
+            <a:ahLst/>
+            <a:cxnLst>
+              <a:cxn ang="0">
+                <a:pos x="connsiteX0" y="connsiteY0"/>
+              </a:cxn>
+              <a:cxn ang="0">
+                <a:pos x="connsiteX1" y="connsiteY1"/>
+              </a:cxn>
+              <a:cxn ang="0">
+                <a:pos x="connsiteX2" y="connsiteY2"/>
+              </a:cxn>
+              <a:cxn ang="0">
+                <a:pos x="connsiteX3" y="connsiteY3"/>
+              </a:cxn>
+              <a:cxn ang="0">
+                <a:pos x="connsiteX4" y="connsiteY4"/>
+              </a:cxn>
+              <a:cxn ang="0">
+                <a:pos x="connsiteX5" y="connsiteY5"/>
+              </a:cxn>
+              <a:cxn ang="0">
+                <a:pos x="connsiteX6" y="connsiteY6"/>
+              </a:cxn>
+            </a:cxnLst>
+            <a:rect l="l" t="t" r="r" b="b"/>
+            <a:pathLst>
+              <a:path w="2184575" h="495180">
+                <a:moveTo>
+                  <a:pt x="364103" y="0"/>
+                </a:moveTo>
+                <a:lnTo>
+                  <a:pt x="1820472" y="0"/>
+                </a:lnTo>
+                <a:cubicBezTo>
+                  <a:pt x="2021561" y="0"/>
+                  <a:pt x="2184575" y="163014"/>
+                  <a:pt x="2184575" y="364103"/>
+                </a:cubicBezTo>
+                <a:lnTo>
+                  <a:pt x="2184575" y="495180"/>
+                </a:lnTo>
+                <a:lnTo>
+                  <a:pt x="0" y="495180"/>
+                </a:lnTo>
+                <a:lnTo>
+                  <a:pt x="0" y="364103"/>
+                </a:lnTo>
+                <a:cubicBezTo>
+                  <a:pt x="0" y="163014"/>
+                  <a:pt x="163014" y="0"/>
+                  <a:pt x="364103" y="0"/>
+                </a:cubicBezTo>
+                <a:close/>
+              </a:path>
+            </a:pathLst>
+          </a:custGeom>
+          <a:solidFill>
+            <a:srgbClr val="FF0000"/>
+          </a:solidFill>
+          <a:ln w="57150"/>
+        </p:spPr>
+        <p:style>
+          <a:lnRef idx="2">
+            <a:schemeClr val="dk1"/>
+          </a:lnRef>
+          <a:fillRef idx="1">
+            <a:schemeClr val="lt1"/>
+          </a:fillRef>
+          <a:effectRef idx="0">
+            <a:schemeClr val="dk1"/>
+          </a:effectRef>
+          <a:fontRef idx="minor">
+            <a:schemeClr val="dk1"/>
+          </a:fontRef>
+        </p:style>
+        <p:txBody>
+          <a:bodyPr wrap="square" rtlCol="0" anchor="ctr">
+            <a:noAutofit/>
+          </a:bodyPr>
+          <a:lstStyle/>
+          <a:p>
+            <a:pPr algn="ctr"/>
+            <a:endParaRPr lang="en-CH" sz="1200" dirty="0"/>
+          </a:p>
+        </p:txBody>
+      </p:sp>
+      <p:sp>
+        <p:nvSpPr>
+          <p:cNvPr id="32" name="Freeform 31">
+            <a:extLst>
+              <a:ext uri="{FF2B5EF4-FFF2-40B4-BE49-F238E27FC236}">
+                <a16:creationId xmlns:a16="http://schemas.microsoft.com/office/drawing/2014/main" id="{4556F225-98EB-ABA8-D2FE-B7BDE624DC34}"/>
+              </a:ext>
+            </a:extLst>
+          </p:cNvPr>
+          <p:cNvSpPr/>
+          <p:nvPr/>
+        </p:nvSpPr>
+        <p:spPr>
+          <a:xfrm>
+            <a:off x="4793226" y="4841307"/>
+            <a:ext cx="2184575" cy="493686"/>
+          </a:xfrm>
+          <a:custGeom>
+            <a:avLst/>
+            <a:gdLst>
+              <a:gd name="connsiteX0" fmla="*/ 0 w 2184575"/>
+              <a:gd name="connsiteY0" fmla="*/ 0 h 493686"/>
+              <a:gd name="connsiteX1" fmla="*/ 2184575 w 2184575"/>
+              <a:gd name="connsiteY1" fmla="*/ 0 h 493686"/>
+              <a:gd name="connsiteX2" fmla="*/ 2184575 w 2184575"/>
+              <a:gd name="connsiteY2" fmla="*/ 129583 h 493686"/>
+              <a:gd name="connsiteX3" fmla="*/ 1820472 w 2184575"/>
+              <a:gd name="connsiteY3" fmla="*/ 493686 h 493686"/>
+              <a:gd name="connsiteX4" fmla="*/ 364103 w 2184575"/>
+              <a:gd name="connsiteY4" fmla="*/ 493686 h 493686"/>
+              <a:gd name="connsiteX5" fmla="*/ 0 w 2184575"/>
+              <a:gd name="connsiteY5" fmla="*/ 129583 h 493686"/>
+            </a:gdLst>
+            <a:ahLst/>
+            <a:cxnLst>
+              <a:cxn ang="0">
+                <a:pos x="connsiteX0" y="connsiteY0"/>
+              </a:cxn>
+              <a:cxn ang="0">
+                <a:pos x="connsiteX1" y="connsiteY1"/>
+              </a:cxn>
+              <a:cxn ang="0">
+                <a:pos x="connsiteX2" y="connsiteY2"/>
+              </a:cxn>
+              <a:cxn ang="0">
+                <a:pos x="connsiteX3" y="connsiteY3"/>
+              </a:cxn>
+              <a:cxn ang="0">
+                <a:pos x="connsiteX4" y="connsiteY4"/>
+              </a:cxn>
+              <a:cxn ang="0">
+                <a:pos x="connsiteX5" y="connsiteY5"/>
+              </a:cxn>
+            </a:cxnLst>
+            <a:rect l="l" t="t" r="r" b="b"/>
+            <a:pathLst>
+              <a:path w="2184575" h="493686">
+                <a:moveTo>
+                  <a:pt x="0" y="0"/>
+                </a:moveTo>
+                <a:lnTo>
+                  <a:pt x="2184575" y="0"/>
+                </a:lnTo>
+                <a:lnTo>
+                  <a:pt x="2184575" y="129583"/>
+                </a:lnTo>
+                <a:cubicBezTo>
+                  <a:pt x="2184575" y="330672"/>
+                  <a:pt x="2021561" y="493686"/>
+                  <a:pt x="1820472" y="493686"/>
+                </a:cubicBezTo>
+                <a:lnTo>
+                  <a:pt x="364103" y="493686"/>
+                </a:lnTo>
+                <a:cubicBezTo>
+                  <a:pt x="163014" y="493686"/>
+                  <a:pt x="0" y="330672"/>
+                  <a:pt x="0" y="129583"/>
+                </a:cubicBezTo>
+                <a:close/>
+              </a:path>
+            </a:pathLst>
+          </a:custGeom>
+          <a:solidFill>
+            <a:srgbClr val="00B050"/>
+          </a:solidFill>
+          <a:ln w="57150"/>
+        </p:spPr>
+        <p:style>
+          <a:lnRef idx="2">
+            <a:schemeClr val="dk1"/>
+          </a:lnRef>
+          <a:fillRef idx="1">
+            <a:schemeClr val="lt1"/>
+          </a:fillRef>
+          <a:effectRef idx="0">
+            <a:schemeClr val="dk1"/>
+          </a:effectRef>
+          <a:fontRef idx="minor">
+            <a:schemeClr val="dk1"/>
+          </a:fontRef>
+        </p:style>
+        <p:txBody>
+          <a:bodyPr wrap="square" rtlCol="0" anchor="ctr">
+            <a:noAutofit/>
+          </a:bodyPr>
+          <a:lstStyle/>
+          <a:p>
+            <a:pPr algn="ctr"/>
+            <a:r>
+              <a:rPr lang="en-CH" dirty="0">
+                <a:solidFill>
+                  <a:schemeClr val="bg1"/>
+                </a:solidFill>
+              </a:rPr>
+              <a:t>FCR (30min)</a:t>
+            </a:r>
+          </a:p>
+        </p:txBody>
+      </p:sp>
+      <p:sp>
+        <p:nvSpPr>
+          <p:cNvPr id="34" name="Rectangle 33">
+            <a:extLst>
+              <a:ext uri="{FF2B5EF4-FFF2-40B4-BE49-F238E27FC236}">
+                <a16:creationId xmlns:a16="http://schemas.microsoft.com/office/drawing/2014/main" id="{5464202F-4743-F1E5-F17B-2CB96B7CE926}"/>
+              </a:ext>
+            </a:extLst>
+          </p:cNvPr>
+          <p:cNvSpPr/>
+          <p:nvPr/>
+        </p:nvSpPr>
+        <p:spPr>
+          <a:xfrm>
+            <a:off x="4793225" y="1877858"/>
+            <a:ext cx="2184574" cy="495181"/>
+          </a:xfrm>
+          <a:prstGeom prst="rect">
+            <a:avLst/>
+          </a:prstGeom>
+          <a:solidFill>
+            <a:srgbClr val="00B050"/>
+          </a:solidFill>
+          <a:ln w="38100"/>
+        </p:spPr>
+        <p:style>
+          <a:lnRef idx="2">
+            <a:schemeClr val="accent1">
+              <a:shade val="15000"/>
+            </a:schemeClr>
+          </a:lnRef>
+          <a:fillRef idx="1">
+            <a:schemeClr val="accent1"/>
+          </a:fillRef>
+          <a:effectRef idx="0">
+            <a:schemeClr val="accent1"/>
+          </a:effectRef>
+          <a:fontRef idx="minor">
+            <a:schemeClr val="lt1"/>
+          </a:fontRef>
+        </p:style>
+        <p:txBody>
+          <a:bodyPr rtlCol="0" anchor="ctr"/>
+          <a:lstStyle/>
+          <a:p>
+            <a:pPr algn="ctr"/>
+            <a:r>
+              <a:rPr lang="en-CH" dirty="0"/>
+              <a:t>FCR (30min)</a:t>
+            </a:r>
+          </a:p>
+        </p:txBody>
+      </p:sp>
+      <p:sp>
+        <p:nvSpPr>
+          <p:cNvPr id="35" name="Rectangle 34">
+            <a:extLst>
+              <a:ext uri="{FF2B5EF4-FFF2-40B4-BE49-F238E27FC236}">
+                <a16:creationId xmlns:a16="http://schemas.microsoft.com/office/drawing/2014/main" id="{EEFABE08-99ED-E437-F427-175F1CFC9B4D}"/>
+              </a:ext>
+            </a:extLst>
+          </p:cNvPr>
+          <p:cNvSpPr/>
+          <p:nvPr/>
+        </p:nvSpPr>
+        <p:spPr>
+          <a:xfrm>
+            <a:off x="4793225" y="2373036"/>
+            <a:ext cx="2184574" cy="495181"/>
+          </a:xfrm>
+          <a:prstGeom prst="rect">
+            <a:avLst/>
+          </a:prstGeom>
+          <a:solidFill>
+            <a:srgbClr val="00B050"/>
+          </a:solidFill>
+          <a:ln w="38100"/>
+        </p:spPr>
+        <p:style>
+          <a:lnRef idx="2">
+            <a:schemeClr val="accent1">
+              <a:shade val="15000"/>
+            </a:schemeClr>
+          </a:lnRef>
+          <a:fillRef idx="1">
+            <a:schemeClr val="accent1"/>
+          </a:fillRef>
+          <a:effectRef idx="0">
+            <a:schemeClr val="accent1"/>
+          </a:effectRef>
+          <a:fontRef idx="minor">
+            <a:schemeClr val="lt1"/>
+          </a:fontRef>
+        </p:style>
+        <p:txBody>
+          <a:bodyPr rtlCol="0" anchor="ctr"/>
+          <a:lstStyle/>
+          <a:p>
+            <a:pPr algn="ctr"/>
+            <a:r>
+              <a:rPr lang="en-CH" dirty="0"/>
+              <a:t>aFRR up (1h)</a:t>
+            </a:r>
+          </a:p>
+        </p:txBody>
+      </p:sp>
+      <p:sp>
+        <p:nvSpPr>
+          <p:cNvPr id="36" name="Rectangle 35">
+            <a:extLst>
+              <a:ext uri="{FF2B5EF4-FFF2-40B4-BE49-F238E27FC236}">
+                <a16:creationId xmlns:a16="http://schemas.microsoft.com/office/drawing/2014/main" id="{FDF365B8-93EF-2AEF-131F-767F4BB74724}"/>
+              </a:ext>
+            </a:extLst>
+          </p:cNvPr>
+          <p:cNvSpPr/>
+          <p:nvPr/>
+        </p:nvSpPr>
+        <p:spPr>
+          <a:xfrm>
+            <a:off x="4793226" y="4334461"/>
+            <a:ext cx="2184574" cy="495181"/>
+          </a:xfrm>
+          <a:prstGeom prst="rect">
+            <a:avLst/>
+          </a:prstGeom>
+          <a:solidFill>
+            <a:srgbClr val="00B050"/>
+          </a:solidFill>
+          <a:ln w="38100"/>
+        </p:spPr>
+        <p:style>
+          <a:lnRef idx="2">
+            <a:schemeClr val="accent1">
+              <a:shade val="15000"/>
+            </a:schemeClr>
+          </a:lnRef>
+          <a:fillRef idx="1">
+            <a:schemeClr val="accent1"/>
+          </a:fillRef>
+          <a:effectRef idx="0">
+            <a:schemeClr val="accent1"/>
+          </a:effectRef>
+          <a:fontRef idx="minor">
+            <a:schemeClr val="lt1"/>
+          </a:fontRef>
+        </p:style>
+        <p:txBody>
+          <a:bodyPr rtlCol="0" anchor="ctr"/>
+          <a:lstStyle/>
+          <a:p>
+            <a:pPr algn="ctr"/>
+            <a:r>
+              <a:rPr lang="en-CH" dirty="0"/>
+              <a:t>aFRR down (1h)</a:t>
+            </a:r>
+          </a:p>
+        </p:txBody>
+      </p:sp>
+      <p:sp>
+        <p:nvSpPr>
+          <p:cNvPr id="50" name="Right Arrow 49">
+            <a:extLst>
+              <a:ext uri="{FF2B5EF4-FFF2-40B4-BE49-F238E27FC236}">
+                <a16:creationId xmlns:a16="http://schemas.microsoft.com/office/drawing/2014/main" id="{9CEE41D6-493B-5B39-B089-1D771576E1B6}"/>
+              </a:ext>
+            </a:extLst>
+          </p:cNvPr>
+          <p:cNvSpPr/>
+          <p:nvPr/>
+        </p:nvSpPr>
+        <p:spPr>
+          <a:xfrm>
+            <a:off x="4101037" y="3809724"/>
+            <a:ext cx="650486" cy="425664"/>
+          </a:xfrm>
+          <a:prstGeom prst="rightArrow">
+            <a:avLst/>
+          </a:prstGeom>
+        </p:spPr>
+        <p:style>
+          <a:lnRef idx="2">
+            <a:schemeClr val="accent1">
+              <a:shade val="15000"/>
+            </a:schemeClr>
+          </a:lnRef>
+          <a:fillRef idx="1">
+            <a:schemeClr val="accent1"/>
+          </a:fillRef>
+          <a:effectRef idx="0">
+            <a:schemeClr val="accent1"/>
+          </a:effectRef>
+          <a:fontRef idx="minor">
+            <a:schemeClr val="lt1"/>
+          </a:fontRef>
+        </p:style>
+        <p:txBody>
+          <a:bodyPr rtlCol="0" anchor="ctr"/>
+          <a:lstStyle/>
+          <a:p>
+            <a:pPr algn="ctr"/>
+            <a:r>
+              <a:rPr lang="en-CH" sz="1200" dirty="0"/>
+              <a:t>SOC</a:t>
+            </a:r>
+          </a:p>
+        </p:txBody>
+      </p:sp>
+      <p:sp>
+        <p:nvSpPr>
+          <p:cNvPr id="1024" name="TextBox 1023">
+            <a:extLst>
+              <a:ext uri="{FF2B5EF4-FFF2-40B4-BE49-F238E27FC236}">
+                <a16:creationId xmlns:a16="http://schemas.microsoft.com/office/drawing/2014/main" id="{93007F98-8ED7-61BE-7B21-EFF0DF7944CF}"/>
+              </a:ext>
+            </a:extLst>
+          </p:cNvPr>
+          <p:cNvSpPr txBox="1"/>
+          <p:nvPr/>
+        </p:nvSpPr>
+        <p:spPr>
+          <a:xfrm>
+            <a:off x="4774924" y="3246629"/>
+            <a:ext cx="2184574" cy="646331"/>
+          </a:xfrm>
+          <a:prstGeom prst="rect">
+            <a:avLst/>
+          </a:prstGeom>
+          <a:noFill/>
+        </p:spPr>
+        <p:txBody>
+          <a:bodyPr wrap="square" rtlCol="0">
+            <a:spAutoFit/>
+          </a:bodyPr>
+          <a:lstStyle/>
+          <a:p>
+            <a:pPr algn="ctr"/>
+            <a:r>
+              <a:rPr lang="en-CH" dirty="0"/>
+              <a:t>Arbitrage and peak shaving</a:t>
+            </a:r>
+          </a:p>
+        </p:txBody>
+      </p:sp>
+      <p:sp>
+        <p:nvSpPr>
+          <p:cNvPr id="1031" name="Up-down Arrow 1030">
+            <a:extLst>
+              <a:ext uri="{FF2B5EF4-FFF2-40B4-BE49-F238E27FC236}">
+                <a16:creationId xmlns:a16="http://schemas.microsoft.com/office/drawing/2014/main" id="{69F17125-CAA6-E232-0BF8-AFC554127B38}"/>
+              </a:ext>
+            </a:extLst>
+          </p:cNvPr>
+          <p:cNvSpPr/>
+          <p:nvPr/>
+        </p:nvSpPr>
+        <p:spPr>
+          <a:xfrm rot="16200000">
+            <a:off x="7419202" y="3012501"/>
+            <a:ext cx="546754" cy="1209933"/>
+          </a:xfrm>
+          <a:prstGeom prst="upDownArrow">
+            <a:avLst>
+              <a:gd name="adj1" fmla="val 58329"/>
+              <a:gd name="adj2" fmla="val 61852"/>
+            </a:avLst>
+          </a:prstGeom>
+        </p:spPr>
+        <p:style>
+          <a:lnRef idx="2">
+            <a:schemeClr val="accent1">
+              <a:shade val="15000"/>
+            </a:schemeClr>
+          </a:lnRef>
+          <a:fillRef idx="1">
+            <a:schemeClr val="accent1"/>
+          </a:fillRef>
+          <a:effectRef idx="0">
+            <a:schemeClr val="accent1"/>
+          </a:effectRef>
+          <a:fontRef idx="minor">
+            <a:schemeClr val="lt1"/>
+          </a:fontRef>
+        </p:style>
+        <p:txBody>
+          <a:bodyPr rtlCol="0" anchor="ctr"/>
+          <a:lstStyle/>
+          <a:p>
+            <a:pPr algn="ctr"/>
+            <a:endParaRPr lang="en-CH"/>
+          </a:p>
+        </p:txBody>
+      </p:sp>
+      <p:sp>
+        <p:nvSpPr>
+          <p:cNvPr id="1032" name="TextBox 1031">
+            <a:extLst>
+              <a:ext uri="{FF2B5EF4-FFF2-40B4-BE49-F238E27FC236}">
+                <a16:creationId xmlns:a16="http://schemas.microsoft.com/office/drawing/2014/main" id="{6088F41C-17C8-2E55-A12D-735749488E9B}"/>
+              </a:ext>
+            </a:extLst>
+          </p:cNvPr>
+          <p:cNvSpPr txBox="1"/>
+          <p:nvPr/>
+        </p:nvSpPr>
+        <p:spPr>
+          <a:xfrm>
+            <a:off x="8407355" y="3131273"/>
+            <a:ext cx="3706088" cy="1200329"/>
+          </a:xfrm>
+          <a:prstGeom prst="rect">
+            <a:avLst/>
+          </a:prstGeom>
+          <a:noFill/>
+        </p:spPr>
+        <p:txBody>
+          <a:bodyPr wrap="square" rtlCol="0">
+            <a:spAutoFit/>
+          </a:bodyPr>
+          <a:lstStyle/>
+          <a:p>
+            <a:pPr marL="285750" indent="-285750">
+              <a:buFont typeface="Arial" panose="020B0604020202020204" pitchFamily="34" charset="0"/>
+              <a:buChar char="•"/>
+            </a:pPr>
+            <a:r>
+              <a:rPr lang="en-CH" dirty="0"/>
+              <a:t>Wholesale markets (Day-ahead, intraday)</a:t>
+            </a:r>
+          </a:p>
+          <a:p>
+            <a:pPr marL="285750" indent="-285750">
+              <a:buFont typeface="Arial" panose="020B0604020202020204" pitchFamily="34" charset="0"/>
+              <a:buChar char="•"/>
+            </a:pPr>
+            <a:r>
+              <a:rPr lang="en-CH" dirty="0"/>
+              <a:t>Peak shaving</a:t>
+            </a:r>
+          </a:p>
+          <a:p>
+            <a:pPr marL="285750" indent="-285750">
+              <a:buFont typeface="Arial" panose="020B0604020202020204" pitchFamily="34" charset="0"/>
+              <a:buChar char="•"/>
+            </a:pPr>
+            <a:r>
+              <a:rPr lang="en-CH" dirty="0"/>
+              <a:t>PV production</a:t>
+            </a:r>
+          </a:p>
+        </p:txBody>
+      </p:sp>
+      <p:sp>
+        <p:nvSpPr>
+          <p:cNvPr id="1033" name="Up-down Arrow 1032">
+            <a:extLst>
+              <a:ext uri="{FF2B5EF4-FFF2-40B4-BE49-F238E27FC236}">
+                <a16:creationId xmlns:a16="http://schemas.microsoft.com/office/drawing/2014/main" id="{7A996D5B-238E-B9D1-CC84-A4004A8C2849}"/>
+              </a:ext>
+            </a:extLst>
+          </p:cNvPr>
+          <p:cNvSpPr/>
+          <p:nvPr/>
+        </p:nvSpPr>
+        <p:spPr>
+          <a:xfrm rot="16200000">
+            <a:off x="7419203" y="1719995"/>
+            <a:ext cx="546754" cy="1209933"/>
+          </a:xfrm>
+          <a:prstGeom prst="upDownArrow">
+            <a:avLst>
+              <a:gd name="adj1" fmla="val 58329"/>
+              <a:gd name="adj2" fmla="val 61852"/>
+            </a:avLst>
+          </a:prstGeom>
+        </p:spPr>
+        <p:style>
+          <a:lnRef idx="2">
+            <a:schemeClr val="accent1">
+              <a:shade val="15000"/>
+            </a:schemeClr>
+          </a:lnRef>
+          <a:fillRef idx="1">
+            <a:schemeClr val="accent1"/>
+          </a:fillRef>
+          <a:effectRef idx="0">
+            <a:schemeClr val="accent1"/>
+          </a:effectRef>
+          <a:fontRef idx="minor">
+            <a:schemeClr val="lt1"/>
+          </a:fontRef>
+        </p:style>
+        <p:txBody>
+          <a:bodyPr rtlCol="0" anchor="ctr"/>
+          <a:lstStyle/>
+          <a:p>
+            <a:pPr algn="ctr"/>
+            <a:endParaRPr lang="en-CH"/>
+          </a:p>
+        </p:txBody>
+      </p:sp>
+      <p:sp>
+        <p:nvSpPr>
+          <p:cNvPr id="1034" name="TextBox 1033">
+            <a:extLst>
+              <a:ext uri="{FF2B5EF4-FFF2-40B4-BE49-F238E27FC236}">
+                <a16:creationId xmlns:a16="http://schemas.microsoft.com/office/drawing/2014/main" id="{9B376D89-E731-9A79-D753-8D2239F27382}"/>
+              </a:ext>
+            </a:extLst>
+          </p:cNvPr>
+          <p:cNvSpPr txBox="1"/>
+          <p:nvPr/>
+        </p:nvSpPr>
+        <p:spPr>
+          <a:xfrm>
+            <a:off x="8407355" y="2133498"/>
+            <a:ext cx="3706088" cy="369332"/>
+          </a:xfrm>
+          <a:prstGeom prst="rect">
+            <a:avLst/>
+          </a:prstGeom>
+          <a:noFill/>
+        </p:spPr>
+        <p:txBody>
+          <a:bodyPr wrap="square" rtlCol="0">
+            <a:spAutoFit/>
+          </a:bodyPr>
+          <a:lstStyle/>
+          <a:p>
+            <a:pPr marL="285750" indent="-285750">
+              <a:buFont typeface="Arial" panose="020B0604020202020204" pitchFamily="34" charset="0"/>
+              <a:buChar char="•"/>
+            </a:pPr>
+            <a:r>
+              <a:rPr lang="en-CH" dirty="0"/>
+              <a:t>Capacity markets (FCR, aFRR)</a:t>
+            </a:r>
+          </a:p>
+        </p:txBody>
+      </p:sp>
+      <p:sp>
+        <p:nvSpPr>
+          <p:cNvPr id="1035" name="TextBox 1034">
+            <a:extLst>
+              <a:ext uri="{FF2B5EF4-FFF2-40B4-BE49-F238E27FC236}">
+                <a16:creationId xmlns:a16="http://schemas.microsoft.com/office/drawing/2014/main" id="{18E2CF36-6E88-4759-2F57-8FDCF874D85C}"/>
+              </a:ext>
+            </a:extLst>
+          </p:cNvPr>
+          <p:cNvSpPr txBox="1"/>
+          <p:nvPr/>
+        </p:nvSpPr>
+        <p:spPr>
+          <a:xfrm>
+            <a:off x="4689995" y="1060414"/>
+            <a:ext cx="2287806" cy="369332"/>
+          </a:xfrm>
+          <a:prstGeom prst="rect">
+            <a:avLst/>
+          </a:prstGeom>
+          <a:noFill/>
+        </p:spPr>
+        <p:txBody>
+          <a:bodyPr wrap="none" rtlCol="0">
+            <a:spAutoFit/>
+          </a:bodyPr>
+          <a:lstStyle/>
+          <a:p>
+            <a:r>
+              <a:rPr lang="en-CH" dirty="0"/>
+              <a:t>Aggregated capacity</a:t>
+            </a:r>
+          </a:p>
+        </p:txBody>
+      </p:sp>
+    </p:spTree>
+    <p:extLst>
+      <p:ext uri="{BB962C8B-B14F-4D97-AF65-F5344CB8AC3E}">
+        <p14:creationId xmlns:p14="http://schemas.microsoft.com/office/powerpoint/2010/main" val="2491987075"/>
+      </p:ext>
+    </p:extLst>
+  </p:cSld>
+  <p:clrMapOvr>
+    <a:masterClrMapping/>
+  </p:clrMapOvr>
+</p:sld>
+</file>
+
+<file path=ppt/slides/slide7.xml><?xml version="1.0" encoding="utf-8"?>
+<p:sld xmlns:a="http://schemas.openxmlformats.org/drawingml/2006/main" xmlns:r="http://schemas.openxmlformats.org/officeDocument/2006/relationships" xmlns:p="http://schemas.openxmlformats.org/presentationml/2006/main">
+  <p:cSld>
+    <p:spTree>
+      <p:nvGrpSpPr>
+        <p:cNvPr id="1" name=""/>
+        <p:cNvGrpSpPr/>
+        <p:nvPr/>
+      </p:nvGrpSpPr>
+      <p:grpSpPr>
+        <a:xfrm>
+          <a:off x="0" y="0"/>
+          <a:ext cx="0" cy="0"/>
+          <a:chOff x="0" y="0"/>
+          <a:chExt cx="0" cy="0"/>
+        </a:xfrm>
+      </p:grpSpPr>
+      <p:pic>
+        <p:nvPicPr>
+          <p:cNvPr id="4" name="Picture 3">
+            <a:extLst>
+              <a:ext uri="{FF2B5EF4-FFF2-40B4-BE49-F238E27FC236}">
+                <a16:creationId xmlns:a16="http://schemas.microsoft.com/office/drawing/2014/main" id="{8901322B-8986-EFDC-0D51-3CBEFBBFD4E8}"/>
+              </a:ext>
+            </a:extLst>
+          </p:cNvPr>
+          <p:cNvPicPr>
+            <a:picLocks noChangeAspect="1"/>
+          </p:cNvPicPr>
+          <p:nvPr/>
+        </p:nvPicPr>
+        <p:blipFill>
+          <a:blip r:embed="rId3"/>
+          <a:stretch>
+            <a:fillRect/>
+          </a:stretch>
+        </p:blipFill>
+        <p:spPr>
+          <a:xfrm>
+            <a:off x="29396" y="194502"/>
+            <a:ext cx="11439669" cy="6555077"/>
+          </a:xfrm>
+          <a:prstGeom prst="rect">
+            <a:avLst/>
+          </a:prstGeom>
+        </p:spPr>
+      </p:pic>
+      <p:cxnSp>
+        <p:nvCxnSpPr>
+          <p:cNvPr id="2" name="Straight Connector 1">
+            <a:extLst>
+              <a:ext uri="{FF2B5EF4-FFF2-40B4-BE49-F238E27FC236}">
+                <a16:creationId xmlns:a16="http://schemas.microsoft.com/office/drawing/2014/main" id="{FC05EAD2-C516-3FD0-7AE9-9BC271D3F2C5}"/>
+              </a:ext>
+            </a:extLst>
+          </p:cNvPr>
+          <p:cNvCxnSpPr/>
+          <p:nvPr/>
+        </p:nvCxnSpPr>
+        <p:spPr>
+          <a:xfrm>
+            <a:off x="11141311" y="108421"/>
+            <a:ext cx="0" cy="6660000"/>
+          </a:xfrm>
+          <a:prstGeom prst="line">
+            <a:avLst/>
+          </a:prstGeom>
+          <a:ln w="28575">
+            <a:solidFill>
+              <a:srgbClr val="FF0000"/>
+            </a:solidFill>
+          </a:ln>
+        </p:spPr>
+        <p:style>
+          <a:lnRef idx="1">
+            <a:schemeClr val="accent1"/>
+          </a:lnRef>
+          <a:fillRef idx="0">
+            <a:schemeClr val="accent1"/>
+          </a:fillRef>
+          <a:effectRef idx="0">
+            <a:schemeClr val="accent1"/>
+          </a:effectRef>
+          <a:fontRef idx="minor">
+            <a:schemeClr val="tx1"/>
+          </a:fontRef>
+        </p:style>
+      </p:cxnSp>
+      <p:sp>
+        <p:nvSpPr>
+          <p:cNvPr id="3" name="TextBox 2">
+            <a:extLst>
+              <a:ext uri="{FF2B5EF4-FFF2-40B4-BE49-F238E27FC236}">
+                <a16:creationId xmlns:a16="http://schemas.microsoft.com/office/drawing/2014/main" id="{A35DFC8D-21C5-D1EA-D538-81F50EE4601D}"/>
+              </a:ext>
+            </a:extLst>
+          </p:cNvPr>
+          <p:cNvSpPr txBox="1"/>
+          <p:nvPr/>
+        </p:nvSpPr>
+        <p:spPr>
+          <a:xfrm>
+            <a:off x="11138205" y="40614"/>
+            <a:ext cx="661720" cy="307777"/>
+          </a:xfrm>
+          <a:prstGeom prst="rect">
+            <a:avLst/>
+          </a:prstGeom>
+          <a:ln w="28575">
+            <a:solidFill>
+              <a:srgbClr val="FF0000"/>
+            </a:solidFill>
+          </a:ln>
+        </p:spPr>
+        <p:style>
+          <a:lnRef idx="2">
+            <a:schemeClr val="accent5"/>
+          </a:lnRef>
+          <a:fillRef idx="1">
+            <a:schemeClr val="lt1"/>
+          </a:fillRef>
+          <a:effectRef idx="0">
+            <a:schemeClr val="accent5"/>
+          </a:effectRef>
+          <a:fontRef idx="minor">
+            <a:schemeClr val="dk1"/>
+          </a:fontRef>
+        </p:style>
+        <p:txBody>
+          <a:bodyPr wrap="none" rtlCol="0">
+            <a:spAutoFit/>
+          </a:bodyPr>
+          <a:lstStyle/>
+          <a:p>
+            <a:r>
+              <a:rPr lang="en-CH" sz="1400" dirty="0">
+                <a:solidFill>
+                  <a:srgbClr val="FF0000"/>
+                </a:solidFill>
+              </a:rPr>
+              <a:t>Today</a:t>
+            </a:r>
+          </a:p>
+        </p:txBody>
+      </p:sp>
+    </p:spTree>
+    <p:extLst>
+      <p:ext uri="{BB962C8B-B14F-4D97-AF65-F5344CB8AC3E}">
+        <p14:creationId xmlns:p14="http://schemas.microsoft.com/office/powerpoint/2010/main" val="3590136329"/>
+      </p:ext>
+    </p:extLst>
+  </p:cSld>
+  <p:clrMapOvr>
+    <a:masterClrMapping/>
+  </p:clrMapOvr>
+</p:sld>
+</file>
+
+<file path=ppt/slides/slide8.xml><?xml version="1.0" encoding="utf-8"?>
+<p:sld xmlns:a="http://schemas.openxmlformats.org/drawingml/2006/main" xmlns:r="http://schemas.openxmlformats.org/officeDocument/2006/relationships" xmlns:p="http://schemas.openxmlformats.org/presentationml/2006/main">
+  <p:cSld>
+    <p:spTree>
+      <p:nvGrpSpPr>
+        <p:cNvPr id="1" name="">
+          <a:extLst>
+            <a:ext uri="{FF2B5EF4-FFF2-40B4-BE49-F238E27FC236}">
+              <a16:creationId xmlns:a16="http://schemas.microsoft.com/office/drawing/2014/main" id="{DF73566F-8E0A-8765-F3B2-460488FBD07D}"/>
+            </a:ext>
+          </a:extLst>
+        </p:cNvPr>
+        <p:cNvGrpSpPr/>
+        <p:nvPr/>
+      </p:nvGrpSpPr>
+      <p:grpSpPr>
+        <a:xfrm>
+          <a:off x="0" y="0"/>
+          <a:ext cx="0" cy="0"/>
+          <a:chOff x="0" y="0"/>
+          <a:chExt cx="0" cy="0"/>
+        </a:xfrm>
+      </p:grpSpPr>
+      <p:sp>
+        <p:nvSpPr>
+          <p:cNvPr id="2" name="Title 1">
+            <a:extLst>
+              <a:ext uri="{FF2B5EF4-FFF2-40B4-BE49-F238E27FC236}">
+                <a16:creationId xmlns:a16="http://schemas.microsoft.com/office/drawing/2014/main" id="{F758F4D2-3D7D-2A5B-7166-EC208F71DAD2}"/>
+              </a:ext>
+            </a:extLst>
+          </p:cNvPr>
+          <p:cNvSpPr>
+            <a:spLocks noGrp="1"/>
+          </p:cNvSpPr>
+          <p:nvPr>
+            <p:ph type="title"/>
+          </p:nvPr>
+        </p:nvSpPr>
+        <p:spPr/>
+        <p:txBody>
+          <a:bodyPr/>
+          <a:lstStyle/>
+          <a:p>
+            <a:r>
+              <a:rPr lang="en-CH" dirty="0"/>
+              <a:t>Analysis and modelling of varying market conditions</a:t>
             </a:r>
           </a:p>
         </p:txBody>
@@ -8582,7 +12356,7 @@
           <p:cNvPr id="3" name="Content Placeholder 2">
             <a:extLst>
               <a:ext uri="{FF2B5EF4-FFF2-40B4-BE49-F238E27FC236}">
-                <a16:creationId xmlns:a16="http://schemas.microsoft.com/office/drawing/2014/main" id="{3F5A64D9-8F2D-3506-6E00-394BBA07CCE9}"/>
+                <a16:creationId xmlns:a16="http://schemas.microsoft.com/office/drawing/2014/main" id="{10751025-1E5C-0F05-79BE-1633A1E2ACFF}"/>
               </a:ext>
             </a:extLst>
           </p:cNvPr>
@@ -8593,46 +12367,471 @@
             <p:ph idx="1"/>
           </p:nvPr>
         </p:nvSpPr>
-        <p:spPr/>
+        <p:spPr>
+          <a:xfrm>
+            <a:off x="731837" y="1155770"/>
+            <a:ext cx="5998901" cy="2493925"/>
+          </a:xfrm>
+        </p:spPr>
         <p:txBody>
           <a:bodyPr/>
           <a:lstStyle/>
           <a:p>
             <a:r>
               <a:rPr lang="en-CH" dirty="0"/>
-              <a:t>Background</a:t>
+              <a:t>Characterize market months (market rules, average prices, volatility)</a:t>
             </a:r>
           </a:p>
           <a:p>
             <a:r>
               <a:rPr lang="en-CH" dirty="0"/>
-              <a:t>Literature</a:t>
-            </a:r>
-          </a:p>
-          <a:p>
-            <a:r>
-              <a:rPr lang="en-CH" dirty="0"/>
-              <a:t>Research objectives</a:t>
-            </a:r>
-          </a:p>
-          <a:p>
-            <a:r>
-              <a:rPr lang="en-CH" dirty="0"/>
-              <a:t>Data (data required and data management plan)</a:t>
-            </a:r>
-          </a:p>
-          <a:p>
-            <a:r>
-              <a:rPr lang="en-CH" dirty="0"/>
-              <a:t>Project planning</a:t>
-            </a:r>
-          </a:p>
-        </p:txBody>
-      </p:sp>
+              <a:t>Pair with PV production, local load, carbon intensity</a:t>
+            </a:r>
+          </a:p>
+          <a:p>
+            <a:pPr marL="0" indent="0">
+              <a:buNone/>
+            </a:pPr>
+            <a:r>
+              <a:rPr lang="en-CH" dirty="0">
+                <a:sym typeface="Wingdings" pitchFamily="2" charset="2"/>
+              </a:rPr>
+              <a:t> Will allow to analyse potential revenues under specific market conditions to make predictions about future trends</a:t>
+            </a:r>
+            <a:endParaRPr lang="en-CH" dirty="0"/>
+          </a:p>
+          <a:p>
+            <a:endParaRPr lang="en-CH" dirty="0"/>
+          </a:p>
+        </p:txBody>
+      </p:sp>
+      <p:grpSp>
+        <p:nvGrpSpPr>
+          <p:cNvPr id="10" name="Group 9">
+            <a:extLst>
+              <a:ext uri="{FF2B5EF4-FFF2-40B4-BE49-F238E27FC236}">
+                <a16:creationId xmlns:a16="http://schemas.microsoft.com/office/drawing/2014/main" id="{1046AEC0-5F65-C307-36EE-F852A84C0C35}"/>
+              </a:ext>
+            </a:extLst>
+          </p:cNvPr>
+          <p:cNvGrpSpPr>
+            <a:grpSpLocks noChangeAspect="1"/>
+          </p:cNvGrpSpPr>
+          <p:nvPr/>
+        </p:nvGrpSpPr>
+        <p:grpSpPr>
+          <a:xfrm>
+            <a:off x="7607432" y="788283"/>
+            <a:ext cx="4440272" cy="5254781"/>
+            <a:chOff x="6875462" y="1412875"/>
+            <a:chExt cx="4584700" cy="5425703"/>
+          </a:xfrm>
+        </p:grpSpPr>
+        <p:pic>
+          <p:nvPicPr>
+            <p:cNvPr id="7" name="Picture 6">
+              <a:extLst>
+                <a:ext uri="{FF2B5EF4-FFF2-40B4-BE49-F238E27FC236}">
+                  <a16:creationId xmlns:a16="http://schemas.microsoft.com/office/drawing/2014/main" id="{4957C303-30E5-796E-F9F4-A7910A6B5935}"/>
+                </a:ext>
+              </a:extLst>
+            </p:cNvPr>
+            <p:cNvPicPr>
+              <a:picLocks noChangeAspect="1"/>
+            </p:cNvPicPr>
+            <p:nvPr/>
+          </p:nvPicPr>
+          <p:blipFill>
+            <a:blip r:embed="rId3"/>
+            <a:srcRect b="5962"/>
+            <a:stretch/>
+          </p:blipFill>
+          <p:spPr>
+            <a:xfrm>
+              <a:off x="6875462" y="1412875"/>
+              <a:ext cx="4584700" cy="2661492"/>
+            </a:xfrm>
+            <a:prstGeom prst="rect">
+              <a:avLst/>
+            </a:prstGeom>
+          </p:spPr>
+        </p:pic>
+        <p:pic>
+          <p:nvPicPr>
+            <p:cNvPr id="8" name="Picture 7">
+              <a:extLst>
+                <a:ext uri="{FF2B5EF4-FFF2-40B4-BE49-F238E27FC236}">
+                  <a16:creationId xmlns:a16="http://schemas.microsoft.com/office/drawing/2014/main" id="{3A0CABBA-9D57-405A-04E6-E1A91255AB5C}"/>
+                </a:ext>
+              </a:extLst>
+            </p:cNvPr>
+            <p:cNvPicPr>
+              <a:picLocks noChangeAspect="1"/>
+            </p:cNvPicPr>
+            <p:nvPr/>
+          </p:nvPicPr>
+          <p:blipFill>
+            <a:blip r:embed="rId4"/>
+            <a:stretch>
+              <a:fillRect/>
+            </a:stretch>
+          </p:blipFill>
+          <p:spPr>
+            <a:xfrm>
+              <a:off x="6875462" y="4069978"/>
+              <a:ext cx="4584700" cy="2768600"/>
+            </a:xfrm>
+            <a:prstGeom prst="rect">
+              <a:avLst/>
+            </a:prstGeom>
+          </p:spPr>
+        </p:pic>
+      </p:grpSp>
+      <p:grpSp>
+        <p:nvGrpSpPr>
+          <p:cNvPr id="11" name="Group 10">
+            <a:extLst>
+              <a:ext uri="{FF2B5EF4-FFF2-40B4-BE49-F238E27FC236}">
+                <a16:creationId xmlns:a16="http://schemas.microsoft.com/office/drawing/2014/main" id="{9E383240-4775-99A7-B6F2-FFE88AA32D28}"/>
+              </a:ext>
+            </a:extLst>
+          </p:cNvPr>
+          <p:cNvGrpSpPr/>
+          <p:nvPr/>
+        </p:nvGrpSpPr>
+        <p:grpSpPr>
+          <a:xfrm>
+            <a:off x="3026296" y="3429000"/>
+            <a:ext cx="3944156" cy="2862252"/>
+            <a:chOff x="3165440" y="3735397"/>
+            <a:chExt cx="3944156" cy="2862252"/>
+          </a:xfrm>
+        </p:grpSpPr>
+        <p:pic>
+          <p:nvPicPr>
+            <p:cNvPr id="6" name="Picture 5">
+              <a:extLst>
+                <a:ext uri="{FF2B5EF4-FFF2-40B4-BE49-F238E27FC236}">
+                  <a16:creationId xmlns:a16="http://schemas.microsoft.com/office/drawing/2014/main" id="{5331097B-3A5D-82F2-F3F9-373E3DE8F646}"/>
+                </a:ext>
+              </a:extLst>
+            </p:cNvPr>
+            <p:cNvPicPr>
+              <a:picLocks noChangeAspect="1"/>
+            </p:cNvPicPr>
+            <p:nvPr/>
+          </p:nvPicPr>
+          <p:blipFill>
+            <a:blip r:embed="rId5"/>
+            <a:stretch>
+              <a:fillRect/>
+            </a:stretch>
+          </p:blipFill>
+          <p:spPr>
+            <a:xfrm>
+              <a:off x="3165440" y="3735397"/>
+              <a:ext cx="3944156" cy="2862252"/>
+            </a:xfrm>
+            <a:prstGeom prst="rect">
+              <a:avLst/>
+            </a:prstGeom>
+          </p:spPr>
+        </p:pic>
+        <p:sp>
+          <p:nvSpPr>
+            <p:cNvPr id="9" name="TextBox 8">
+              <a:extLst>
+                <a:ext uri="{FF2B5EF4-FFF2-40B4-BE49-F238E27FC236}">
+                  <a16:creationId xmlns:a16="http://schemas.microsoft.com/office/drawing/2014/main" id="{D808E264-C8A3-E81D-5454-6A0B20D51F90}"/>
+                </a:ext>
+              </a:extLst>
+            </p:cNvPr>
+            <p:cNvSpPr txBox="1"/>
+            <p:nvPr/>
+          </p:nvSpPr>
+          <p:spPr>
+            <a:xfrm>
+              <a:off x="4414731" y="3845242"/>
+              <a:ext cx="1736373" cy="369332"/>
+            </a:xfrm>
+            <a:prstGeom prst="rect">
+              <a:avLst/>
+            </a:prstGeom>
+            <a:noFill/>
+          </p:spPr>
+          <p:txBody>
+            <a:bodyPr wrap="none" rtlCol="0">
+              <a:spAutoFit/>
+            </a:bodyPr>
+            <a:lstStyle/>
+            <a:p>
+              <a:r>
+                <a:rPr lang="en-US" dirty="0"/>
+                <a:t>Industrial loads</a:t>
+              </a:r>
+              <a:endParaRPr lang="en-GB" b="0" i="0" u="none" strike="noStrike" dirty="0">
+                <a:solidFill>
+                  <a:srgbClr val="000000"/>
+                </a:solidFill>
+                <a:effectLst/>
+                <a:latin typeface="Helvetica" pitchFamily="2" charset="0"/>
+              </a:endParaRPr>
+            </a:p>
+          </p:txBody>
+        </p:sp>
+      </p:grpSp>
     </p:spTree>
     <p:extLst>
       <p:ext uri="{BB962C8B-B14F-4D97-AF65-F5344CB8AC3E}">
-        <p14:creationId xmlns:p14="http://schemas.microsoft.com/office/powerpoint/2010/main" val="931925201"/>
+        <p14:creationId xmlns:p14="http://schemas.microsoft.com/office/powerpoint/2010/main" val="3559282977"/>
+      </p:ext>
+    </p:extLst>
+  </p:cSld>
+  <p:clrMapOvr>
+    <a:masterClrMapping/>
+  </p:clrMapOvr>
+</p:sld>
+</file>
+
+<file path=ppt/slides/slide9.xml><?xml version="1.0" encoding="utf-8"?>
+<p:sld xmlns:a="http://schemas.openxmlformats.org/drawingml/2006/main" xmlns:r="http://schemas.openxmlformats.org/officeDocument/2006/relationships" xmlns:p="http://schemas.openxmlformats.org/presentationml/2006/main">
+  <p:cSld>
+    <p:spTree>
+      <p:nvGrpSpPr>
+        <p:cNvPr id="1" name="">
+          <a:extLst>
+            <a:ext uri="{FF2B5EF4-FFF2-40B4-BE49-F238E27FC236}">
+              <a16:creationId xmlns:a16="http://schemas.microsoft.com/office/drawing/2014/main" id="{1DA49492-1ABE-8344-B8A2-AF3FC2D9F633}"/>
+            </a:ext>
+          </a:extLst>
+        </p:cNvPr>
+        <p:cNvGrpSpPr/>
+        <p:nvPr/>
+      </p:nvGrpSpPr>
+      <p:grpSpPr>
+        <a:xfrm>
+          <a:off x="0" y="0"/>
+          <a:ext cx="0" cy="0"/>
+          <a:chOff x="0" y="0"/>
+          <a:chExt cx="0" cy="0"/>
+        </a:xfrm>
+      </p:grpSpPr>
+      <p:sp>
+        <p:nvSpPr>
+          <p:cNvPr id="2" name="Title 1">
+            <a:extLst>
+              <a:ext uri="{FF2B5EF4-FFF2-40B4-BE49-F238E27FC236}">
+                <a16:creationId xmlns:a16="http://schemas.microsoft.com/office/drawing/2014/main" id="{FFFDBB29-FA3F-D87E-F269-8D80AF935480}"/>
+              </a:ext>
+            </a:extLst>
+          </p:cNvPr>
+          <p:cNvSpPr>
+            <a:spLocks noGrp="1"/>
+          </p:cNvSpPr>
+          <p:nvPr>
+            <p:ph type="title"/>
+          </p:nvPr>
+        </p:nvSpPr>
+        <p:spPr>
+          <a:xfrm>
+            <a:off x="731837" y="260351"/>
+            <a:ext cx="10728325" cy="588061"/>
+          </a:xfrm>
+        </p:spPr>
+        <p:txBody>
+          <a:bodyPr/>
+          <a:lstStyle/>
+          <a:p>
+            <a:r>
+              <a:rPr lang="en-CH" dirty="0"/>
+              <a:t>Optimization problem: main features</a:t>
+            </a:r>
+          </a:p>
+        </p:txBody>
+      </p:sp>
+      <p:sp>
+        <p:nvSpPr>
+          <p:cNvPr id="3" name="Content Placeholder 2">
+            <a:extLst>
+              <a:ext uri="{FF2B5EF4-FFF2-40B4-BE49-F238E27FC236}">
+                <a16:creationId xmlns:a16="http://schemas.microsoft.com/office/drawing/2014/main" id="{D58B1397-22D8-9B40-BA8E-B0F9A5618DFB}"/>
+              </a:ext>
+            </a:extLst>
+          </p:cNvPr>
+          <p:cNvSpPr>
+            <a:spLocks noGrp="1"/>
+          </p:cNvSpPr>
+          <p:nvPr>
+            <p:ph idx="1"/>
+          </p:nvPr>
+        </p:nvSpPr>
+        <p:spPr>
+          <a:xfrm>
+            <a:off x="731836" y="848412"/>
+            <a:ext cx="10728325" cy="4680000"/>
+          </a:xfrm>
+        </p:spPr>
+        <p:txBody>
+          <a:bodyPr/>
+          <a:lstStyle/>
+          <a:p>
+            <a:r>
+              <a:rPr lang="en-CH" dirty="0"/>
+              <a:t>Operational objective function:</a:t>
+            </a:r>
+          </a:p>
+          <a:p>
+            <a:r>
+              <a:rPr lang="en-CH" dirty="0"/>
+              <a:t>Constraints:</a:t>
+            </a:r>
+          </a:p>
+          <a:p>
+            <a:pPr lvl="1"/>
+            <a:r>
+              <a:rPr lang="en-CH" dirty="0"/>
+              <a:t>Flow, technical</a:t>
+            </a:r>
+          </a:p>
+          <a:p>
+            <a:pPr lvl="1"/>
+            <a:r>
+              <a:rPr lang="en-CH" dirty="0"/>
+              <a:t>Regulatory constraints of markets (e.g. volume ticks, minimum SOC)</a:t>
+            </a:r>
+          </a:p>
+          <a:p>
+            <a:endParaRPr lang="en-CH" dirty="0"/>
+          </a:p>
+          <a:p>
+            <a:endParaRPr lang="en-CH" dirty="0"/>
+          </a:p>
+          <a:p>
+            <a:r>
+              <a:rPr lang="en-CH" dirty="0"/>
+              <a:t>Solving will heavily depend on problem complexity once implemented</a:t>
+            </a:r>
+          </a:p>
+          <a:p>
+            <a:r>
+              <a:rPr lang="en-CH" dirty="0"/>
+              <a:t>Single-stage (month-long) with variable storage capacities might be too complex</a:t>
+            </a:r>
+          </a:p>
+          <a:p>
+            <a:pPr lvl="1"/>
+            <a:r>
+              <a:rPr lang="en-CH" dirty="0"/>
+              <a:t>Possibly implement a two-stage optimization:</a:t>
+            </a:r>
+          </a:p>
+          <a:p>
+            <a:pPr lvl="2"/>
+            <a:r>
+              <a:rPr lang="en-CH" dirty="0"/>
+              <a:t>1st stage on shorter timescales builds a surrogate model for system configuration</a:t>
+            </a:r>
+          </a:p>
+          <a:p>
+            <a:pPr lvl="2"/>
+            <a:r>
+              <a:rPr lang="en-CH" dirty="0"/>
+              <a:t>2nd stage solves for longer timescales</a:t>
+            </a:r>
+          </a:p>
+          <a:p>
+            <a:endParaRPr lang="en-CH" dirty="0"/>
+          </a:p>
+        </p:txBody>
+      </p:sp>
+      <p:pic>
+        <p:nvPicPr>
+          <p:cNvPr id="11" name="Picture 10">
+            <a:extLst>
+              <a:ext uri="{FF2B5EF4-FFF2-40B4-BE49-F238E27FC236}">
+                <a16:creationId xmlns:a16="http://schemas.microsoft.com/office/drawing/2014/main" id="{1907E905-508F-1998-7AF7-98081193B308}"/>
+              </a:ext>
+            </a:extLst>
+          </p:cNvPr>
+          <p:cNvPicPr>
+            <a:picLocks noChangeAspect="1"/>
+          </p:cNvPicPr>
+          <p:nvPr/>
+        </p:nvPicPr>
+        <p:blipFill>
+          <a:blip r:embed="rId3"/>
+          <a:stretch>
+            <a:fillRect/>
+          </a:stretch>
+        </p:blipFill>
+        <p:spPr>
+          <a:xfrm>
+            <a:off x="4151021" y="723111"/>
+            <a:ext cx="4457700" cy="520700"/>
+          </a:xfrm>
+          <a:prstGeom prst="rect">
+            <a:avLst/>
+          </a:prstGeom>
+        </p:spPr>
+      </p:pic>
+      <p:sp>
+        <p:nvSpPr>
+          <p:cNvPr id="12" name="Title 1">
+            <a:extLst>
+              <a:ext uri="{FF2B5EF4-FFF2-40B4-BE49-F238E27FC236}">
+                <a16:creationId xmlns:a16="http://schemas.microsoft.com/office/drawing/2014/main" id="{F2F862B4-E24D-AF38-C9E8-E7EDACE47085}"/>
+              </a:ext>
+            </a:extLst>
+          </p:cNvPr>
+          <p:cNvSpPr txBox="1">
+            <a:spLocks/>
+          </p:cNvSpPr>
+          <p:nvPr/>
+        </p:nvSpPr>
+        <p:spPr>
+          <a:xfrm>
+            <a:off x="731836" y="2504020"/>
+            <a:ext cx="10728325" cy="588061"/>
+          </a:xfrm>
+          <a:prstGeom prst="rect">
+            <a:avLst/>
+          </a:prstGeom>
+        </p:spPr>
+        <p:txBody>
+          <a:bodyPr vert="horz" lIns="0" tIns="0" rIns="0" bIns="0" rtlCol="0" anchor="t" anchorCtr="0">
+            <a:noAutofit/>
+          </a:bodyPr>
+          <a:lstStyle>
+            <a:lvl1pPr algn="l" defTabSz="914400" rtl="0" eaLnBrk="1" latinLnBrk="0" hangingPunct="1">
+              <a:lnSpc>
+                <a:spcPct val="90000"/>
+              </a:lnSpc>
+              <a:spcBef>
+                <a:spcPct val="0"/>
+              </a:spcBef>
+              <a:buNone/>
+              <a:defRPr sz="2600" kern="1200">
+                <a:solidFill>
+                  <a:schemeClr val="tx1"/>
+                </a:solidFill>
+                <a:latin typeface="+mj-lt"/>
+                <a:ea typeface="+mj-ea"/>
+                <a:cs typeface="+mj-cs"/>
+              </a:defRPr>
+            </a:lvl1pPr>
+          </a:lstStyle>
+          <a:p>
+            <a:r>
+              <a:rPr lang="en-CH" dirty="0"/>
+              <a:t>Optimization problem: solving</a:t>
+            </a:r>
+          </a:p>
+        </p:txBody>
+      </p:sp>
+    </p:spTree>
+    <p:extLst>
+      <p:ext uri="{BB962C8B-B14F-4D97-AF65-F5344CB8AC3E}">
+        <p14:creationId xmlns:p14="http://schemas.microsoft.com/office/powerpoint/2010/main" val="1505689596"/>
       </p:ext>
     </p:extLst>
   </p:cSld>
